--- a/sslab/UTI.pptx
+++ b/sslab/UTI.pptx
@@ -1,35 +1,455 @@
 
 <file path=ppt/presentation.xml><?xml version="1.0" encoding="utf-8"?>
-<p:presentation xmlns:a="http://schemas.openxmlformats.org/drawingml/2006/main" xmlns:p="http://schemas.openxmlformats.org/presentationml/2006/main" xmlns:r="http://schemas.openxmlformats.org/officeDocument/2006/relationships" xmlns:p14="http://schemas.microsoft.com/office/powerpoint/2010/main" xmlns:p15="http://schemas.microsoft.com/office/powerpoint/2012/main" xmlns:mc="http://schemas.openxmlformats.org/markup-compatibility/2006">
+<p:presentation xmlns:a="http://schemas.openxmlformats.org/drawingml/2006/main" xmlns:r="http://schemas.openxmlformats.org/officeDocument/2006/relationships" xmlns:p="http://schemas.openxmlformats.org/presentationml/2006/main">
   <p:sldMasterIdLst>
-    <p:sldMasterId id="2147483648" r:id="rId2"/>
-    <p:sldMasterId id="2147483661" r:id="rId3"/>
+    <p:sldMasterId id="2147483648" r:id="rId1"/>
+    <p:sldMasterId id="2147483661" r:id="rId2"/>
   </p:sldMasterIdLst>
   <p:notesMasterIdLst>
-    <p:notesMasterId r:id="rId4"/>
+    <p:notesMasterId r:id="rId21"/>
   </p:notesMasterIdLst>
   <p:sldIdLst>
-    <p:sldId id="256" r:id="rId5"/>
-    <p:sldId id="257" r:id="rId6"/>
-    <p:sldId id="258" r:id="rId7"/>
-    <p:sldId id="259" r:id="rId8"/>
-    <p:sldId id="260" r:id="rId9"/>
-    <p:sldId id="261" r:id="rId10"/>
-    <p:sldId id="262" r:id="rId11"/>
-    <p:sldId id="263" r:id="rId12"/>
-    <p:sldId id="264" r:id="rId13"/>
-    <p:sldId id="265" r:id="rId14"/>
-    <p:sldId id="266" r:id="rId15"/>
-    <p:sldId id="267" r:id="rId16"/>
-    <p:sldId id="268" r:id="rId17"/>
+    <p:sldId id="256" r:id="rId3"/>
+    <p:sldId id="261" r:id="rId4"/>
+    <p:sldId id="262" r:id="rId5"/>
+    <p:sldId id="263" r:id="rId6"/>
+    <p:sldId id="264" r:id="rId7"/>
+    <p:sldId id="265" r:id="rId8"/>
+    <p:sldId id="266" r:id="rId9"/>
+    <p:sldId id="267" r:id="rId10"/>
+    <p:sldId id="268" r:id="rId11"/>
+    <p:sldId id="269" r:id="rId12"/>
+    <p:sldId id="270" r:id="rId13"/>
+    <p:sldId id="271" r:id="rId14"/>
+    <p:sldId id="272" r:id="rId15"/>
+    <p:sldId id="257" r:id="rId16"/>
+    <p:sldId id="258" r:id="rId17"/>
+    <p:sldId id="259" r:id="rId18"/>
+    <p:sldId id="260" r:id="rId19"/>
+    <p:sldId id="273" r:id="rId20"/>
   </p:sldIdLst>
   <p:sldSz cx="12192000" cy="6858000"/>
   <p:notesSz cx="6858000" cy="9144000"/>
+  <p:defaultTextStyle>
+    <a:defPPr>
+      <a:defRPr lang="zh-CN"/>
+    </a:defPPr>
+    <a:lvl1pPr marL="0" algn="l" defTabSz="914400" rtl="0" eaLnBrk="1" latinLnBrk="0" hangingPunct="1">
+      <a:defRPr sz="1800" kern="1200">
+        <a:solidFill>
+          <a:schemeClr val="tx1"/>
+        </a:solidFill>
+        <a:latin typeface="+mn-lt"/>
+        <a:ea typeface="+mn-ea"/>
+        <a:cs typeface="+mn-cs"/>
+      </a:defRPr>
+    </a:lvl1pPr>
+    <a:lvl2pPr marL="457200" algn="l" defTabSz="914400" rtl="0" eaLnBrk="1" latinLnBrk="0" hangingPunct="1">
+      <a:defRPr sz="1800" kern="1200">
+        <a:solidFill>
+          <a:schemeClr val="tx1"/>
+        </a:solidFill>
+        <a:latin typeface="+mn-lt"/>
+        <a:ea typeface="+mn-ea"/>
+        <a:cs typeface="+mn-cs"/>
+      </a:defRPr>
+    </a:lvl2pPr>
+    <a:lvl3pPr marL="914400" algn="l" defTabSz="914400" rtl="0" eaLnBrk="1" latinLnBrk="0" hangingPunct="1">
+      <a:defRPr sz="1800" kern="1200">
+        <a:solidFill>
+          <a:schemeClr val="tx1"/>
+        </a:solidFill>
+        <a:latin typeface="+mn-lt"/>
+        <a:ea typeface="+mn-ea"/>
+        <a:cs typeface="+mn-cs"/>
+      </a:defRPr>
+    </a:lvl3pPr>
+    <a:lvl4pPr marL="1371600" algn="l" defTabSz="914400" rtl="0" eaLnBrk="1" latinLnBrk="0" hangingPunct="1">
+      <a:defRPr sz="1800" kern="1200">
+        <a:solidFill>
+          <a:schemeClr val="tx1"/>
+        </a:solidFill>
+        <a:latin typeface="+mn-lt"/>
+        <a:ea typeface="+mn-ea"/>
+        <a:cs typeface="+mn-cs"/>
+      </a:defRPr>
+    </a:lvl4pPr>
+    <a:lvl5pPr marL="1828800" algn="l" defTabSz="914400" rtl="0" eaLnBrk="1" latinLnBrk="0" hangingPunct="1">
+      <a:defRPr sz="1800" kern="1200">
+        <a:solidFill>
+          <a:schemeClr val="tx1"/>
+        </a:solidFill>
+        <a:latin typeface="+mn-lt"/>
+        <a:ea typeface="+mn-ea"/>
+        <a:cs typeface="+mn-cs"/>
+      </a:defRPr>
+    </a:lvl5pPr>
+    <a:lvl6pPr marL="2286000" algn="l" defTabSz="914400" rtl="0" eaLnBrk="1" latinLnBrk="0" hangingPunct="1">
+      <a:defRPr sz="1800" kern="1200">
+        <a:solidFill>
+          <a:schemeClr val="tx1"/>
+        </a:solidFill>
+        <a:latin typeface="+mn-lt"/>
+        <a:ea typeface="+mn-ea"/>
+        <a:cs typeface="+mn-cs"/>
+      </a:defRPr>
+    </a:lvl6pPr>
+    <a:lvl7pPr marL="2743200" algn="l" defTabSz="914400" rtl="0" eaLnBrk="1" latinLnBrk="0" hangingPunct="1">
+      <a:defRPr sz="1800" kern="1200">
+        <a:solidFill>
+          <a:schemeClr val="tx1"/>
+        </a:solidFill>
+        <a:latin typeface="+mn-lt"/>
+        <a:ea typeface="+mn-ea"/>
+        <a:cs typeface="+mn-cs"/>
+      </a:defRPr>
+    </a:lvl7pPr>
+    <a:lvl8pPr marL="3200400" algn="l" defTabSz="914400" rtl="0" eaLnBrk="1" latinLnBrk="0" hangingPunct="1">
+      <a:defRPr sz="1800" kern="1200">
+        <a:solidFill>
+          <a:schemeClr val="tx1"/>
+        </a:solidFill>
+        <a:latin typeface="+mn-lt"/>
+        <a:ea typeface="+mn-ea"/>
+        <a:cs typeface="+mn-cs"/>
+      </a:defRPr>
+    </a:lvl8pPr>
+    <a:lvl9pPr marL="3657600" algn="l" defTabSz="914400" rtl="0" eaLnBrk="1" latinLnBrk="0" hangingPunct="1">
+      <a:defRPr sz="1800" kern="1200">
+        <a:solidFill>
+          <a:schemeClr val="tx1"/>
+        </a:solidFill>
+        <a:latin typeface="+mn-lt"/>
+        <a:ea typeface="+mn-ea"/>
+        <a:cs typeface="+mn-cs"/>
+      </a:defRPr>
+    </a:lvl9pPr>
+  </p:defaultTextStyle>
 </p:presentation>
 </file>
 
 <file path=ppt/notesMasters/notesMaster1.xml><?xml version="1.0" encoding="utf-8"?>
-<p:notesMaster xmlns:a="http://schemas.openxmlformats.org/drawingml/2006/main" xmlns:p="http://schemas.openxmlformats.org/presentationml/2006/main" xmlns:r="http://schemas.openxmlformats.org/officeDocument/2006/relationships" xmlns:p14="http://schemas.microsoft.com/office/powerpoint/2010/main" xmlns:p15="http://schemas.microsoft.com/office/powerpoint/2012/main" xmlns:mc="http://schemas.openxmlformats.org/markup-compatibility/2006">
+<p:notesMaster xmlns:a="http://schemas.openxmlformats.org/drawingml/2006/main" xmlns:r="http://schemas.openxmlformats.org/officeDocument/2006/relationships" xmlns:p="http://schemas.openxmlformats.org/presentationml/2006/main">
+  <p:cSld>
+    <p:bg>
+      <p:bgRef idx="1001">
+        <a:schemeClr val="bg1"/>
+      </p:bgRef>
+    </p:bg>
+    <p:spTree>
+      <p:nvGrpSpPr>
+        <p:cNvPr id="1" name=""/>
+        <p:cNvGrpSpPr/>
+        <p:nvPr/>
+      </p:nvGrpSpPr>
+      <p:grpSpPr>
+        <a:xfrm>
+          <a:off x="0" y="0"/>
+          <a:ext cx="0" cy="0"/>
+          <a:chOff x="0" y="0"/>
+          <a:chExt cx="0" cy="0"/>
+        </a:xfrm>
+      </p:grpSpPr>
+      <p:sp>
+        <p:nvSpPr>
+          <p:cNvPr id="82" name="PlaceHolder 1"/>
+          <p:cNvSpPr>
+            <a:spLocks noGrp="1" noRot="1" noChangeAspect="1"/>
+          </p:cNvSpPr>
+          <p:nvPr>
+            <p:ph type="sldImg"/>
+          </p:nvPr>
+        </p:nvSpPr>
+        <p:spPr>
+          <a:xfrm>
+            <a:off x="216000" y="812520"/>
+            <a:ext cx="7127280" cy="4008960"/>
+          </a:xfrm>
+          <a:prstGeom prst="rect">
+            <a:avLst/>
+          </a:prstGeom>
+        </p:spPr>
+        <p:txBody>
+          <a:bodyPr lIns="0" tIns="0" rIns="0" bIns="0" anchor="ctr"/>
+          <a:lstStyle/>
+          <a:p>
+            <a:r>
+              <a:rPr lang="zh-CN" sz="1800" b="0" strike="noStrike" spc="-1">
+                <a:solidFill>
+                  <a:srgbClr val="000000"/>
+                </a:solidFill>
+                <a:latin typeface="等线"/>
+              </a:rPr>
+              <a:t>Click to move the slide</a:t>
+            </a:r>
+          </a:p>
+        </p:txBody>
+      </p:sp>
+      <p:sp>
+        <p:nvSpPr>
+          <p:cNvPr id="83" name="PlaceHolder 2"/>
+          <p:cNvSpPr>
+            <a:spLocks noGrp="1"/>
+          </p:cNvSpPr>
+          <p:nvPr>
+            <p:ph type="body"/>
+          </p:nvPr>
+        </p:nvSpPr>
+        <p:spPr>
+          <a:xfrm>
+            <a:off x="756000" y="5078520"/>
+            <a:ext cx="6047640" cy="4811040"/>
+          </a:xfrm>
+          <a:prstGeom prst="rect">
+            <a:avLst/>
+          </a:prstGeom>
+        </p:spPr>
+        <p:txBody>
+          <a:bodyPr lIns="0" tIns="0" rIns="0" bIns="0"/>
+          <a:lstStyle/>
+          <a:p>
+            <a:r>
+              <a:rPr lang="en-US" sz="2000" b="0" strike="noStrike" spc="-1">
+                <a:latin typeface="Arial"/>
+              </a:rPr>
+              <a:t>Click to edit the notes format</a:t>
+            </a:r>
+          </a:p>
+        </p:txBody>
+      </p:sp>
+      <p:sp>
+        <p:nvSpPr>
+          <p:cNvPr id="84" name="PlaceHolder 3"/>
+          <p:cNvSpPr>
+            <a:spLocks noGrp="1"/>
+          </p:cNvSpPr>
+          <p:nvPr>
+            <p:ph type="hdr"/>
+          </p:nvPr>
+        </p:nvSpPr>
+        <p:spPr>
+          <a:xfrm>
+            <a:off x="0" y="0"/>
+            <a:ext cx="3280680" cy="534240"/>
+          </a:xfrm>
+          <a:prstGeom prst="rect">
+            <a:avLst/>
+          </a:prstGeom>
+        </p:spPr>
+        <p:txBody>
+          <a:bodyPr lIns="0" tIns="0" rIns="0" bIns="0"/>
+          <a:lstStyle/>
+          <a:p>
+            <a:r>
+              <a:rPr lang="en-US" sz="1400" b="0" strike="noStrike" spc="-1">
+                <a:latin typeface="Times New Roman"/>
+              </a:rPr>
+              <a:t>&lt;header&gt;</a:t>
+            </a:r>
+          </a:p>
+        </p:txBody>
+      </p:sp>
+      <p:sp>
+        <p:nvSpPr>
+          <p:cNvPr id="85" name="PlaceHolder 4"/>
+          <p:cNvSpPr>
+            <a:spLocks noGrp="1"/>
+          </p:cNvSpPr>
+          <p:nvPr>
+            <p:ph type="dt"/>
+          </p:nvPr>
+        </p:nvSpPr>
+        <p:spPr>
+          <a:xfrm>
+            <a:off x="4278960" y="0"/>
+            <a:ext cx="3280680" cy="534240"/>
+          </a:xfrm>
+          <a:prstGeom prst="rect">
+            <a:avLst/>
+          </a:prstGeom>
+        </p:spPr>
+        <p:txBody>
+          <a:bodyPr lIns="0" tIns="0" rIns="0" bIns="0"/>
+          <a:lstStyle/>
+          <a:p>
+            <a:pPr algn="r"/>
+            <a:r>
+              <a:rPr lang="en-US" sz="1400" b="0" strike="noStrike" spc="-1">
+                <a:latin typeface="Times New Roman"/>
+              </a:rPr>
+              <a:t>&lt;date/time&gt;</a:t>
+            </a:r>
+          </a:p>
+        </p:txBody>
+      </p:sp>
+      <p:sp>
+        <p:nvSpPr>
+          <p:cNvPr id="86" name="PlaceHolder 5"/>
+          <p:cNvSpPr>
+            <a:spLocks noGrp="1"/>
+          </p:cNvSpPr>
+          <p:nvPr>
+            <p:ph type="ftr"/>
+          </p:nvPr>
+        </p:nvSpPr>
+        <p:spPr>
+          <a:xfrm>
+            <a:off x="0" y="10157400"/>
+            <a:ext cx="3280680" cy="534240"/>
+          </a:xfrm>
+          <a:prstGeom prst="rect">
+            <a:avLst/>
+          </a:prstGeom>
+        </p:spPr>
+        <p:txBody>
+          <a:bodyPr lIns="0" tIns="0" rIns="0" bIns="0" anchor="b"/>
+          <a:lstStyle/>
+          <a:p>
+            <a:r>
+              <a:rPr lang="en-US" sz="1400" b="0" strike="noStrike" spc="-1">
+                <a:latin typeface="Times New Roman"/>
+              </a:rPr>
+              <a:t>&lt;footer&gt;</a:t>
+            </a:r>
+          </a:p>
+        </p:txBody>
+      </p:sp>
+      <p:sp>
+        <p:nvSpPr>
+          <p:cNvPr id="87" name="PlaceHolder 6"/>
+          <p:cNvSpPr>
+            <a:spLocks noGrp="1"/>
+          </p:cNvSpPr>
+          <p:nvPr>
+            <p:ph type="sldNum"/>
+          </p:nvPr>
+        </p:nvSpPr>
+        <p:spPr>
+          <a:xfrm>
+            <a:off x="4278960" y="10157400"/>
+            <a:ext cx="3280680" cy="534240"/>
+          </a:xfrm>
+          <a:prstGeom prst="rect">
+            <a:avLst/>
+          </a:prstGeom>
+        </p:spPr>
+        <p:txBody>
+          <a:bodyPr lIns="0" tIns="0" rIns="0" bIns="0" anchor="b"/>
+          <a:lstStyle/>
+          <a:p>
+            <a:pPr algn="r"/>
+            <a:fld id="{1C6C0BB2-7549-4633-A32E-2ECC54ABA456}" type="slidenum">
+              <a:rPr lang="en-US" sz="1400" b="0" strike="noStrike" spc="-1">
+                <a:latin typeface="Times New Roman"/>
+              </a:rPr>
+              <a:t>‹#›</a:t>
+            </a:fld>
+            <a:endParaRPr lang="en-US" sz="1400" b="0" strike="noStrike" spc="-1">
+              <a:latin typeface="Times New Roman"/>
+            </a:endParaRPr>
+          </a:p>
+        </p:txBody>
+      </p:sp>
+    </p:spTree>
+  </p:cSld>
+  <p:clrMap bg1="lt1" tx1="dk1" bg2="lt2" tx2="dk2" accent1="accent1" accent2="accent2" accent3="accent3" accent4="accent4" accent5="accent5" accent6="accent6" hlink="hlink" folHlink="folHlink"/>
+  <p:notesStyle>
+    <a:lvl1pPr marL="0" algn="l" defTabSz="914400" rtl="0" eaLnBrk="1" latinLnBrk="0" hangingPunct="1">
+      <a:defRPr sz="1200" kern="1200">
+        <a:solidFill>
+          <a:schemeClr val="tx1"/>
+        </a:solidFill>
+        <a:latin typeface="+mn-lt"/>
+        <a:ea typeface="+mn-ea"/>
+        <a:cs typeface="+mn-cs"/>
+      </a:defRPr>
+    </a:lvl1pPr>
+    <a:lvl2pPr marL="457200" algn="l" defTabSz="914400" rtl="0" eaLnBrk="1" latinLnBrk="0" hangingPunct="1">
+      <a:defRPr sz="1200" kern="1200">
+        <a:solidFill>
+          <a:schemeClr val="tx1"/>
+        </a:solidFill>
+        <a:latin typeface="+mn-lt"/>
+        <a:ea typeface="+mn-ea"/>
+        <a:cs typeface="+mn-cs"/>
+      </a:defRPr>
+    </a:lvl2pPr>
+    <a:lvl3pPr marL="914400" algn="l" defTabSz="914400" rtl="0" eaLnBrk="1" latinLnBrk="0" hangingPunct="1">
+      <a:defRPr sz="1200" kern="1200">
+        <a:solidFill>
+          <a:schemeClr val="tx1"/>
+        </a:solidFill>
+        <a:latin typeface="+mn-lt"/>
+        <a:ea typeface="+mn-ea"/>
+        <a:cs typeface="+mn-cs"/>
+      </a:defRPr>
+    </a:lvl3pPr>
+    <a:lvl4pPr marL="1371600" algn="l" defTabSz="914400" rtl="0" eaLnBrk="1" latinLnBrk="0" hangingPunct="1">
+      <a:defRPr sz="1200" kern="1200">
+        <a:solidFill>
+          <a:schemeClr val="tx1"/>
+        </a:solidFill>
+        <a:latin typeface="+mn-lt"/>
+        <a:ea typeface="+mn-ea"/>
+        <a:cs typeface="+mn-cs"/>
+      </a:defRPr>
+    </a:lvl4pPr>
+    <a:lvl5pPr marL="1828800" algn="l" defTabSz="914400" rtl="0" eaLnBrk="1" latinLnBrk="0" hangingPunct="1">
+      <a:defRPr sz="1200" kern="1200">
+        <a:solidFill>
+          <a:schemeClr val="tx1"/>
+        </a:solidFill>
+        <a:latin typeface="+mn-lt"/>
+        <a:ea typeface="+mn-ea"/>
+        <a:cs typeface="+mn-cs"/>
+      </a:defRPr>
+    </a:lvl5pPr>
+    <a:lvl6pPr marL="2286000" algn="l" defTabSz="914400" rtl="0" eaLnBrk="1" latinLnBrk="0" hangingPunct="1">
+      <a:defRPr sz="1200" kern="1200">
+        <a:solidFill>
+          <a:schemeClr val="tx1"/>
+        </a:solidFill>
+        <a:latin typeface="+mn-lt"/>
+        <a:ea typeface="+mn-ea"/>
+        <a:cs typeface="+mn-cs"/>
+      </a:defRPr>
+    </a:lvl6pPr>
+    <a:lvl7pPr marL="2743200" algn="l" defTabSz="914400" rtl="0" eaLnBrk="1" latinLnBrk="0" hangingPunct="1">
+      <a:defRPr sz="1200" kern="1200">
+        <a:solidFill>
+          <a:schemeClr val="tx1"/>
+        </a:solidFill>
+        <a:latin typeface="+mn-lt"/>
+        <a:ea typeface="+mn-ea"/>
+        <a:cs typeface="+mn-cs"/>
+      </a:defRPr>
+    </a:lvl7pPr>
+    <a:lvl8pPr marL="3200400" algn="l" defTabSz="914400" rtl="0" eaLnBrk="1" latinLnBrk="0" hangingPunct="1">
+      <a:defRPr sz="1200" kern="1200">
+        <a:solidFill>
+          <a:schemeClr val="tx1"/>
+        </a:solidFill>
+        <a:latin typeface="+mn-lt"/>
+        <a:ea typeface="+mn-ea"/>
+        <a:cs typeface="+mn-cs"/>
+      </a:defRPr>
+    </a:lvl8pPr>
+    <a:lvl9pPr marL="3657600" algn="l" defTabSz="914400" rtl="0" eaLnBrk="1" latinLnBrk="0" hangingPunct="1">
+      <a:defRPr sz="1200" kern="1200">
+        <a:solidFill>
+          <a:schemeClr val="tx1"/>
+        </a:solidFill>
+        <a:latin typeface="+mn-lt"/>
+        <a:ea typeface="+mn-ea"/>
+        <a:cs typeface="+mn-cs"/>
+      </a:defRPr>
+    </a:lvl9pPr>
+  </p:notesStyle>
+</p:notesMaster>
+</file>
+
+<file path=ppt/notesSlides/notesSlide1.xml><?xml version="1.0" encoding="utf-8"?>
+<p:notes xmlns:a="http://schemas.openxmlformats.org/drawingml/2006/main" xmlns:r="http://schemas.openxmlformats.org/officeDocument/2006/relationships" xmlns:p="http://schemas.openxmlformats.org/presentationml/2006/main">
   <p:cSld>
     <p:spTree>
       <p:nvGrpSpPr>
@@ -47,9 +467,9 @@
       </p:grpSpPr>
       <p:sp>
         <p:nvSpPr>
-          <p:cNvPr id="82" name="PlaceHolder 1"/>
-          <p:cNvSpPr>
-            <a:spLocks noGrp="1"/>
+          <p:cNvPr id="2" name="幻灯片图像占位符 1"/>
+          <p:cNvSpPr>
+            <a:spLocks noGrp="1" noRot="1" noChangeAspect="1"/>
           </p:cNvSpPr>
           <p:nvPr>
             <p:ph type="sldImg"/>
@@ -57,214 +477,73 @@
         </p:nvSpPr>
         <p:spPr>
           <a:xfrm>
-            <a:off x="216000" y="812520"/>
-            <a:ext cx="7127280" cy="4008960"/>
-          </a:xfrm>
-          <a:prstGeom prst="rect">
-            <a:avLst/>
-          </a:prstGeom>
-        </p:spPr>
-        <p:txBody>
-          <a:bodyPr lIns="0" rIns="0" tIns="0" bIns="0" anchor="ctr"/>
-          <a:p>
-            <a:r>
-              <a:rPr b="0" lang="zh-CN" sz="1800" spc="-1" strike="noStrike">
-                <a:solidFill>
-                  <a:srgbClr val="000000"/>
-                </a:solidFill>
-                <a:latin typeface="等线"/>
-              </a:rPr>
-              <a:t>Click to move the slide</a:t>
-            </a:r>
-            <a:endParaRPr b="0" lang="zh-CN" sz="1800" spc="-1" strike="noStrike">
-              <a:solidFill>
-                <a:srgbClr val="000000"/>
-              </a:solidFill>
-              <a:latin typeface="等线"/>
-            </a:endParaRPr>
-          </a:p>
-        </p:txBody>
-      </p:sp>
-      <p:sp>
-        <p:nvSpPr>
-          <p:cNvPr id="83" name="PlaceHolder 2"/>
-          <p:cNvSpPr>
-            <a:spLocks noGrp="1"/>
-          </p:cNvSpPr>
-          <p:nvPr>
-            <p:ph type="body"/>
-          </p:nvPr>
-        </p:nvSpPr>
-        <p:spPr>
-          <a:xfrm>
-            <a:off x="756000" y="5078520"/>
-            <a:ext cx="6047640" cy="4811040"/>
-          </a:xfrm>
-          <a:prstGeom prst="rect">
-            <a:avLst/>
-          </a:prstGeom>
-        </p:spPr>
-        <p:txBody>
-          <a:bodyPr lIns="0" rIns="0" tIns="0" bIns="0"/>
-          <a:p>
-            <a:r>
-              <a:rPr b="0" lang="en-US" sz="2000" spc="-1" strike="noStrike">
-                <a:latin typeface="Arial"/>
-              </a:rPr>
-              <a:t>Click to edit the notes format</a:t>
-            </a:r>
-            <a:endParaRPr b="0" lang="en-US" sz="2000" spc="-1" strike="noStrike">
-              <a:latin typeface="Arial"/>
-            </a:endParaRPr>
-          </a:p>
-        </p:txBody>
-      </p:sp>
-      <p:sp>
-        <p:nvSpPr>
-          <p:cNvPr id="84" name="PlaceHolder 3"/>
-          <p:cNvSpPr>
-            <a:spLocks noGrp="1"/>
-          </p:cNvSpPr>
-          <p:nvPr>
-            <p:ph type="hdr"/>
-          </p:nvPr>
-        </p:nvSpPr>
-        <p:spPr>
-          <a:xfrm>
-            <a:off x="0" y="0"/>
-            <a:ext cx="3280680" cy="534240"/>
-          </a:xfrm>
-          <a:prstGeom prst="rect">
-            <a:avLst/>
-          </a:prstGeom>
-        </p:spPr>
-        <p:txBody>
-          <a:bodyPr lIns="0" rIns="0" tIns="0" bIns="0"/>
-          <a:p>
-            <a:r>
-              <a:rPr b="0" lang="en-US" sz="1400" spc="-1" strike="noStrike">
-                <a:latin typeface="Times New Roman"/>
-              </a:rPr>
-              <a:t>&lt;header&gt;</a:t>
-            </a:r>
-            <a:endParaRPr b="0" lang="en-US" sz="1400" spc="-1" strike="noStrike">
-              <a:latin typeface="Times New Roman"/>
-            </a:endParaRPr>
-          </a:p>
-        </p:txBody>
-      </p:sp>
-      <p:sp>
-        <p:nvSpPr>
-          <p:cNvPr id="85" name="PlaceHolder 4"/>
-          <p:cNvSpPr>
-            <a:spLocks noGrp="1"/>
-          </p:cNvSpPr>
-          <p:nvPr>
-            <p:ph type="dt"/>
-          </p:nvPr>
-        </p:nvSpPr>
-        <p:spPr>
-          <a:xfrm>
-            <a:off x="4278960" y="0"/>
-            <a:ext cx="3280680" cy="534240"/>
-          </a:xfrm>
-          <a:prstGeom prst="rect">
-            <a:avLst/>
-          </a:prstGeom>
-        </p:spPr>
-        <p:txBody>
-          <a:bodyPr lIns="0" rIns="0" tIns="0" bIns="0"/>
-          <a:p>
-            <a:pPr algn="r"/>
-            <a:r>
-              <a:rPr b="0" lang="en-US" sz="1400" spc="-1" strike="noStrike">
-                <a:latin typeface="Times New Roman"/>
-              </a:rPr>
-              <a:t>&lt;date/time&gt;</a:t>
-            </a:r>
-            <a:endParaRPr b="0" lang="en-US" sz="1400" spc="-1" strike="noStrike">
-              <a:latin typeface="Times New Roman"/>
-            </a:endParaRPr>
-          </a:p>
-        </p:txBody>
-      </p:sp>
-      <p:sp>
-        <p:nvSpPr>
-          <p:cNvPr id="86" name="PlaceHolder 5"/>
-          <p:cNvSpPr>
-            <a:spLocks noGrp="1"/>
-          </p:cNvSpPr>
-          <p:nvPr>
-            <p:ph type="ftr"/>
-          </p:nvPr>
-        </p:nvSpPr>
-        <p:spPr>
-          <a:xfrm>
-            <a:off x="0" y="10157400"/>
-            <a:ext cx="3280680" cy="534240"/>
-          </a:xfrm>
-          <a:prstGeom prst="rect">
-            <a:avLst/>
-          </a:prstGeom>
-        </p:spPr>
-        <p:txBody>
-          <a:bodyPr lIns="0" rIns="0" tIns="0" bIns="0" anchor="b"/>
-          <a:p>
-            <a:r>
-              <a:rPr b="0" lang="en-US" sz="1400" spc="-1" strike="noStrike">
-                <a:latin typeface="Times New Roman"/>
-              </a:rPr>
-              <a:t>&lt;footer&gt;</a:t>
-            </a:r>
-            <a:endParaRPr b="0" lang="en-US" sz="1400" spc="-1" strike="noStrike">
-              <a:latin typeface="Times New Roman"/>
-            </a:endParaRPr>
-          </a:p>
-        </p:txBody>
-      </p:sp>
-      <p:sp>
-        <p:nvSpPr>
-          <p:cNvPr id="87" name="PlaceHolder 6"/>
-          <p:cNvSpPr>
-            <a:spLocks noGrp="1"/>
-          </p:cNvSpPr>
-          <p:nvPr>
-            <p:ph type="sldNum"/>
-          </p:nvPr>
-        </p:nvSpPr>
-        <p:spPr>
-          <a:xfrm>
-            <a:off x="4278960" y="10157400"/>
-            <a:ext cx="3280680" cy="534240"/>
-          </a:xfrm>
-          <a:prstGeom prst="rect">
-            <a:avLst/>
-          </a:prstGeom>
-        </p:spPr>
-        <p:txBody>
-          <a:bodyPr lIns="0" rIns="0" tIns="0" bIns="0" anchor="b"/>
+            <a:off x="217488" y="812800"/>
+            <a:ext cx="7124700" cy="4008438"/>
+          </a:xfrm>
+        </p:spPr>
+      </p:sp>
+      <p:sp>
+        <p:nvSpPr>
+          <p:cNvPr id="3" name="备注占位符 2"/>
+          <p:cNvSpPr>
+            <a:spLocks noGrp="1"/>
+          </p:cNvSpPr>
+          <p:nvPr>
+            <p:ph type="body" idx="1"/>
+          </p:nvPr>
+        </p:nvSpPr>
+        <p:spPr/>
+        <p:txBody>
+          <a:bodyPr/>
+          <a:lstStyle/>
+          <a:p>
+            <a:endParaRPr lang="zh-CN" altLang="en-US" dirty="0"/>
+          </a:p>
+        </p:txBody>
+      </p:sp>
+      <p:sp>
+        <p:nvSpPr>
+          <p:cNvPr id="4" name="灯片编号占位符 3"/>
+          <p:cNvSpPr>
+            <a:spLocks noGrp="1"/>
+          </p:cNvSpPr>
+          <p:nvPr>
+            <p:ph type="sldNum" idx="10"/>
+          </p:nvPr>
+        </p:nvSpPr>
+        <p:spPr/>
+        <p:txBody>
+          <a:bodyPr/>
+          <a:lstStyle/>
           <a:p>
             <a:pPr algn="r"/>
             <a:fld id="{1C6C0BB2-7549-4633-A32E-2ECC54ABA456}" type="slidenum">
-              <a:rPr b="0" lang="en-US" sz="1400" spc="-1" strike="noStrike">
+              <a:rPr lang="en-US" sz="1400" b="0" strike="noStrike" spc="-1" smtClean="0">
                 <a:latin typeface="Times New Roman"/>
               </a:rPr>
-              <a:t>&lt;number&gt;</a:t>
+              <a:t>2</a:t>
             </a:fld>
-            <a:endParaRPr b="0" lang="en-US" sz="1400" spc="-1" strike="noStrike">
+            <a:endParaRPr lang="en-US" sz="1400" b="0" strike="noStrike" spc="-1">
               <a:latin typeface="Times New Roman"/>
             </a:endParaRPr>
           </a:p>
         </p:txBody>
       </p:sp>
     </p:spTree>
+    <p:extLst>
+      <p:ext uri="{BB962C8B-B14F-4D97-AF65-F5344CB8AC3E}">
+        <p14:creationId xmlns:p14="http://schemas.microsoft.com/office/powerpoint/2010/main" val="3872253495"/>
+      </p:ext>
+    </p:extLst>
   </p:cSld>
-  <p:clrMap bg1="lt1" bg2="lt2" tx1="dk1" tx2="dk2" accent1="accent1" accent2="accent2" accent3="accent3" accent4="accent4" accent5="accent5" accent6="accent6" hlink="hlink" folHlink="folHlink"/>
-</p:notesMaster>
+  <p:clrMapOvr>
+    <a:masterClrMapping/>
+  </p:clrMapOvr>
+</p:notes>
 </file>
 
-<file path=ppt/notesSlides/notesSlide9.xml><?xml version="1.0" encoding="utf-8"?>
-<p:notes xmlns:a="http://schemas.openxmlformats.org/drawingml/2006/main" xmlns:p="http://schemas.openxmlformats.org/presentationml/2006/main" xmlns:r="http://schemas.openxmlformats.org/officeDocument/2006/relationships" xmlns:p14="http://schemas.microsoft.com/office/powerpoint/2010/main" xmlns:p15="http://schemas.microsoft.com/office/powerpoint/2012/main" xmlns:mc="http://schemas.openxmlformats.org/markup-compatibility/2006">
+<file path=ppt/notesSlides/notesSlide2.xml><?xml version="1.0" encoding="utf-8"?>
+<p:notes xmlns:a="http://schemas.openxmlformats.org/drawingml/2006/main" xmlns:r="http://schemas.openxmlformats.org/officeDocument/2006/relationships" xmlns:p="http://schemas.openxmlformats.org/presentationml/2006/main">
   <p:cSld>
     <p:spTree>
       <p:nvGrpSpPr>
@@ -284,7 +563,7 @@
         <p:nvSpPr>
           <p:cNvPr id="116" name="PlaceHolder 1"/>
           <p:cNvSpPr>
-            <a:spLocks noGrp="1"/>
+            <a:spLocks noGrp="1" noRot="1" noChangeAspect="1"/>
           </p:cNvSpPr>
           <p:nvPr>
             <p:ph type="sldImg"/>
@@ -321,19 +600,14 @@
         </p:spPr>
         <p:txBody>
           <a:bodyPr/>
+          <a:lstStyle/>
           <a:p>
             <a:pPr marL="216000" indent="-216000">
               <a:lnSpc>
                 <a:spcPct val="100000"/>
               </a:lnSpc>
             </a:pPr>
-            <a:r>
-              <a:rPr b="0" lang="en-US" sz="2000" spc="-1" strike="noStrike">
-                <a:latin typeface="Arial"/>
-              </a:rPr>
-              <a:t>LPS has been reported to cause death of CNS neurons in vivo and in vitro</a:t>
-            </a:r>
-            <a:endParaRPr b="0" lang="en-US" sz="2000" spc="-1" strike="noStrike">
+            <a:endParaRPr lang="en-US" sz="2000" b="0" strike="noStrike" spc="-1" dirty="0">
               <a:latin typeface="Arial"/>
             </a:endParaRPr>
           </a:p>
@@ -360,6 +634,7 @@
         </p:spPr>
         <p:txBody>
           <a:bodyPr anchor="b"/>
+          <a:lstStyle/>
           <a:p>
             <a:pPr algn="r">
               <a:lnSpc>
@@ -367,16 +642,16 @@
               </a:lnSpc>
             </a:pPr>
             <a:fld id="{01A6962B-7664-45E3-BE48-91A9A715F06A}" type="slidenum">
-              <a:rPr b="0" lang="en-US" sz="1200" spc="-1" strike="noStrike">
+              <a:rPr lang="en-US" sz="1200" b="0" strike="noStrike" spc="-1">
                 <a:solidFill>
                   <a:srgbClr val="000000"/>
                 </a:solidFill>
                 <a:latin typeface="+mn-lt"/>
                 <a:ea typeface="+mn-ea"/>
               </a:rPr>
-              <a:t>&lt;number&gt;</a:t>
+              <a:t>5</a:t>
             </a:fld>
-            <a:endParaRPr b="0" lang="en-US" sz="1200" spc="-1" strike="noStrike">
+            <a:endParaRPr lang="en-US" sz="1200" b="0" strike="noStrike" spc="-1">
               <a:latin typeface="Times New Roman"/>
             </a:endParaRPr>
           </a:p>
@@ -384,11 +659,210 @@
       </p:sp>
     </p:spTree>
   </p:cSld>
+  <p:clrMapOvr>
+    <a:masterClrMapping/>
+  </p:clrMapOvr>
+</p:notes>
+</file>
+
+<file path=ppt/notesSlides/notesSlide3.xml><?xml version="1.0" encoding="utf-8"?>
+<p:notes xmlns:a="http://schemas.openxmlformats.org/drawingml/2006/main" xmlns:r="http://schemas.openxmlformats.org/officeDocument/2006/relationships" xmlns:p="http://schemas.openxmlformats.org/presentationml/2006/main">
+  <p:cSld>
+    <p:spTree>
+      <p:nvGrpSpPr>
+        <p:cNvPr id="1" name=""/>
+        <p:cNvGrpSpPr/>
+        <p:nvPr/>
+      </p:nvGrpSpPr>
+      <p:grpSpPr>
+        <a:xfrm>
+          <a:off x="0" y="0"/>
+          <a:ext cx="0" cy="0"/>
+          <a:chOff x="0" y="0"/>
+          <a:chExt cx="0" cy="0"/>
+        </a:xfrm>
+      </p:grpSpPr>
+      <p:sp>
+        <p:nvSpPr>
+          <p:cNvPr id="2" name="幻灯片图像占位符 1"/>
+          <p:cNvSpPr>
+            <a:spLocks noGrp="1" noRot="1" noChangeAspect="1"/>
+          </p:cNvSpPr>
+          <p:nvPr>
+            <p:ph type="sldImg"/>
+          </p:nvPr>
+        </p:nvSpPr>
+        <p:spPr>
+          <a:xfrm>
+            <a:off x="217488" y="812800"/>
+            <a:ext cx="7124700" cy="4008438"/>
+          </a:xfrm>
+        </p:spPr>
+      </p:sp>
+      <p:sp>
+        <p:nvSpPr>
+          <p:cNvPr id="3" name="备注占位符 2"/>
+          <p:cNvSpPr>
+            <a:spLocks noGrp="1"/>
+          </p:cNvSpPr>
+          <p:nvPr>
+            <p:ph type="body" idx="1"/>
+          </p:nvPr>
+        </p:nvSpPr>
+        <p:spPr/>
+        <p:txBody>
+          <a:bodyPr/>
+          <a:lstStyle/>
+          <a:p>
+            <a:r>
+              <a:rPr lang="en-US" altLang="zh-CN" dirty="0" smtClean="0"/>
+              <a:t>there was a significant</a:t>
+            </a:r>
+            <a:r>
+              <a:rPr lang="en-US" altLang="zh-CN" baseline="0" dirty="0" smtClean="0"/>
+              <a:t> increase in urinary CGRP levels after antibiotic treatment</a:t>
+            </a:r>
+            <a:endParaRPr lang="zh-CN" altLang="en-US" dirty="0"/>
+          </a:p>
+        </p:txBody>
+      </p:sp>
+      <p:sp>
+        <p:nvSpPr>
+          <p:cNvPr id="4" name="灯片编号占位符 3"/>
+          <p:cNvSpPr>
+            <a:spLocks noGrp="1"/>
+          </p:cNvSpPr>
+          <p:nvPr>
+            <p:ph type="sldNum" idx="10"/>
+          </p:nvPr>
+        </p:nvSpPr>
+        <p:spPr/>
+        <p:txBody>
+          <a:bodyPr/>
+          <a:lstStyle/>
+          <a:p>
+            <a:pPr algn="r"/>
+            <a:fld id="{1C6C0BB2-7549-4633-A32E-2ECC54ABA456}" type="slidenum">
+              <a:rPr lang="en-US" sz="1400" b="0" strike="noStrike" spc="-1" smtClean="0">
+                <a:latin typeface="Times New Roman"/>
+              </a:rPr>
+              <a:t>13</a:t>
+            </a:fld>
+            <a:endParaRPr lang="en-US" sz="1400" b="0" strike="noStrike" spc="-1">
+              <a:latin typeface="Times New Roman"/>
+            </a:endParaRPr>
+          </a:p>
+        </p:txBody>
+      </p:sp>
+    </p:spTree>
+    <p:extLst>
+      <p:ext uri="{BB962C8B-B14F-4D97-AF65-F5344CB8AC3E}">
+        <p14:creationId xmlns:p14="http://schemas.microsoft.com/office/powerpoint/2010/main" val="2823020378"/>
+      </p:ext>
+    </p:extLst>
+  </p:cSld>
+  <p:clrMapOvr>
+    <a:masterClrMapping/>
+  </p:clrMapOvr>
+</p:notes>
+</file>
+
+<file path=ppt/notesSlides/notesSlide4.xml><?xml version="1.0" encoding="utf-8"?>
+<p:notes xmlns:a="http://schemas.openxmlformats.org/drawingml/2006/main" xmlns:r="http://schemas.openxmlformats.org/officeDocument/2006/relationships" xmlns:p="http://schemas.openxmlformats.org/presentationml/2006/main">
+  <p:cSld>
+    <p:spTree>
+      <p:nvGrpSpPr>
+        <p:cNvPr id="1" name=""/>
+        <p:cNvGrpSpPr/>
+        <p:nvPr/>
+      </p:nvGrpSpPr>
+      <p:grpSpPr>
+        <a:xfrm>
+          <a:off x="0" y="0"/>
+          <a:ext cx="0" cy="0"/>
+          <a:chOff x="0" y="0"/>
+          <a:chExt cx="0" cy="0"/>
+        </a:xfrm>
+      </p:grpSpPr>
+      <p:sp>
+        <p:nvSpPr>
+          <p:cNvPr id="2" name="幻灯片图像占位符 1"/>
+          <p:cNvSpPr>
+            <a:spLocks noGrp="1" noRot="1" noChangeAspect="1"/>
+          </p:cNvSpPr>
+          <p:nvPr>
+            <p:ph type="sldImg"/>
+          </p:nvPr>
+        </p:nvSpPr>
+        <p:spPr>
+          <a:xfrm>
+            <a:off x="217488" y="812800"/>
+            <a:ext cx="7124700" cy="4008438"/>
+          </a:xfrm>
+        </p:spPr>
+      </p:sp>
+      <p:sp>
+        <p:nvSpPr>
+          <p:cNvPr id="3" name="备注占位符 2"/>
+          <p:cNvSpPr>
+            <a:spLocks noGrp="1"/>
+          </p:cNvSpPr>
+          <p:nvPr>
+            <p:ph type="body" idx="1"/>
+          </p:nvPr>
+        </p:nvSpPr>
+        <p:spPr/>
+        <p:txBody>
+          <a:bodyPr/>
+          <a:lstStyle/>
+          <a:p>
+            <a:endParaRPr lang="zh-CN" altLang="en-US" dirty="0"/>
+          </a:p>
+        </p:txBody>
+      </p:sp>
+      <p:sp>
+        <p:nvSpPr>
+          <p:cNvPr id="4" name="灯片编号占位符 3"/>
+          <p:cNvSpPr>
+            <a:spLocks noGrp="1"/>
+          </p:cNvSpPr>
+          <p:nvPr>
+            <p:ph type="sldNum" idx="10"/>
+          </p:nvPr>
+        </p:nvSpPr>
+        <p:spPr/>
+        <p:txBody>
+          <a:bodyPr/>
+          <a:lstStyle/>
+          <a:p>
+            <a:pPr algn="r"/>
+            <a:fld id="{1C6C0BB2-7549-4633-A32E-2ECC54ABA456}" type="slidenum">
+              <a:rPr lang="en-US" sz="1400" b="0" strike="noStrike" spc="-1" smtClean="0">
+                <a:latin typeface="Times New Roman"/>
+              </a:rPr>
+              <a:t>18</a:t>
+            </a:fld>
+            <a:endParaRPr lang="en-US" sz="1400" b="0" strike="noStrike" spc="-1">
+              <a:latin typeface="Times New Roman"/>
+            </a:endParaRPr>
+          </a:p>
+        </p:txBody>
+      </p:sp>
+    </p:spTree>
+    <p:extLst>
+      <p:ext uri="{BB962C8B-B14F-4D97-AF65-F5344CB8AC3E}">
+        <p14:creationId xmlns:p14="http://schemas.microsoft.com/office/powerpoint/2010/main" val="2335115645"/>
+      </p:ext>
+    </p:extLst>
+  </p:cSld>
+  <p:clrMapOvr>
+    <a:masterClrMapping/>
+  </p:clrMapOvr>
 </p:notes>
 </file>
 
 <file path=ppt/slideLayouts/slideLayout1.xml><?xml version="1.0" encoding="utf-8"?>
-<p:sldLayout xmlns:a="http://schemas.openxmlformats.org/drawingml/2006/main" xmlns:p="http://schemas.openxmlformats.org/presentationml/2006/main" xmlns:r="http://schemas.openxmlformats.org/officeDocument/2006/relationships" xmlns:p14="http://schemas.microsoft.com/office/powerpoint/2010/main" xmlns:p15="http://schemas.microsoft.com/office/powerpoint/2012/main" xmlns:mc="http://schemas.openxmlformats.org/markup-compatibility/2006" type="blank" preserve="1">
+<p:sldLayout xmlns:a="http://schemas.openxmlformats.org/drawingml/2006/main" xmlns:r="http://schemas.openxmlformats.org/officeDocument/2006/relationships" xmlns:p="http://schemas.openxmlformats.org/presentationml/2006/main" type="blank" preserve="1">
   <p:cSld name="Blank Slide">
     <p:spTree>
       <p:nvGrpSpPr>
@@ -406,11 +880,14 @@
       </p:grpSpPr>
     </p:spTree>
   </p:cSld>
+  <p:clrMapOvr>
+    <a:masterClrMapping/>
+  </p:clrMapOvr>
 </p:sldLayout>
 </file>
 
 <file path=ppt/slideLayouts/slideLayout10.xml><?xml version="1.0" encoding="utf-8"?>
-<p:sldLayout xmlns:a="http://schemas.openxmlformats.org/drawingml/2006/main" xmlns:p="http://schemas.openxmlformats.org/presentationml/2006/main" xmlns:r="http://schemas.openxmlformats.org/officeDocument/2006/relationships" xmlns:p14="http://schemas.microsoft.com/office/powerpoint/2010/main" xmlns:p15="http://schemas.microsoft.com/office/powerpoint/2012/main" xmlns:mc="http://schemas.openxmlformats.org/markup-compatibility/2006" type="objOverTx" preserve="1">
+<p:sldLayout xmlns:a="http://schemas.openxmlformats.org/drawingml/2006/main" xmlns:r="http://schemas.openxmlformats.org/officeDocument/2006/relationships" xmlns:p="http://schemas.openxmlformats.org/presentationml/2006/main" type="objOverTx" preserve="1">
   <p:cSld name="Title, Content over Content">
     <p:spTree>
       <p:nvGrpSpPr>
@@ -446,9 +923,10 @@
           </a:prstGeom>
         </p:spPr>
         <p:txBody>
-          <a:bodyPr lIns="0" rIns="0" tIns="0" bIns="0" anchor="ctr"/>
-          <a:p>
-            <a:endParaRPr b="0" lang="zh-CN" sz="1800" spc="-1" strike="noStrike">
+          <a:bodyPr lIns="0" tIns="0" rIns="0" bIns="0" anchor="ctr"/>
+          <a:lstStyle/>
+          <a:p>
+            <a:endParaRPr lang="zh-CN" sz="1800" b="0" strike="noStrike" spc="-1">
               <a:solidFill>
                 <a:srgbClr val="000000"/>
               </a:solidFill>
@@ -477,11 +955,12 @@
           </a:prstGeom>
         </p:spPr>
         <p:txBody>
-          <a:bodyPr lIns="0" rIns="0" tIns="0" bIns="0">
+          <a:bodyPr lIns="0" tIns="0" rIns="0" bIns="0">
             <a:normAutofit/>
           </a:bodyPr>
-          <a:p>
-            <a:endParaRPr b="0" lang="zh-CN" sz="2800" spc="-1" strike="noStrike">
+          <a:lstStyle/>
+          <a:p>
+            <a:endParaRPr lang="zh-CN" sz="2800" b="0" strike="noStrike" spc="-1">
               <a:solidFill>
                 <a:srgbClr val="000000"/>
               </a:solidFill>
@@ -510,11 +989,12 @@
           </a:prstGeom>
         </p:spPr>
         <p:txBody>
-          <a:bodyPr lIns="0" rIns="0" tIns="0" bIns="0">
+          <a:bodyPr lIns="0" tIns="0" rIns="0" bIns="0">
             <a:normAutofit/>
           </a:bodyPr>
-          <a:p>
-            <a:endParaRPr b="0" lang="zh-CN" sz="2800" spc="-1" strike="noStrike">
+          <a:lstStyle/>
+          <a:p>
+            <a:endParaRPr lang="zh-CN" sz="2800" b="0" strike="noStrike" spc="-1">
               <a:solidFill>
                 <a:srgbClr val="000000"/>
               </a:solidFill>
@@ -525,11 +1005,14 @@
       </p:sp>
     </p:spTree>
   </p:cSld>
+  <p:clrMapOvr>
+    <a:masterClrMapping/>
+  </p:clrMapOvr>
 </p:sldLayout>
 </file>
 
 <file path=ppt/slideLayouts/slideLayout11.xml><?xml version="1.0" encoding="utf-8"?>
-<p:sldLayout xmlns:a="http://schemas.openxmlformats.org/drawingml/2006/main" xmlns:p="http://schemas.openxmlformats.org/presentationml/2006/main" xmlns:r="http://schemas.openxmlformats.org/officeDocument/2006/relationships" xmlns:p14="http://schemas.microsoft.com/office/powerpoint/2010/main" xmlns:p15="http://schemas.microsoft.com/office/powerpoint/2012/main" xmlns:mc="http://schemas.openxmlformats.org/markup-compatibility/2006" type="fourObj" preserve="1">
+<p:sldLayout xmlns:a="http://schemas.openxmlformats.org/drawingml/2006/main" xmlns:r="http://schemas.openxmlformats.org/officeDocument/2006/relationships" xmlns:p="http://schemas.openxmlformats.org/presentationml/2006/main" type="fourObj" preserve="1">
   <p:cSld name="Title, 4 Content">
     <p:spTree>
       <p:nvGrpSpPr>
@@ -565,9 +1048,10 @@
           </a:prstGeom>
         </p:spPr>
         <p:txBody>
-          <a:bodyPr lIns="0" rIns="0" tIns="0" bIns="0" anchor="ctr"/>
-          <a:p>
-            <a:endParaRPr b="0" lang="zh-CN" sz="1800" spc="-1" strike="noStrike">
+          <a:bodyPr lIns="0" tIns="0" rIns="0" bIns="0" anchor="ctr"/>
+          <a:lstStyle/>
+          <a:p>
+            <a:endParaRPr lang="zh-CN" sz="1800" b="0" strike="noStrike" spc="-1">
               <a:solidFill>
                 <a:srgbClr val="000000"/>
               </a:solidFill>
@@ -596,11 +1080,12 @@
           </a:prstGeom>
         </p:spPr>
         <p:txBody>
-          <a:bodyPr lIns="0" rIns="0" tIns="0" bIns="0">
+          <a:bodyPr lIns="0" tIns="0" rIns="0" bIns="0">
             <a:normAutofit/>
           </a:bodyPr>
-          <a:p>
-            <a:endParaRPr b="0" lang="zh-CN" sz="2800" spc="-1" strike="noStrike">
+          <a:lstStyle/>
+          <a:p>
+            <a:endParaRPr lang="zh-CN" sz="2800" b="0" strike="noStrike" spc="-1">
               <a:solidFill>
                 <a:srgbClr val="000000"/>
               </a:solidFill>
@@ -629,11 +1114,12 @@
           </a:prstGeom>
         </p:spPr>
         <p:txBody>
-          <a:bodyPr lIns="0" rIns="0" tIns="0" bIns="0">
+          <a:bodyPr lIns="0" tIns="0" rIns="0" bIns="0">
             <a:normAutofit/>
           </a:bodyPr>
-          <a:p>
-            <a:endParaRPr b="0" lang="zh-CN" sz="2800" spc="-1" strike="noStrike">
+          <a:lstStyle/>
+          <a:p>
+            <a:endParaRPr lang="zh-CN" sz="2800" b="0" strike="noStrike" spc="-1">
               <a:solidFill>
                 <a:srgbClr val="000000"/>
               </a:solidFill>
@@ -662,11 +1148,12 @@
           </a:prstGeom>
         </p:spPr>
         <p:txBody>
-          <a:bodyPr lIns="0" rIns="0" tIns="0" bIns="0">
+          <a:bodyPr lIns="0" tIns="0" rIns="0" bIns="0">
             <a:normAutofit/>
           </a:bodyPr>
-          <a:p>
-            <a:endParaRPr b="0" lang="zh-CN" sz="2800" spc="-1" strike="noStrike">
+          <a:lstStyle/>
+          <a:p>
+            <a:endParaRPr lang="zh-CN" sz="2800" b="0" strike="noStrike" spc="-1">
               <a:solidFill>
                 <a:srgbClr val="000000"/>
               </a:solidFill>
@@ -695,11 +1182,12 @@
           </a:prstGeom>
         </p:spPr>
         <p:txBody>
-          <a:bodyPr lIns="0" rIns="0" tIns="0" bIns="0">
+          <a:bodyPr lIns="0" tIns="0" rIns="0" bIns="0">
             <a:normAutofit/>
           </a:bodyPr>
-          <a:p>
-            <a:endParaRPr b="0" lang="zh-CN" sz="2800" spc="-1" strike="noStrike">
+          <a:lstStyle/>
+          <a:p>
+            <a:endParaRPr lang="zh-CN" sz="2800" b="0" strike="noStrike" spc="-1">
               <a:solidFill>
                 <a:srgbClr val="000000"/>
               </a:solidFill>
@@ -710,11 +1198,14 @@
       </p:sp>
     </p:spTree>
   </p:cSld>
+  <p:clrMapOvr>
+    <a:masterClrMapping/>
+  </p:clrMapOvr>
 </p:sldLayout>
 </file>
 
 <file path=ppt/slideLayouts/slideLayout12.xml><?xml version="1.0" encoding="utf-8"?>
-<p:sldLayout xmlns:a="http://schemas.openxmlformats.org/drawingml/2006/main" xmlns:p="http://schemas.openxmlformats.org/presentationml/2006/main" xmlns:r="http://schemas.openxmlformats.org/officeDocument/2006/relationships" xmlns:p14="http://schemas.microsoft.com/office/powerpoint/2010/main" xmlns:p15="http://schemas.microsoft.com/office/powerpoint/2012/main" xmlns:mc="http://schemas.openxmlformats.org/markup-compatibility/2006" type="blank" preserve="1">
+<p:sldLayout xmlns:a="http://schemas.openxmlformats.org/drawingml/2006/main" xmlns:r="http://schemas.openxmlformats.org/officeDocument/2006/relationships" xmlns:p="http://schemas.openxmlformats.org/presentationml/2006/main" type="blank" preserve="1">
   <p:cSld name="Title, 6 Content">
     <p:spTree>
       <p:nvGrpSpPr>
@@ -750,9 +1241,10 @@
           </a:prstGeom>
         </p:spPr>
         <p:txBody>
-          <a:bodyPr lIns="0" rIns="0" tIns="0" bIns="0" anchor="ctr"/>
-          <a:p>
-            <a:endParaRPr b="0" lang="zh-CN" sz="1800" spc="-1" strike="noStrike">
+          <a:bodyPr lIns="0" tIns="0" rIns="0" bIns="0" anchor="ctr"/>
+          <a:lstStyle/>
+          <a:p>
+            <a:endParaRPr lang="zh-CN" sz="1800" b="0" strike="noStrike" spc="-1">
               <a:solidFill>
                 <a:srgbClr val="000000"/>
               </a:solidFill>
@@ -781,11 +1273,12 @@
           </a:prstGeom>
         </p:spPr>
         <p:txBody>
-          <a:bodyPr lIns="0" rIns="0" tIns="0" bIns="0">
+          <a:bodyPr lIns="0" tIns="0" rIns="0" bIns="0">
             <a:normAutofit/>
           </a:bodyPr>
-          <a:p>
-            <a:endParaRPr b="0" lang="zh-CN" sz="2800" spc="-1" strike="noStrike">
+          <a:lstStyle/>
+          <a:p>
+            <a:endParaRPr lang="zh-CN" sz="2800" b="0" strike="noStrike" spc="-1">
               <a:solidFill>
                 <a:srgbClr val="000000"/>
               </a:solidFill>
@@ -814,11 +1307,12 @@
           </a:prstGeom>
         </p:spPr>
         <p:txBody>
-          <a:bodyPr lIns="0" rIns="0" tIns="0" bIns="0">
+          <a:bodyPr lIns="0" tIns="0" rIns="0" bIns="0">
             <a:normAutofit/>
           </a:bodyPr>
-          <a:p>
-            <a:endParaRPr b="0" lang="zh-CN" sz="2800" spc="-1" strike="noStrike">
+          <a:lstStyle/>
+          <a:p>
+            <a:endParaRPr lang="zh-CN" sz="2800" b="0" strike="noStrike" spc="-1">
               <a:solidFill>
                 <a:srgbClr val="000000"/>
               </a:solidFill>
@@ -847,11 +1341,12 @@
           </a:prstGeom>
         </p:spPr>
         <p:txBody>
-          <a:bodyPr lIns="0" rIns="0" tIns="0" bIns="0">
+          <a:bodyPr lIns="0" tIns="0" rIns="0" bIns="0">
             <a:normAutofit/>
           </a:bodyPr>
-          <a:p>
-            <a:endParaRPr b="0" lang="zh-CN" sz="2800" spc="-1" strike="noStrike">
+          <a:lstStyle/>
+          <a:p>
+            <a:endParaRPr lang="zh-CN" sz="2800" b="0" strike="noStrike" spc="-1">
               <a:solidFill>
                 <a:srgbClr val="000000"/>
               </a:solidFill>
@@ -880,11 +1375,12 @@
           </a:prstGeom>
         </p:spPr>
         <p:txBody>
-          <a:bodyPr lIns="0" rIns="0" tIns="0" bIns="0">
+          <a:bodyPr lIns="0" tIns="0" rIns="0" bIns="0">
             <a:normAutofit/>
           </a:bodyPr>
-          <a:p>
-            <a:endParaRPr b="0" lang="zh-CN" sz="2800" spc="-1" strike="noStrike">
+          <a:lstStyle/>
+          <a:p>
+            <a:endParaRPr lang="zh-CN" sz="2800" b="0" strike="noStrike" spc="-1">
               <a:solidFill>
                 <a:srgbClr val="000000"/>
               </a:solidFill>
@@ -913,11 +1409,12 @@
           </a:prstGeom>
         </p:spPr>
         <p:txBody>
-          <a:bodyPr lIns="0" rIns="0" tIns="0" bIns="0">
+          <a:bodyPr lIns="0" tIns="0" rIns="0" bIns="0">
             <a:normAutofit/>
           </a:bodyPr>
-          <a:p>
-            <a:endParaRPr b="0" lang="zh-CN" sz="2800" spc="-1" strike="noStrike">
+          <a:lstStyle/>
+          <a:p>
+            <a:endParaRPr lang="zh-CN" sz="2800" b="0" strike="noStrike" spc="-1">
               <a:solidFill>
                 <a:srgbClr val="000000"/>
               </a:solidFill>
@@ -946,11 +1443,12 @@
           </a:prstGeom>
         </p:spPr>
         <p:txBody>
-          <a:bodyPr lIns="0" rIns="0" tIns="0" bIns="0">
+          <a:bodyPr lIns="0" tIns="0" rIns="0" bIns="0">
             <a:normAutofit/>
           </a:bodyPr>
-          <a:p>
-            <a:endParaRPr b="0" lang="zh-CN" sz="2800" spc="-1" strike="noStrike">
+          <a:lstStyle/>
+          <a:p>
+            <a:endParaRPr lang="zh-CN" sz="2800" b="0" strike="noStrike" spc="-1">
               <a:solidFill>
                 <a:srgbClr val="000000"/>
               </a:solidFill>
@@ -961,11 +1459,14 @@
       </p:sp>
     </p:spTree>
   </p:cSld>
+  <p:clrMapOvr>
+    <a:masterClrMapping/>
+  </p:clrMapOvr>
 </p:sldLayout>
 </file>
 
 <file path=ppt/slideLayouts/slideLayout13.xml><?xml version="1.0" encoding="utf-8"?>
-<p:sldLayout xmlns:a="http://schemas.openxmlformats.org/drawingml/2006/main" xmlns:p="http://schemas.openxmlformats.org/presentationml/2006/main" xmlns:r="http://schemas.openxmlformats.org/officeDocument/2006/relationships" xmlns:p14="http://schemas.microsoft.com/office/powerpoint/2010/main" xmlns:p15="http://schemas.microsoft.com/office/powerpoint/2012/main" xmlns:mc="http://schemas.openxmlformats.org/markup-compatibility/2006" type="blank" preserve="1">
+<p:sldLayout xmlns:a="http://schemas.openxmlformats.org/drawingml/2006/main" xmlns:r="http://schemas.openxmlformats.org/officeDocument/2006/relationships" xmlns:p="http://schemas.openxmlformats.org/presentationml/2006/main" type="blank" preserve="1">
   <p:cSld name="Blank Slide">
     <p:spTree>
       <p:nvGrpSpPr>
@@ -983,11 +1484,14 @@
       </p:grpSpPr>
     </p:spTree>
   </p:cSld>
+  <p:clrMapOvr>
+    <a:masterClrMapping/>
+  </p:clrMapOvr>
 </p:sldLayout>
 </file>
 
 <file path=ppt/slideLayouts/slideLayout14.xml><?xml version="1.0" encoding="utf-8"?>
-<p:sldLayout xmlns:a="http://schemas.openxmlformats.org/drawingml/2006/main" xmlns:p="http://schemas.openxmlformats.org/presentationml/2006/main" xmlns:r="http://schemas.openxmlformats.org/officeDocument/2006/relationships" xmlns:p14="http://schemas.microsoft.com/office/powerpoint/2010/main" xmlns:p15="http://schemas.microsoft.com/office/powerpoint/2012/main" xmlns:mc="http://schemas.openxmlformats.org/markup-compatibility/2006" type="tx" preserve="1">
+<p:sldLayout xmlns:a="http://schemas.openxmlformats.org/drawingml/2006/main" xmlns:r="http://schemas.openxmlformats.org/officeDocument/2006/relationships" xmlns:p="http://schemas.openxmlformats.org/presentationml/2006/main" type="tx" preserve="1">
   <p:cSld name="Title Slide">
     <p:spTree>
       <p:nvGrpSpPr>
@@ -1023,9 +1527,10 @@
           </a:prstGeom>
         </p:spPr>
         <p:txBody>
-          <a:bodyPr lIns="0" rIns="0" tIns="0" bIns="0" anchor="ctr"/>
-          <a:p>
-            <a:endParaRPr b="0" lang="zh-CN" sz="1800" spc="-1" strike="noStrike">
+          <a:bodyPr lIns="0" tIns="0" rIns="0" bIns="0" anchor="ctr"/>
+          <a:lstStyle/>
+          <a:p>
+            <a:endParaRPr lang="zh-CN" sz="1800" b="0" strike="noStrike" spc="-1">
               <a:solidFill>
                 <a:srgbClr val="000000"/>
               </a:solidFill>
@@ -1054,10 +1559,11 @@
           </a:prstGeom>
         </p:spPr>
         <p:txBody>
-          <a:bodyPr lIns="0" rIns="0" tIns="0" bIns="0" anchor="ctr"/>
+          <a:bodyPr lIns="0" tIns="0" rIns="0" bIns="0" anchor="ctr"/>
+          <a:lstStyle/>
           <a:p>
             <a:pPr algn="ctr"/>
-            <a:endParaRPr b="0" lang="en-US" sz="3200" spc="-1" strike="noStrike">
+            <a:endParaRPr lang="en-US" sz="3200" b="0" strike="noStrike" spc="-1">
               <a:latin typeface="Arial"/>
             </a:endParaRPr>
           </a:p>
@@ -1065,11 +1571,14 @@
       </p:sp>
     </p:spTree>
   </p:cSld>
+  <p:clrMapOvr>
+    <a:masterClrMapping/>
+  </p:clrMapOvr>
 </p:sldLayout>
 </file>
 
 <file path=ppt/slideLayouts/slideLayout15.xml><?xml version="1.0" encoding="utf-8"?>
-<p:sldLayout xmlns:a="http://schemas.openxmlformats.org/drawingml/2006/main" xmlns:p="http://schemas.openxmlformats.org/presentationml/2006/main" xmlns:r="http://schemas.openxmlformats.org/officeDocument/2006/relationships" xmlns:p14="http://schemas.microsoft.com/office/powerpoint/2010/main" xmlns:p15="http://schemas.microsoft.com/office/powerpoint/2012/main" xmlns:mc="http://schemas.openxmlformats.org/markup-compatibility/2006" type="obj" preserve="1">
+<p:sldLayout xmlns:a="http://schemas.openxmlformats.org/drawingml/2006/main" xmlns:r="http://schemas.openxmlformats.org/officeDocument/2006/relationships" xmlns:p="http://schemas.openxmlformats.org/presentationml/2006/main" type="obj" preserve="1">
   <p:cSld name="Title, Content">
     <p:spTree>
       <p:nvGrpSpPr>
@@ -1105,9 +1614,10 @@
           </a:prstGeom>
         </p:spPr>
         <p:txBody>
-          <a:bodyPr lIns="0" rIns="0" tIns="0" bIns="0" anchor="ctr"/>
-          <a:p>
-            <a:endParaRPr b="0" lang="zh-CN" sz="1800" spc="-1" strike="noStrike">
+          <a:bodyPr lIns="0" tIns="0" rIns="0" bIns="0" anchor="ctr"/>
+          <a:lstStyle/>
+          <a:p>
+            <a:endParaRPr lang="zh-CN" sz="1800" b="0" strike="noStrike" spc="-1">
               <a:solidFill>
                 <a:srgbClr val="000000"/>
               </a:solidFill>
@@ -1136,11 +1646,12 @@
           </a:prstGeom>
         </p:spPr>
         <p:txBody>
-          <a:bodyPr lIns="0" rIns="0" tIns="0" bIns="0">
+          <a:bodyPr lIns="0" tIns="0" rIns="0" bIns="0">
             <a:normAutofit/>
           </a:bodyPr>
-          <a:p>
-            <a:endParaRPr b="0" lang="zh-CN" sz="2800" spc="-1" strike="noStrike">
+          <a:lstStyle/>
+          <a:p>
+            <a:endParaRPr lang="zh-CN" sz="2800" b="0" strike="noStrike" spc="-1">
               <a:solidFill>
                 <a:srgbClr val="000000"/>
               </a:solidFill>
@@ -1151,11 +1662,14 @@
       </p:sp>
     </p:spTree>
   </p:cSld>
+  <p:clrMapOvr>
+    <a:masterClrMapping/>
+  </p:clrMapOvr>
 </p:sldLayout>
 </file>
 
 <file path=ppt/slideLayouts/slideLayout16.xml><?xml version="1.0" encoding="utf-8"?>
-<p:sldLayout xmlns:a="http://schemas.openxmlformats.org/drawingml/2006/main" xmlns:p="http://schemas.openxmlformats.org/presentationml/2006/main" xmlns:r="http://schemas.openxmlformats.org/officeDocument/2006/relationships" xmlns:p14="http://schemas.microsoft.com/office/powerpoint/2010/main" xmlns:p15="http://schemas.microsoft.com/office/powerpoint/2012/main" xmlns:mc="http://schemas.openxmlformats.org/markup-compatibility/2006" type="twoObj" preserve="1">
+<p:sldLayout xmlns:a="http://schemas.openxmlformats.org/drawingml/2006/main" xmlns:r="http://schemas.openxmlformats.org/officeDocument/2006/relationships" xmlns:p="http://schemas.openxmlformats.org/presentationml/2006/main" type="twoObj" preserve="1">
   <p:cSld name="Title, 2 Content">
     <p:spTree>
       <p:nvGrpSpPr>
@@ -1191,9 +1705,10 @@
           </a:prstGeom>
         </p:spPr>
         <p:txBody>
-          <a:bodyPr lIns="0" rIns="0" tIns="0" bIns="0" anchor="ctr"/>
-          <a:p>
-            <a:endParaRPr b="0" lang="zh-CN" sz="1800" spc="-1" strike="noStrike">
+          <a:bodyPr lIns="0" tIns="0" rIns="0" bIns="0" anchor="ctr"/>
+          <a:lstStyle/>
+          <a:p>
+            <a:endParaRPr lang="zh-CN" sz="1800" b="0" strike="noStrike" spc="-1">
               <a:solidFill>
                 <a:srgbClr val="000000"/>
               </a:solidFill>
@@ -1222,11 +1737,12 @@
           </a:prstGeom>
         </p:spPr>
         <p:txBody>
-          <a:bodyPr lIns="0" rIns="0" tIns="0" bIns="0">
+          <a:bodyPr lIns="0" tIns="0" rIns="0" bIns="0">
             <a:normAutofit/>
           </a:bodyPr>
-          <a:p>
-            <a:endParaRPr b="0" lang="zh-CN" sz="2800" spc="-1" strike="noStrike">
+          <a:lstStyle/>
+          <a:p>
+            <a:endParaRPr lang="zh-CN" sz="2800" b="0" strike="noStrike" spc="-1">
               <a:solidFill>
                 <a:srgbClr val="000000"/>
               </a:solidFill>
@@ -1255,11 +1771,12 @@
           </a:prstGeom>
         </p:spPr>
         <p:txBody>
-          <a:bodyPr lIns="0" rIns="0" tIns="0" bIns="0">
+          <a:bodyPr lIns="0" tIns="0" rIns="0" bIns="0">
             <a:normAutofit/>
           </a:bodyPr>
-          <a:p>
-            <a:endParaRPr b="0" lang="zh-CN" sz="2800" spc="-1" strike="noStrike">
+          <a:lstStyle/>
+          <a:p>
+            <a:endParaRPr lang="zh-CN" sz="2800" b="0" strike="noStrike" spc="-1">
               <a:solidFill>
                 <a:srgbClr val="000000"/>
               </a:solidFill>
@@ -1270,11 +1787,14 @@
       </p:sp>
     </p:spTree>
   </p:cSld>
+  <p:clrMapOvr>
+    <a:masterClrMapping/>
+  </p:clrMapOvr>
 </p:sldLayout>
 </file>
 
 <file path=ppt/slideLayouts/slideLayout17.xml><?xml version="1.0" encoding="utf-8"?>
-<p:sldLayout xmlns:a="http://schemas.openxmlformats.org/drawingml/2006/main" xmlns:p="http://schemas.openxmlformats.org/presentationml/2006/main" xmlns:r="http://schemas.openxmlformats.org/officeDocument/2006/relationships" xmlns:p14="http://schemas.microsoft.com/office/powerpoint/2010/main" xmlns:p15="http://schemas.microsoft.com/office/powerpoint/2012/main" xmlns:mc="http://schemas.openxmlformats.org/markup-compatibility/2006" type="titleOnly" preserve="1">
+<p:sldLayout xmlns:a="http://schemas.openxmlformats.org/drawingml/2006/main" xmlns:r="http://schemas.openxmlformats.org/officeDocument/2006/relationships" xmlns:p="http://schemas.openxmlformats.org/presentationml/2006/main" type="titleOnly" preserve="1">
   <p:cSld name="Title Only">
     <p:spTree>
       <p:nvGrpSpPr>
@@ -1310,9 +1830,10 @@
           </a:prstGeom>
         </p:spPr>
         <p:txBody>
-          <a:bodyPr lIns="0" rIns="0" tIns="0" bIns="0" anchor="ctr"/>
-          <a:p>
-            <a:endParaRPr b="0" lang="zh-CN" sz="1800" spc="-1" strike="noStrike">
+          <a:bodyPr lIns="0" tIns="0" rIns="0" bIns="0" anchor="ctr"/>
+          <a:lstStyle/>
+          <a:p>
+            <a:endParaRPr lang="zh-CN" sz="1800" b="0" strike="noStrike" spc="-1">
               <a:solidFill>
                 <a:srgbClr val="000000"/>
               </a:solidFill>
@@ -1323,11 +1844,14 @@
       </p:sp>
     </p:spTree>
   </p:cSld>
+  <p:clrMapOvr>
+    <a:masterClrMapping/>
+  </p:clrMapOvr>
 </p:sldLayout>
 </file>
 
 <file path=ppt/slideLayouts/slideLayout18.xml><?xml version="1.0" encoding="utf-8"?>
-<p:sldLayout xmlns:a="http://schemas.openxmlformats.org/drawingml/2006/main" xmlns:p="http://schemas.openxmlformats.org/presentationml/2006/main" xmlns:r="http://schemas.openxmlformats.org/officeDocument/2006/relationships" xmlns:p14="http://schemas.microsoft.com/office/powerpoint/2010/main" xmlns:p15="http://schemas.microsoft.com/office/powerpoint/2012/main" xmlns:mc="http://schemas.openxmlformats.org/markup-compatibility/2006" type="objOnly" preserve="1">
+<p:sldLayout xmlns:a="http://schemas.openxmlformats.org/drawingml/2006/main" xmlns:r="http://schemas.openxmlformats.org/officeDocument/2006/relationships" xmlns:p="http://schemas.openxmlformats.org/presentationml/2006/main" type="objOnly" preserve="1">
   <p:cSld name="Centered Text">
     <p:spTree>
       <p:nvGrpSpPr>
@@ -1363,10 +1887,11 @@
           </a:prstGeom>
         </p:spPr>
         <p:txBody>
-          <a:bodyPr lIns="0" rIns="0" tIns="0" bIns="0" anchor="ctr"/>
+          <a:bodyPr lIns="0" tIns="0" rIns="0" bIns="0" anchor="ctr"/>
+          <a:lstStyle/>
           <a:p>
             <a:pPr algn="ctr"/>
-            <a:endParaRPr b="0" lang="en-US" sz="3200" spc="-1" strike="noStrike">
+            <a:endParaRPr lang="en-US" sz="3200" b="0" strike="noStrike" spc="-1">
               <a:latin typeface="Arial"/>
             </a:endParaRPr>
           </a:p>
@@ -1374,11 +1899,14 @@
       </p:sp>
     </p:spTree>
   </p:cSld>
+  <p:clrMapOvr>
+    <a:masterClrMapping/>
+  </p:clrMapOvr>
 </p:sldLayout>
 </file>
 
 <file path=ppt/slideLayouts/slideLayout19.xml><?xml version="1.0" encoding="utf-8"?>
-<p:sldLayout xmlns:a="http://schemas.openxmlformats.org/drawingml/2006/main" xmlns:p="http://schemas.openxmlformats.org/presentationml/2006/main" xmlns:r="http://schemas.openxmlformats.org/officeDocument/2006/relationships" xmlns:p14="http://schemas.microsoft.com/office/powerpoint/2010/main" xmlns:p15="http://schemas.microsoft.com/office/powerpoint/2012/main" xmlns:mc="http://schemas.openxmlformats.org/markup-compatibility/2006" type="twoObjAndObj" preserve="1">
+<p:sldLayout xmlns:a="http://schemas.openxmlformats.org/drawingml/2006/main" xmlns:r="http://schemas.openxmlformats.org/officeDocument/2006/relationships" xmlns:p="http://schemas.openxmlformats.org/presentationml/2006/main" type="twoObjAndObj" preserve="1">
   <p:cSld name="Title, 2 Content and Content">
     <p:spTree>
       <p:nvGrpSpPr>
@@ -1414,9 +1942,10 @@
           </a:prstGeom>
         </p:spPr>
         <p:txBody>
-          <a:bodyPr lIns="0" rIns="0" tIns="0" bIns="0" anchor="ctr"/>
-          <a:p>
-            <a:endParaRPr b="0" lang="zh-CN" sz="1800" spc="-1" strike="noStrike">
+          <a:bodyPr lIns="0" tIns="0" rIns="0" bIns="0" anchor="ctr"/>
+          <a:lstStyle/>
+          <a:p>
+            <a:endParaRPr lang="zh-CN" sz="1800" b="0" strike="noStrike" spc="-1">
               <a:solidFill>
                 <a:srgbClr val="000000"/>
               </a:solidFill>
@@ -1445,11 +1974,12 @@
           </a:prstGeom>
         </p:spPr>
         <p:txBody>
-          <a:bodyPr lIns="0" rIns="0" tIns="0" bIns="0">
+          <a:bodyPr lIns="0" tIns="0" rIns="0" bIns="0">
             <a:normAutofit/>
           </a:bodyPr>
-          <a:p>
-            <a:endParaRPr b="0" lang="zh-CN" sz="2800" spc="-1" strike="noStrike">
+          <a:lstStyle/>
+          <a:p>
+            <a:endParaRPr lang="zh-CN" sz="2800" b="0" strike="noStrike" spc="-1">
               <a:solidFill>
                 <a:srgbClr val="000000"/>
               </a:solidFill>
@@ -1478,11 +2008,12 @@
           </a:prstGeom>
         </p:spPr>
         <p:txBody>
-          <a:bodyPr lIns="0" rIns="0" tIns="0" bIns="0">
+          <a:bodyPr lIns="0" tIns="0" rIns="0" bIns="0">
             <a:normAutofit/>
           </a:bodyPr>
-          <a:p>
-            <a:endParaRPr b="0" lang="zh-CN" sz="2800" spc="-1" strike="noStrike">
+          <a:lstStyle/>
+          <a:p>
+            <a:endParaRPr lang="zh-CN" sz="2800" b="0" strike="noStrike" spc="-1">
               <a:solidFill>
                 <a:srgbClr val="000000"/>
               </a:solidFill>
@@ -1511,11 +2042,12 @@
           </a:prstGeom>
         </p:spPr>
         <p:txBody>
-          <a:bodyPr lIns="0" rIns="0" tIns="0" bIns="0">
+          <a:bodyPr lIns="0" tIns="0" rIns="0" bIns="0">
             <a:normAutofit/>
           </a:bodyPr>
-          <a:p>
-            <a:endParaRPr b="0" lang="zh-CN" sz="2800" spc="-1" strike="noStrike">
+          <a:lstStyle/>
+          <a:p>
+            <a:endParaRPr lang="zh-CN" sz="2800" b="0" strike="noStrike" spc="-1">
               <a:solidFill>
                 <a:srgbClr val="000000"/>
               </a:solidFill>
@@ -1526,11 +2058,14 @@
       </p:sp>
     </p:spTree>
   </p:cSld>
+  <p:clrMapOvr>
+    <a:masterClrMapping/>
+  </p:clrMapOvr>
 </p:sldLayout>
 </file>
 
 <file path=ppt/slideLayouts/slideLayout2.xml><?xml version="1.0" encoding="utf-8"?>
-<p:sldLayout xmlns:a="http://schemas.openxmlformats.org/drawingml/2006/main" xmlns:p="http://schemas.openxmlformats.org/presentationml/2006/main" xmlns:r="http://schemas.openxmlformats.org/officeDocument/2006/relationships" xmlns:p14="http://schemas.microsoft.com/office/powerpoint/2010/main" xmlns:p15="http://schemas.microsoft.com/office/powerpoint/2012/main" xmlns:mc="http://schemas.openxmlformats.org/markup-compatibility/2006" type="tx" preserve="1">
+<p:sldLayout xmlns:a="http://schemas.openxmlformats.org/drawingml/2006/main" xmlns:r="http://schemas.openxmlformats.org/officeDocument/2006/relationships" xmlns:p="http://schemas.openxmlformats.org/presentationml/2006/main" type="tx" preserve="1">
   <p:cSld name="Title Slide">
     <p:spTree>
       <p:nvGrpSpPr>
@@ -1566,9 +2101,10 @@
           </a:prstGeom>
         </p:spPr>
         <p:txBody>
-          <a:bodyPr lIns="0" rIns="0" tIns="0" bIns="0" anchor="ctr"/>
-          <a:p>
-            <a:endParaRPr b="0" lang="zh-CN" sz="1800" spc="-1" strike="noStrike">
+          <a:bodyPr lIns="0" tIns="0" rIns="0" bIns="0" anchor="ctr"/>
+          <a:lstStyle/>
+          <a:p>
+            <a:endParaRPr lang="zh-CN" sz="1800" b="0" strike="noStrike" spc="-1">
               <a:solidFill>
                 <a:srgbClr val="000000"/>
               </a:solidFill>
@@ -1597,10 +2133,11 @@
           </a:prstGeom>
         </p:spPr>
         <p:txBody>
-          <a:bodyPr lIns="0" rIns="0" tIns="0" bIns="0" anchor="ctr"/>
+          <a:bodyPr lIns="0" tIns="0" rIns="0" bIns="0" anchor="ctr"/>
+          <a:lstStyle/>
           <a:p>
             <a:pPr algn="ctr"/>
-            <a:endParaRPr b="0" lang="en-US" sz="3200" spc="-1" strike="noStrike">
+            <a:endParaRPr lang="en-US" sz="3200" b="0" strike="noStrike" spc="-1">
               <a:latin typeface="Arial"/>
             </a:endParaRPr>
           </a:p>
@@ -1608,11 +2145,14 @@
       </p:sp>
     </p:spTree>
   </p:cSld>
+  <p:clrMapOvr>
+    <a:masterClrMapping/>
+  </p:clrMapOvr>
 </p:sldLayout>
 </file>
 
 <file path=ppt/slideLayouts/slideLayout20.xml><?xml version="1.0" encoding="utf-8"?>
-<p:sldLayout xmlns:a="http://schemas.openxmlformats.org/drawingml/2006/main" xmlns:p="http://schemas.openxmlformats.org/presentationml/2006/main" xmlns:r="http://schemas.openxmlformats.org/officeDocument/2006/relationships" xmlns:p14="http://schemas.microsoft.com/office/powerpoint/2010/main" xmlns:p15="http://schemas.microsoft.com/office/powerpoint/2012/main" xmlns:mc="http://schemas.openxmlformats.org/markup-compatibility/2006" type="objAndTwoObj" preserve="1">
+<p:sldLayout xmlns:a="http://schemas.openxmlformats.org/drawingml/2006/main" xmlns:r="http://schemas.openxmlformats.org/officeDocument/2006/relationships" xmlns:p="http://schemas.openxmlformats.org/presentationml/2006/main" type="objAndTwoObj" preserve="1">
   <p:cSld name="Title Content and 2 Content">
     <p:spTree>
       <p:nvGrpSpPr>
@@ -1648,9 +2188,10 @@
           </a:prstGeom>
         </p:spPr>
         <p:txBody>
-          <a:bodyPr lIns="0" rIns="0" tIns="0" bIns="0" anchor="ctr"/>
-          <a:p>
-            <a:endParaRPr b="0" lang="zh-CN" sz="1800" spc="-1" strike="noStrike">
+          <a:bodyPr lIns="0" tIns="0" rIns="0" bIns="0" anchor="ctr"/>
+          <a:lstStyle/>
+          <a:p>
+            <a:endParaRPr lang="zh-CN" sz="1800" b="0" strike="noStrike" spc="-1">
               <a:solidFill>
                 <a:srgbClr val="000000"/>
               </a:solidFill>
@@ -1679,11 +2220,12 @@
           </a:prstGeom>
         </p:spPr>
         <p:txBody>
-          <a:bodyPr lIns="0" rIns="0" tIns="0" bIns="0">
+          <a:bodyPr lIns="0" tIns="0" rIns="0" bIns="0">
             <a:normAutofit/>
           </a:bodyPr>
-          <a:p>
-            <a:endParaRPr b="0" lang="zh-CN" sz="2800" spc="-1" strike="noStrike">
+          <a:lstStyle/>
+          <a:p>
+            <a:endParaRPr lang="zh-CN" sz="2800" b="0" strike="noStrike" spc="-1">
               <a:solidFill>
                 <a:srgbClr val="000000"/>
               </a:solidFill>
@@ -1712,11 +2254,12 @@
           </a:prstGeom>
         </p:spPr>
         <p:txBody>
-          <a:bodyPr lIns="0" rIns="0" tIns="0" bIns="0">
+          <a:bodyPr lIns="0" tIns="0" rIns="0" bIns="0">
             <a:normAutofit/>
           </a:bodyPr>
-          <a:p>
-            <a:endParaRPr b="0" lang="zh-CN" sz="2800" spc="-1" strike="noStrike">
+          <a:lstStyle/>
+          <a:p>
+            <a:endParaRPr lang="zh-CN" sz="2800" b="0" strike="noStrike" spc="-1">
               <a:solidFill>
                 <a:srgbClr val="000000"/>
               </a:solidFill>
@@ -1745,11 +2288,12 @@
           </a:prstGeom>
         </p:spPr>
         <p:txBody>
-          <a:bodyPr lIns="0" rIns="0" tIns="0" bIns="0">
+          <a:bodyPr lIns="0" tIns="0" rIns="0" bIns="0">
             <a:normAutofit/>
           </a:bodyPr>
-          <a:p>
-            <a:endParaRPr b="0" lang="zh-CN" sz="2800" spc="-1" strike="noStrike">
+          <a:lstStyle/>
+          <a:p>
+            <a:endParaRPr lang="zh-CN" sz="2800" b="0" strike="noStrike" spc="-1">
               <a:solidFill>
                 <a:srgbClr val="000000"/>
               </a:solidFill>
@@ -1760,11 +2304,14 @@
       </p:sp>
     </p:spTree>
   </p:cSld>
+  <p:clrMapOvr>
+    <a:masterClrMapping/>
+  </p:clrMapOvr>
 </p:sldLayout>
 </file>
 
 <file path=ppt/slideLayouts/slideLayout21.xml><?xml version="1.0" encoding="utf-8"?>
-<p:sldLayout xmlns:a="http://schemas.openxmlformats.org/drawingml/2006/main" xmlns:p="http://schemas.openxmlformats.org/presentationml/2006/main" xmlns:r="http://schemas.openxmlformats.org/officeDocument/2006/relationships" xmlns:p14="http://schemas.microsoft.com/office/powerpoint/2010/main" xmlns:p15="http://schemas.microsoft.com/office/powerpoint/2012/main" xmlns:mc="http://schemas.openxmlformats.org/markup-compatibility/2006" type="twoObjOverTx" preserve="1">
+<p:sldLayout xmlns:a="http://schemas.openxmlformats.org/drawingml/2006/main" xmlns:r="http://schemas.openxmlformats.org/officeDocument/2006/relationships" xmlns:p="http://schemas.openxmlformats.org/presentationml/2006/main" type="twoObjOverTx" preserve="1">
   <p:cSld name="Title, 2 Content over Content">
     <p:spTree>
       <p:nvGrpSpPr>
@@ -1800,9 +2347,10 @@
           </a:prstGeom>
         </p:spPr>
         <p:txBody>
-          <a:bodyPr lIns="0" rIns="0" tIns="0" bIns="0" anchor="ctr"/>
-          <a:p>
-            <a:endParaRPr b="0" lang="zh-CN" sz="1800" spc="-1" strike="noStrike">
+          <a:bodyPr lIns="0" tIns="0" rIns="0" bIns="0" anchor="ctr"/>
+          <a:lstStyle/>
+          <a:p>
+            <a:endParaRPr lang="zh-CN" sz="1800" b="0" strike="noStrike" spc="-1">
               <a:solidFill>
                 <a:srgbClr val="000000"/>
               </a:solidFill>
@@ -1831,11 +2379,12 @@
           </a:prstGeom>
         </p:spPr>
         <p:txBody>
-          <a:bodyPr lIns="0" rIns="0" tIns="0" bIns="0">
+          <a:bodyPr lIns="0" tIns="0" rIns="0" bIns="0">
             <a:normAutofit/>
           </a:bodyPr>
-          <a:p>
-            <a:endParaRPr b="0" lang="zh-CN" sz="2800" spc="-1" strike="noStrike">
+          <a:lstStyle/>
+          <a:p>
+            <a:endParaRPr lang="zh-CN" sz="2800" b="0" strike="noStrike" spc="-1">
               <a:solidFill>
                 <a:srgbClr val="000000"/>
               </a:solidFill>
@@ -1864,11 +2413,12 @@
           </a:prstGeom>
         </p:spPr>
         <p:txBody>
-          <a:bodyPr lIns="0" rIns="0" tIns="0" bIns="0">
+          <a:bodyPr lIns="0" tIns="0" rIns="0" bIns="0">
             <a:normAutofit/>
           </a:bodyPr>
-          <a:p>
-            <a:endParaRPr b="0" lang="zh-CN" sz="2800" spc="-1" strike="noStrike">
+          <a:lstStyle/>
+          <a:p>
+            <a:endParaRPr lang="zh-CN" sz="2800" b="0" strike="noStrike" spc="-1">
               <a:solidFill>
                 <a:srgbClr val="000000"/>
               </a:solidFill>
@@ -1897,11 +2447,12 @@
           </a:prstGeom>
         </p:spPr>
         <p:txBody>
-          <a:bodyPr lIns="0" rIns="0" tIns="0" bIns="0">
+          <a:bodyPr lIns="0" tIns="0" rIns="0" bIns="0">
             <a:normAutofit/>
           </a:bodyPr>
-          <a:p>
-            <a:endParaRPr b="0" lang="zh-CN" sz="2800" spc="-1" strike="noStrike">
+          <a:lstStyle/>
+          <a:p>
+            <a:endParaRPr lang="zh-CN" sz="2800" b="0" strike="noStrike" spc="-1">
               <a:solidFill>
                 <a:srgbClr val="000000"/>
               </a:solidFill>
@@ -1912,11 +2463,14 @@
       </p:sp>
     </p:spTree>
   </p:cSld>
+  <p:clrMapOvr>
+    <a:masterClrMapping/>
+  </p:clrMapOvr>
 </p:sldLayout>
 </file>
 
 <file path=ppt/slideLayouts/slideLayout22.xml><?xml version="1.0" encoding="utf-8"?>
-<p:sldLayout xmlns:a="http://schemas.openxmlformats.org/drawingml/2006/main" xmlns:p="http://schemas.openxmlformats.org/presentationml/2006/main" xmlns:r="http://schemas.openxmlformats.org/officeDocument/2006/relationships" xmlns:p14="http://schemas.microsoft.com/office/powerpoint/2010/main" xmlns:p15="http://schemas.microsoft.com/office/powerpoint/2012/main" xmlns:mc="http://schemas.openxmlformats.org/markup-compatibility/2006" type="objOverTx" preserve="1">
+<p:sldLayout xmlns:a="http://schemas.openxmlformats.org/drawingml/2006/main" xmlns:r="http://schemas.openxmlformats.org/officeDocument/2006/relationships" xmlns:p="http://schemas.openxmlformats.org/presentationml/2006/main" type="objOverTx" preserve="1">
   <p:cSld name="Title, Content over Content">
     <p:spTree>
       <p:nvGrpSpPr>
@@ -1952,9 +2506,10 @@
           </a:prstGeom>
         </p:spPr>
         <p:txBody>
-          <a:bodyPr lIns="0" rIns="0" tIns="0" bIns="0" anchor="ctr"/>
-          <a:p>
-            <a:endParaRPr b="0" lang="zh-CN" sz="1800" spc="-1" strike="noStrike">
+          <a:bodyPr lIns="0" tIns="0" rIns="0" bIns="0" anchor="ctr"/>
+          <a:lstStyle/>
+          <a:p>
+            <a:endParaRPr lang="zh-CN" sz="1800" b="0" strike="noStrike" spc="-1">
               <a:solidFill>
                 <a:srgbClr val="000000"/>
               </a:solidFill>
@@ -1983,11 +2538,12 @@
           </a:prstGeom>
         </p:spPr>
         <p:txBody>
-          <a:bodyPr lIns="0" rIns="0" tIns="0" bIns="0">
+          <a:bodyPr lIns="0" tIns="0" rIns="0" bIns="0">
             <a:normAutofit/>
           </a:bodyPr>
-          <a:p>
-            <a:endParaRPr b="0" lang="zh-CN" sz="2800" spc="-1" strike="noStrike">
+          <a:lstStyle/>
+          <a:p>
+            <a:endParaRPr lang="zh-CN" sz="2800" b="0" strike="noStrike" spc="-1">
               <a:solidFill>
                 <a:srgbClr val="000000"/>
               </a:solidFill>
@@ -2016,11 +2572,12 @@
           </a:prstGeom>
         </p:spPr>
         <p:txBody>
-          <a:bodyPr lIns="0" rIns="0" tIns="0" bIns="0">
+          <a:bodyPr lIns="0" tIns="0" rIns="0" bIns="0">
             <a:normAutofit/>
           </a:bodyPr>
-          <a:p>
-            <a:endParaRPr b="0" lang="zh-CN" sz="2800" spc="-1" strike="noStrike">
+          <a:lstStyle/>
+          <a:p>
+            <a:endParaRPr lang="zh-CN" sz="2800" b="0" strike="noStrike" spc="-1">
               <a:solidFill>
                 <a:srgbClr val="000000"/>
               </a:solidFill>
@@ -2031,11 +2588,14 @@
       </p:sp>
     </p:spTree>
   </p:cSld>
+  <p:clrMapOvr>
+    <a:masterClrMapping/>
+  </p:clrMapOvr>
 </p:sldLayout>
 </file>
 
 <file path=ppt/slideLayouts/slideLayout23.xml><?xml version="1.0" encoding="utf-8"?>
-<p:sldLayout xmlns:a="http://schemas.openxmlformats.org/drawingml/2006/main" xmlns:p="http://schemas.openxmlformats.org/presentationml/2006/main" xmlns:r="http://schemas.openxmlformats.org/officeDocument/2006/relationships" xmlns:p14="http://schemas.microsoft.com/office/powerpoint/2010/main" xmlns:p15="http://schemas.microsoft.com/office/powerpoint/2012/main" xmlns:mc="http://schemas.openxmlformats.org/markup-compatibility/2006" type="fourObj" preserve="1">
+<p:sldLayout xmlns:a="http://schemas.openxmlformats.org/drawingml/2006/main" xmlns:r="http://schemas.openxmlformats.org/officeDocument/2006/relationships" xmlns:p="http://schemas.openxmlformats.org/presentationml/2006/main" type="fourObj" preserve="1">
   <p:cSld name="Title, 4 Content">
     <p:spTree>
       <p:nvGrpSpPr>
@@ -2071,9 +2631,10 @@
           </a:prstGeom>
         </p:spPr>
         <p:txBody>
-          <a:bodyPr lIns="0" rIns="0" tIns="0" bIns="0" anchor="ctr"/>
-          <a:p>
-            <a:endParaRPr b="0" lang="zh-CN" sz="1800" spc="-1" strike="noStrike">
+          <a:bodyPr lIns="0" tIns="0" rIns="0" bIns="0" anchor="ctr"/>
+          <a:lstStyle/>
+          <a:p>
+            <a:endParaRPr lang="zh-CN" sz="1800" b="0" strike="noStrike" spc="-1">
               <a:solidFill>
                 <a:srgbClr val="000000"/>
               </a:solidFill>
@@ -2102,11 +2663,12 @@
           </a:prstGeom>
         </p:spPr>
         <p:txBody>
-          <a:bodyPr lIns="0" rIns="0" tIns="0" bIns="0">
+          <a:bodyPr lIns="0" tIns="0" rIns="0" bIns="0">
             <a:normAutofit/>
           </a:bodyPr>
-          <a:p>
-            <a:endParaRPr b="0" lang="zh-CN" sz="2800" spc="-1" strike="noStrike">
+          <a:lstStyle/>
+          <a:p>
+            <a:endParaRPr lang="zh-CN" sz="2800" b="0" strike="noStrike" spc="-1">
               <a:solidFill>
                 <a:srgbClr val="000000"/>
               </a:solidFill>
@@ -2135,11 +2697,12 @@
           </a:prstGeom>
         </p:spPr>
         <p:txBody>
-          <a:bodyPr lIns="0" rIns="0" tIns="0" bIns="0">
+          <a:bodyPr lIns="0" tIns="0" rIns="0" bIns="0">
             <a:normAutofit/>
           </a:bodyPr>
-          <a:p>
-            <a:endParaRPr b="0" lang="zh-CN" sz="2800" spc="-1" strike="noStrike">
+          <a:lstStyle/>
+          <a:p>
+            <a:endParaRPr lang="zh-CN" sz="2800" b="0" strike="noStrike" spc="-1">
               <a:solidFill>
                 <a:srgbClr val="000000"/>
               </a:solidFill>
@@ -2168,11 +2731,12 @@
           </a:prstGeom>
         </p:spPr>
         <p:txBody>
-          <a:bodyPr lIns="0" rIns="0" tIns="0" bIns="0">
+          <a:bodyPr lIns="0" tIns="0" rIns="0" bIns="0">
             <a:normAutofit/>
           </a:bodyPr>
-          <a:p>
-            <a:endParaRPr b="0" lang="zh-CN" sz="2800" spc="-1" strike="noStrike">
+          <a:lstStyle/>
+          <a:p>
+            <a:endParaRPr lang="zh-CN" sz="2800" b="0" strike="noStrike" spc="-1">
               <a:solidFill>
                 <a:srgbClr val="000000"/>
               </a:solidFill>
@@ -2201,11 +2765,12 @@
           </a:prstGeom>
         </p:spPr>
         <p:txBody>
-          <a:bodyPr lIns="0" rIns="0" tIns="0" bIns="0">
+          <a:bodyPr lIns="0" tIns="0" rIns="0" bIns="0">
             <a:normAutofit/>
           </a:bodyPr>
-          <a:p>
-            <a:endParaRPr b="0" lang="zh-CN" sz="2800" spc="-1" strike="noStrike">
+          <a:lstStyle/>
+          <a:p>
+            <a:endParaRPr lang="zh-CN" sz="2800" b="0" strike="noStrike" spc="-1">
               <a:solidFill>
                 <a:srgbClr val="000000"/>
               </a:solidFill>
@@ -2216,11 +2781,14 @@
       </p:sp>
     </p:spTree>
   </p:cSld>
+  <p:clrMapOvr>
+    <a:masterClrMapping/>
+  </p:clrMapOvr>
 </p:sldLayout>
 </file>
 
 <file path=ppt/slideLayouts/slideLayout24.xml><?xml version="1.0" encoding="utf-8"?>
-<p:sldLayout xmlns:a="http://schemas.openxmlformats.org/drawingml/2006/main" xmlns:p="http://schemas.openxmlformats.org/presentationml/2006/main" xmlns:r="http://schemas.openxmlformats.org/officeDocument/2006/relationships" xmlns:p14="http://schemas.microsoft.com/office/powerpoint/2010/main" xmlns:p15="http://schemas.microsoft.com/office/powerpoint/2012/main" xmlns:mc="http://schemas.openxmlformats.org/markup-compatibility/2006" type="blank" preserve="1">
+<p:sldLayout xmlns:a="http://schemas.openxmlformats.org/drawingml/2006/main" xmlns:r="http://schemas.openxmlformats.org/officeDocument/2006/relationships" xmlns:p="http://schemas.openxmlformats.org/presentationml/2006/main" type="blank" preserve="1">
   <p:cSld name="Title, 6 Content">
     <p:spTree>
       <p:nvGrpSpPr>
@@ -2256,9 +2824,10 @@
           </a:prstGeom>
         </p:spPr>
         <p:txBody>
-          <a:bodyPr lIns="0" rIns="0" tIns="0" bIns="0" anchor="ctr"/>
-          <a:p>
-            <a:endParaRPr b="0" lang="zh-CN" sz="1800" spc="-1" strike="noStrike">
+          <a:bodyPr lIns="0" tIns="0" rIns="0" bIns="0" anchor="ctr"/>
+          <a:lstStyle/>
+          <a:p>
+            <a:endParaRPr lang="zh-CN" sz="1800" b="0" strike="noStrike" spc="-1">
               <a:solidFill>
                 <a:srgbClr val="000000"/>
               </a:solidFill>
@@ -2287,11 +2856,12 @@
           </a:prstGeom>
         </p:spPr>
         <p:txBody>
-          <a:bodyPr lIns="0" rIns="0" tIns="0" bIns="0">
+          <a:bodyPr lIns="0" tIns="0" rIns="0" bIns="0">
             <a:normAutofit/>
           </a:bodyPr>
-          <a:p>
-            <a:endParaRPr b="0" lang="zh-CN" sz="2800" spc="-1" strike="noStrike">
+          <a:lstStyle/>
+          <a:p>
+            <a:endParaRPr lang="zh-CN" sz="2800" b="0" strike="noStrike" spc="-1">
               <a:solidFill>
                 <a:srgbClr val="000000"/>
               </a:solidFill>
@@ -2320,11 +2890,12 @@
           </a:prstGeom>
         </p:spPr>
         <p:txBody>
-          <a:bodyPr lIns="0" rIns="0" tIns="0" bIns="0">
+          <a:bodyPr lIns="0" tIns="0" rIns="0" bIns="0">
             <a:normAutofit/>
           </a:bodyPr>
-          <a:p>
-            <a:endParaRPr b="0" lang="zh-CN" sz="2800" spc="-1" strike="noStrike">
+          <a:lstStyle/>
+          <a:p>
+            <a:endParaRPr lang="zh-CN" sz="2800" b="0" strike="noStrike" spc="-1">
               <a:solidFill>
                 <a:srgbClr val="000000"/>
               </a:solidFill>
@@ -2353,11 +2924,12 @@
           </a:prstGeom>
         </p:spPr>
         <p:txBody>
-          <a:bodyPr lIns="0" rIns="0" tIns="0" bIns="0">
+          <a:bodyPr lIns="0" tIns="0" rIns="0" bIns="0">
             <a:normAutofit/>
           </a:bodyPr>
-          <a:p>
-            <a:endParaRPr b="0" lang="zh-CN" sz="2800" spc="-1" strike="noStrike">
+          <a:lstStyle/>
+          <a:p>
+            <a:endParaRPr lang="zh-CN" sz="2800" b="0" strike="noStrike" spc="-1">
               <a:solidFill>
                 <a:srgbClr val="000000"/>
               </a:solidFill>
@@ -2386,11 +2958,12 @@
           </a:prstGeom>
         </p:spPr>
         <p:txBody>
-          <a:bodyPr lIns="0" rIns="0" tIns="0" bIns="0">
+          <a:bodyPr lIns="0" tIns="0" rIns="0" bIns="0">
             <a:normAutofit/>
           </a:bodyPr>
-          <a:p>
-            <a:endParaRPr b="0" lang="zh-CN" sz="2800" spc="-1" strike="noStrike">
+          <a:lstStyle/>
+          <a:p>
+            <a:endParaRPr lang="zh-CN" sz="2800" b="0" strike="noStrike" spc="-1">
               <a:solidFill>
                 <a:srgbClr val="000000"/>
               </a:solidFill>
@@ -2419,11 +2992,12 @@
           </a:prstGeom>
         </p:spPr>
         <p:txBody>
-          <a:bodyPr lIns="0" rIns="0" tIns="0" bIns="0">
+          <a:bodyPr lIns="0" tIns="0" rIns="0" bIns="0">
             <a:normAutofit/>
           </a:bodyPr>
-          <a:p>
-            <a:endParaRPr b="0" lang="zh-CN" sz="2800" spc="-1" strike="noStrike">
+          <a:lstStyle/>
+          <a:p>
+            <a:endParaRPr lang="zh-CN" sz="2800" b="0" strike="noStrike" spc="-1">
               <a:solidFill>
                 <a:srgbClr val="000000"/>
               </a:solidFill>
@@ -2452,11 +3026,12 @@
           </a:prstGeom>
         </p:spPr>
         <p:txBody>
-          <a:bodyPr lIns="0" rIns="0" tIns="0" bIns="0">
+          <a:bodyPr lIns="0" tIns="0" rIns="0" bIns="0">
             <a:normAutofit/>
           </a:bodyPr>
-          <a:p>
-            <a:endParaRPr b="0" lang="zh-CN" sz="2800" spc="-1" strike="noStrike">
+          <a:lstStyle/>
+          <a:p>
+            <a:endParaRPr lang="zh-CN" sz="2800" b="0" strike="noStrike" spc="-1">
               <a:solidFill>
                 <a:srgbClr val="000000"/>
               </a:solidFill>
@@ -2467,11 +3042,14 @@
       </p:sp>
     </p:spTree>
   </p:cSld>
+  <p:clrMapOvr>
+    <a:masterClrMapping/>
+  </p:clrMapOvr>
 </p:sldLayout>
 </file>
 
 <file path=ppt/slideLayouts/slideLayout3.xml><?xml version="1.0" encoding="utf-8"?>
-<p:sldLayout xmlns:a="http://schemas.openxmlformats.org/drawingml/2006/main" xmlns:p="http://schemas.openxmlformats.org/presentationml/2006/main" xmlns:r="http://schemas.openxmlformats.org/officeDocument/2006/relationships" xmlns:p14="http://schemas.microsoft.com/office/powerpoint/2010/main" xmlns:p15="http://schemas.microsoft.com/office/powerpoint/2012/main" xmlns:mc="http://schemas.openxmlformats.org/markup-compatibility/2006" type="obj" preserve="1">
+<p:sldLayout xmlns:a="http://schemas.openxmlformats.org/drawingml/2006/main" xmlns:r="http://schemas.openxmlformats.org/officeDocument/2006/relationships" xmlns:p="http://schemas.openxmlformats.org/presentationml/2006/main" type="obj" preserve="1">
   <p:cSld name="Title, Content">
     <p:spTree>
       <p:nvGrpSpPr>
@@ -2507,9 +3085,10 @@
           </a:prstGeom>
         </p:spPr>
         <p:txBody>
-          <a:bodyPr lIns="0" rIns="0" tIns="0" bIns="0" anchor="ctr"/>
-          <a:p>
-            <a:endParaRPr b="0" lang="zh-CN" sz="1800" spc="-1" strike="noStrike">
+          <a:bodyPr lIns="0" tIns="0" rIns="0" bIns="0" anchor="ctr"/>
+          <a:lstStyle/>
+          <a:p>
+            <a:endParaRPr lang="zh-CN" sz="1800" b="0" strike="noStrike" spc="-1">
               <a:solidFill>
                 <a:srgbClr val="000000"/>
               </a:solidFill>
@@ -2538,11 +3117,12 @@
           </a:prstGeom>
         </p:spPr>
         <p:txBody>
-          <a:bodyPr lIns="0" rIns="0" tIns="0" bIns="0">
+          <a:bodyPr lIns="0" tIns="0" rIns="0" bIns="0">
             <a:normAutofit/>
           </a:bodyPr>
-          <a:p>
-            <a:endParaRPr b="0" lang="zh-CN" sz="2800" spc="-1" strike="noStrike">
+          <a:lstStyle/>
+          <a:p>
+            <a:endParaRPr lang="zh-CN" sz="2800" b="0" strike="noStrike" spc="-1">
               <a:solidFill>
                 <a:srgbClr val="000000"/>
               </a:solidFill>
@@ -2553,11 +3133,14 @@
       </p:sp>
     </p:spTree>
   </p:cSld>
+  <p:clrMapOvr>
+    <a:masterClrMapping/>
+  </p:clrMapOvr>
 </p:sldLayout>
 </file>
 
 <file path=ppt/slideLayouts/slideLayout4.xml><?xml version="1.0" encoding="utf-8"?>
-<p:sldLayout xmlns:a="http://schemas.openxmlformats.org/drawingml/2006/main" xmlns:p="http://schemas.openxmlformats.org/presentationml/2006/main" xmlns:r="http://schemas.openxmlformats.org/officeDocument/2006/relationships" xmlns:p14="http://schemas.microsoft.com/office/powerpoint/2010/main" xmlns:p15="http://schemas.microsoft.com/office/powerpoint/2012/main" xmlns:mc="http://schemas.openxmlformats.org/markup-compatibility/2006" type="twoObj" preserve="1">
+<p:sldLayout xmlns:a="http://schemas.openxmlformats.org/drawingml/2006/main" xmlns:r="http://schemas.openxmlformats.org/officeDocument/2006/relationships" xmlns:p="http://schemas.openxmlformats.org/presentationml/2006/main" type="twoObj" preserve="1">
   <p:cSld name="Title, 2 Content">
     <p:spTree>
       <p:nvGrpSpPr>
@@ -2593,9 +3176,10 @@
           </a:prstGeom>
         </p:spPr>
         <p:txBody>
-          <a:bodyPr lIns="0" rIns="0" tIns="0" bIns="0" anchor="ctr"/>
-          <a:p>
-            <a:endParaRPr b="0" lang="zh-CN" sz="1800" spc="-1" strike="noStrike">
+          <a:bodyPr lIns="0" tIns="0" rIns="0" bIns="0" anchor="ctr"/>
+          <a:lstStyle/>
+          <a:p>
+            <a:endParaRPr lang="zh-CN" sz="1800" b="0" strike="noStrike" spc="-1">
               <a:solidFill>
                 <a:srgbClr val="000000"/>
               </a:solidFill>
@@ -2624,11 +3208,12 @@
           </a:prstGeom>
         </p:spPr>
         <p:txBody>
-          <a:bodyPr lIns="0" rIns="0" tIns="0" bIns="0">
+          <a:bodyPr lIns="0" tIns="0" rIns="0" bIns="0">
             <a:normAutofit/>
           </a:bodyPr>
-          <a:p>
-            <a:endParaRPr b="0" lang="zh-CN" sz="2800" spc="-1" strike="noStrike">
+          <a:lstStyle/>
+          <a:p>
+            <a:endParaRPr lang="zh-CN" sz="2800" b="0" strike="noStrike" spc="-1">
               <a:solidFill>
                 <a:srgbClr val="000000"/>
               </a:solidFill>
@@ -2657,11 +3242,12 @@
           </a:prstGeom>
         </p:spPr>
         <p:txBody>
-          <a:bodyPr lIns="0" rIns="0" tIns="0" bIns="0">
+          <a:bodyPr lIns="0" tIns="0" rIns="0" bIns="0">
             <a:normAutofit/>
           </a:bodyPr>
-          <a:p>
-            <a:endParaRPr b="0" lang="zh-CN" sz="2800" spc="-1" strike="noStrike">
+          <a:lstStyle/>
+          <a:p>
+            <a:endParaRPr lang="zh-CN" sz="2800" b="0" strike="noStrike" spc="-1">
               <a:solidFill>
                 <a:srgbClr val="000000"/>
               </a:solidFill>
@@ -2672,11 +3258,14 @@
       </p:sp>
     </p:spTree>
   </p:cSld>
+  <p:clrMapOvr>
+    <a:masterClrMapping/>
+  </p:clrMapOvr>
 </p:sldLayout>
 </file>
 
 <file path=ppt/slideLayouts/slideLayout5.xml><?xml version="1.0" encoding="utf-8"?>
-<p:sldLayout xmlns:a="http://schemas.openxmlformats.org/drawingml/2006/main" xmlns:p="http://schemas.openxmlformats.org/presentationml/2006/main" xmlns:r="http://schemas.openxmlformats.org/officeDocument/2006/relationships" xmlns:p14="http://schemas.microsoft.com/office/powerpoint/2010/main" xmlns:p15="http://schemas.microsoft.com/office/powerpoint/2012/main" xmlns:mc="http://schemas.openxmlformats.org/markup-compatibility/2006" type="titleOnly" preserve="1">
+<p:sldLayout xmlns:a="http://schemas.openxmlformats.org/drawingml/2006/main" xmlns:r="http://schemas.openxmlformats.org/officeDocument/2006/relationships" xmlns:p="http://schemas.openxmlformats.org/presentationml/2006/main" type="titleOnly" preserve="1">
   <p:cSld name="Title Only">
     <p:spTree>
       <p:nvGrpSpPr>
@@ -2712,9 +3301,10 @@
           </a:prstGeom>
         </p:spPr>
         <p:txBody>
-          <a:bodyPr lIns="0" rIns="0" tIns="0" bIns="0" anchor="ctr"/>
-          <a:p>
-            <a:endParaRPr b="0" lang="zh-CN" sz="1800" spc="-1" strike="noStrike">
+          <a:bodyPr lIns="0" tIns="0" rIns="0" bIns="0" anchor="ctr"/>
+          <a:lstStyle/>
+          <a:p>
+            <a:endParaRPr lang="zh-CN" sz="1800" b="0" strike="noStrike" spc="-1">
               <a:solidFill>
                 <a:srgbClr val="000000"/>
               </a:solidFill>
@@ -2725,11 +3315,14 @@
       </p:sp>
     </p:spTree>
   </p:cSld>
+  <p:clrMapOvr>
+    <a:masterClrMapping/>
+  </p:clrMapOvr>
 </p:sldLayout>
 </file>
 
 <file path=ppt/slideLayouts/slideLayout6.xml><?xml version="1.0" encoding="utf-8"?>
-<p:sldLayout xmlns:a="http://schemas.openxmlformats.org/drawingml/2006/main" xmlns:p="http://schemas.openxmlformats.org/presentationml/2006/main" xmlns:r="http://schemas.openxmlformats.org/officeDocument/2006/relationships" xmlns:p14="http://schemas.microsoft.com/office/powerpoint/2010/main" xmlns:p15="http://schemas.microsoft.com/office/powerpoint/2012/main" xmlns:mc="http://schemas.openxmlformats.org/markup-compatibility/2006" type="objOnly" preserve="1">
+<p:sldLayout xmlns:a="http://schemas.openxmlformats.org/drawingml/2006/main" xmlns:r="http://schemas.openxmlformats.org/officeDocument/2006/relationships" xmlns:p="http://schemas.openxmlformats.org/presentationml/2006/main" type="objOnly" preserve="1">
   <p:cSld name="Centered Text">
     <p:spTree>
       <p:nvGrpSpPr>
@@ -2765,10 +3358,11 @@
           </a:prstGeom>
         </p:spPr>
         <p:txBody>
-          <a:bodyPr lIns="0" rIns="0" tIns="0" bIns="0" anchor="ctr"/>
+          <a:bodyPr lIns="0" tIns="0" rIns="0" bIns="0" anchor="ctr"/>
+          <a:lstStyle/>
           <a:p>
             <a:pPr algn="ctr"/>
-            <a:endParaRPr b="0" lang="en-US" sz="3200" spc="-1" strike="noStrike">
+            <a:endParaRPr lang="en-US" sz="3200" b="0" strike="noStrike" spc="-1">
               <a:latin typeface="Arial"/>
             </a:endParaRPr>
           </a:p>
@@ -2776,11 +3370,14 @@
       </p:sp>
     </p:spTree>
   </p:cSld>
+  <p:clrMapOvr>
+    <a:masterClrMapping/>
+  </p:clrMapOvr>
 </p:sldLayout>
 </file>
 
 <file path=ppt/slideLayouts/slideLayout7.xml><?xml version="1.0" encoding="utf-8"?>
-<p:sldLayout xmlns:a="http://schemas.openxmlformats.org/drawingml/2006/main" xmlns:p="http://schemas.openxmlformats.org/presentationml/2006/main" xmlns:r="http://schemas.openxmlformats.org/officeDocument/2006/relationships" xmlns:p14="http://schemas.microsoft.com/office/powerpoint/2010/main" xmlns:p15="http://schemas.microsoft.com/office/powerpoint/2012/main" xmlns:mc="http://schemas.openxmlformats.org/markup-compatibility/2006" type="twoObjAndObj" preserve="1">
+<p:sldLayout xmlns:a="http://schemas.openxmlformats.org/drawingml/2006/main" xmlns:r="http://schemas.openxmlformats.org/officeDocument/2006/relationships" xmlns:p="http://schemas.openxmlformats.org/presentationml/2006/main" type="twoObjAndObj" preserve="1">
   <p:cSld name="Title, 2 Content and Content">
     <p:spTree>
       <p:nvGrpSpPr>
@@ -2816,9 +3413,10 @@
           </a:prstGeom>
         </p:spPr>
         <p:txBody>
-          <a:bodyPr lIns="0" rIns="0" tIns="0" bIns="0" anchor="ctr"/>
-          <a:p>
-            <a:endParaRPr b="0" lang="zh-CN" sz="1800" spc="-1" strike="noStrike">
+          <a:bodyPr lIns="0" tIns="0" rIns="0" bIns="0" anchor="ctr"/>
+          <a:lstStyle/>
+          <a:p>
+            <a:endParaRPr lang="zh-CN" sz="1800" b="0" strike="noStrike" spc="-1">
               <a:solidFill>
                 <a:srgbClr val="000000"/>
               </a:solidFill>
@@ -2847,11 +3445,12 @@
           </a:prstGeom>
         </p:spPr>
         <p:txBody>
-          <a:bodyPr lIns="0" rIns="0" tIns="0" bIns="0">
+          <a:bodyPr lIns="0" tIns="0" rIns="0" bIns="0">
             <a:normAutofit/>
           </a:bodyPr>
-          <a:p>
-            <a:endParaRPr b="0" lang="zh-CN" sz="2800" spc="-1" strike="noStrike">
+          <a:lstStyle/>
+          <a:p>
+            <a:endParaRPr lang="zh-CN" sz="2800" b="0" strike="noStrike" spc="-1">
               <a:solidFill>
                 <a:srgbClr val="000000"/>
               </a:solidFill>
@@ -2880,11 +3479,12 @@
           </a:prstGeom>
         </p:spPr>
         <p:txBody>
-          <a:bodyPr lIns="0" rIns="0" tIns="0" bIns="0">
+          <a:bodyPr lIns="0" tIns="0" rIns="0" bIns="0">
             <a:normAutofit/>
           </a:bodyPr>
-          <a:p>
-            <a:endParaRPr b="0" lang="zh-CN" sz="2800" spc="-1" strike="noStrike">
+          <a:lstStyle/>
+          <a:p>
+            <a:endParaRPr lang="zh-CN" sz="2800" b="0" strike="noStrike" spc="-1">
               <a:solidFill>
                 <a:srgbClr val="000000"/>
               </a:solidFill>
@@ -2913,11 +3513,12 @@
           </a:prstGeom>
         </p:spPr>
         <p:txBody>
-          <a:bodyPr lIns="0" rIns="0" tIns="0" bIns="0">
+          <a:bodyPr lIns="0" tIns="0" rIns="0" bIns="0">
             <a:normAutofit/>
           </a:bodyPr>
-          <a:p>
-            <a:endParaRPr b="0" lang="zh-CN" sz="2800" spc="-1" strike="noStrike">
+          <a:lstStyle/>
+          <a:p>
+            <a:endParaRPr lang="zh-CN" sz="2800" b="0" strike="noStrike" spc="-1">
               <a:solidFill>
                 <a:srgbClr val="000000"/>
               </a:solidFill>
@@ -2928,11 +3529,14 @@
       </p:sp>
     </p:spTree>
   </p:cSld>
+  <p:clrMapOvr>
+    <a:masterClrMapping/>
+  </p:clrMapOvr>
 </p:sldLayout>
 </file>
 
 <file path=ppt/slideLayouts/slideLayout8.xml><?xml version="1.0" encoding="utf-8"?>
-<p:sldLayout xmlns:a="http://schemas.openxmlformats.org/drawingml/2006/main" xmlns:p="http://schemas.openxmlformats.org/presentationml/2006/main" xmlns:r="http://schemas.openxmlformats.org/officeDocument/2006/relationships" xmlns:p14="http://schemas.microsoft.com/office/powerpoint/2010/main" xmlns:p15="http://schemas.microsoft.com/office/powerpoint/2012/main" xmlns:mc="http://schemas.openxmlformats.org/markup-compatibility/2006" type="objAndTwoObj" preserve="1">
+<p:sldLayout xmlns:a="http://schemas.openxmlformats.org/drawingml/2006/main" xmlns:r="http://schemas.openxmlformats.org/officeDocument/2006/relationships" xmlns:p="http://schemas.openxmlformats.org/presentationml/2006/main" type="objAndTwoObj" preserve="1">
   <p:cSld name="Title Content and 2 Content">
     <p:spTree>
       <p:nvGrpSpPr>
@@ -2968,9 +3572,10 @@
           </a:prstGeom>
         </p:spPr>
         <p:txBody>
-          <a:bodyPr lIns="0" rIns="0" tIns="0" bIns="0" anchor="ctr"/>
-          <a:p>
-            <a:endParaRPr b="0" lang="zh-CN" sz="1800" spc="-1" strike="noStrike">
+          <a:bodyPr lIns="0" tIns="0" rIns="0" bIns="0" anchor="ctr"/>
+          <a:lstStyle/>
+          <a:p>
+            <a:endParaRPr lang="zh-CN" sz="1800" b="0" strike="noStrike" spc="-1">
               <a:solidFill>
                 <a:srgbClr val="000000"/>
               </a:solidFill>
@@ -2999,11 +3604,12 @@
           </a:prstGeom>
         </p:spPr>
         <p:txBody>
-          <a:bodyPr lIns="0" rIns="0" tIns="0" bIns="0">
+          <a:bodyPr lIns="0" tIns="0" rIns="0" bIns="0">
             <a:normAutofit/>
           </a:bodyPr>
-          <a:p>
-            <a:endParaRPr b="0" lang="zh-CN" sz="2800" spc="-1" strike="noStrike">
+          <a:lstStyle/>
+          <a:p>
+            <a:endParaRPr lang="zh-CN" sz="2800" b="0" strike="noStrike" spc="-1">
               <a:solidFill>
                 <a:srgbClr val="000000"/>
               </a:solidFill>
@@ -3032,11 +3638,12 @@
           </a:prstGeom>
         </p:spPr>
         <p:txBody>
-          <a:bodyPr lIns="0" rIns="0" tIns="0" bIns="0">
+          <a:bodyPr lIns="0" tIns="0" rIns="0" bIns="0">
             <a:normAutofit/>
           </a:bodyPr>
-          <a:p>
-            <a:endParaRPr b="0" lang="zh-CN" sz="2800" spc="-1" strike="noStrike">
+          <a:lstStyle/>
+          <a:p>
+            <a:endParaRPr lang="zh-CN" sz="2800" b="0" strike="noStrike" spc="-1">
               <a:solidFill>
                 <a:srgbClr val="000000"/>
               </a:solidFill>
@@ -3065,11 +3672,12 @@
           </a:prstGeom>
         </p:spPr>
         <p:txBody>
-          <a:bodyPr lIns="0" rIns="0" tIns="0" bIns="0">
+          <a:bodyPr lIns="0" tIns="0" rIns="0" bIns="0">
             <a:normAutofit/>
           </a:bodyPr>
-          <a:p>
-            <a:endParaRPr b="0" lang="zh-CN" sz="2800" spc="-1" strike="noStrike">
+          <a:lstStyle/>
+          <a:p>
+            <a:endParaRPr lang="zh-CN" sz="2800" b="0" strike="noStrike" spc="-1">
               <a:solidFill>
                 <a:srgbClr val="000000"/>
               </a:solidFill>
@@ -3080,11 +3688,14 @@
       </p:sp>
     </p:spTree>
   </p:cSld>
+  <p:clrMapOvr>
+    <a:masterClrMapping/>
+  </p:clrMapOvr>
 </p:sldLayout>
 </file>
 
 <file path=ppt/slideLayouts/slideLayout9.xml><?xml version="1.0" encoding="utf-8"?>
-<p:sldLayout xmlns:a="http://schemas.openxmlformats.org/drawingml/2006/main" xmlns:p="http://schemas.openxmlformats.org/presentationml/2006/main" xmlns:r="http://schemas.openxmlformats.org/officeDocument/2006/relationships" xmlns:p14="http://schemas.microsoft.com/office/powerpoint/2010/main" xmlns:p15="http://schemas.microsoft.com/office/powerpoint/2012/main" xmlns:mc="http://schemas.openxmlformats.org/markup-compatibility/2006" type="twoObjOverTx" preserve="1">
+<p:sldLayout xmlns:a="http://schemas.openxmlformats.org/drawingml/2006/main" xmlns:r="http://schemas.openxmlformats.org/officeDocument/2006/relationships" xmlns:p="http://schemas.openxmlformats.org/presentationml/2006/main" type="twoObjOverTx" preserve="1">
   <p:cSld name="Title, 2 Content over Content">
     <p:spTree>
       <p:nvGrpSpPr>
@@ -3120,9 +3731,10 @@
           </a:prstGeom>
         </p:spPr>
         <p:txBody>
-          <a:bodyPr lIns="0" rIns="0" tIns="0" bIns="0" anchor="ctr"/>
-          <a:p>
-            <a:endParaRPr b="0" lang="zh-CN" sz="1800" spc="-1" strike="noStrike">
+          <a:bodyPr lIns="0" tIns="0" rIns="0" bIns="0" anchor="ctr"/>
+          <a:lstStyle/>
+          <a:p>
+            <a:endParaRPr lang="zh-CN" sz="1800" b="0" strike="noStrike" spc="-1">
               <a:solidFill>
                 <a:srgbClr val="000000"/>
               </a:solidFill>
@@ -3151,11 +3763,12 @@
           </a:prstGeom>
         </p:spPr>
         <p:txBody>
-          <a:bodyPr lIns="0" rIns="0" tIns="0" bIns="0">
+          <a:bodyPr lIns="0" tIns="0" rIns="0" bIns="0">
             <a:normAutofit/>
           </a:bodyPr>
-          <a:p>
-            <a:endParaRPr b="0" lang="zh-CN" sz="2800" spc="-1" strike="noStrike">
+          <a:lstStyle/>
+          <a:p>
+            <a:endParaRPr lang="zh-CN" sz="2800" b="0" strike="noStrike" spc="-1">
               <a:solidFill>
                 <a:srgbClr val="000000"/>
               </a:solidFill>
@@ -3184,11 +3797,12 @@
           </a:prstGeom>
         </p:spPr>
         <p:txBody>
-          <a:bodyPr lIns="0" rIns="0" tIns="0" bIns="0">
+          <a:bodyPr lIns="0" tIns="0" rIns="0" bIns="0">
             <a:normAutofit/>
           </a:bodyPr>
-          <a:p>
-            <a:endParaRPr b="0" lang="zh-CN" sz="2800" spc="-1" strike="noStrike">
+          <a:lstStyle/>
+          <a:p>
+            <a:endParaRPr lang="zh-CN" sz="2800" b="0" strike="noStrike" spc="-1">
               <a:solidFill>
                 <a:srgbClr val="000000"/>
               </a:solidFill>
@@ -3217,11 +3831,12 @@
           </a:prstGeom>
         </p:spPr>
         <p:txBody>
-          <a:bodyPr lIns="0" rIns="0" tIns="0" bIns="0">
+          <a:bodyPr lIns="0" tIns="0" rIns="0" bIns="0">
             <a:normAutofit/>
           </a:bodyPr>
-          <a:p>
-            <a:endParaRPr b="0" lang="zh-CN" sz="2800" spc="-1" strike="noStrike">
+          <a:lstStyle/>
+          <a:p>
+            <a:endParaRPr lang="zh-CN" sz="2800" b="0" strike="noStrike" spc="-1">
               <a:solidFill>
                 <a:srgbClr val="000000"/>
               </a:solidFill>
@@ -3232,17 +3847,21 @@
       </p:sp>
     </p:spTree>
   </p:cSld>
+  <p:clrMapOvr>
+    <a:masterClrMapping/>
+  </p:clrMapOvr>
 </p:sldLayout>
 </file>
 
 <file path=ppt/slideMasters/slideMaster1.xml><?xml version="1.0" encoding="utf-8"?>
-<p:sldMaster xmlns:a="http://schemas.openxmlformats.org/drawingml/2006/main" xmlns:p="http://schemas.openxmlformats.org/presentationml/2006/main" xmlns:r="http://schemas.openxmlformats.org/officeDocument/2006/relationships" xmlns:p14="http://schemas.microsoft.com/office/powerpoint/2010/main" xmlns:p15="http://schemas.microsoft.com/office/powerpoint/2012/main" xmlns:mc="http://schemas.openxmlformats.org/markup-compatibility/2006">
+<p:sldMaster xmlns:a="http://schemas.openxmlformats.org/drawingml/2006/main" xmlns:r="http://schemas.openxmlformats.org/officeDocument/2006/relationships" xmlns:p="http://schemas.openxmlformats.org/presentationml/2006/main">
   <p:cSld>
     <p:bg>
       <p:bgPr>
         <a:solidFill>
-          <a:srgbClr val="ffffff"/>
+          <a:srgbClr val="FFFFFF"/>
         </a:solidFill>
+        <a:effectLst/>
       </p:bgPr>
     </p:bg>
     <p:spTree>
@@ -3261,7 +3880,7 @@
       </p:grpSpPr>
       <p:sp>
         <p:nvSpPr>
-          <p:cNvPr id="0" name="PlaceHolder 1"/>
+          <p:cNvPr id="5" name="PlaceHolder 1"/>
           <p:cNvSpPr>
             <a:spLocks noGrp="1"/>
           </p:cNvSpPr>
@@ -3280,6 +3899,7 @@
         </p:spPr>
         <p:txBody>
           <a:bodyPr anchor="b"/>
+          <a:lstStyle/>
           <a:p>
             <a:pPr algn="ctr">
               <a:lnSpc>
@@ -3287,7 +3907,7 @@
               </a:lnSpc>
             </a:pPr>
             <a:r>
-              <a:rPr b="0" lang="zh-CN" sz="6000" spc="-1" strike="noStrike">
+              <a:rPr lang="zh-CN" sz="6000" b="0" strike="noStrike" spc="-1">
                 <a:solidFill>
                   <a:srgbClr val="000000"/>
                 </a:solidFill>
@@ -3295,7 +3915,7 @@
               </a:rPr>
               <a:t>单击此处编辑母版标题样式</a:t>
             </a:r>
-            <a:endParaRPr b="0" lang="zh-CN" sz="6000" spc="-1" strike="noStrike">
+            <a:endParaRPr lang="zh-CN" sz="6000" b="0" strike="noStrike" spc="-1">
               <a:solidFill>
                 <a:srgbClr val="000000"/>
               </a:solidFill>
@@ -3306,7 +3926,7 @@
       </p:sp>
       <p:sp>
         <p:nvSpPr>
-          <p:cNvPr id="1" name="PlaceHolder 2"/>
+          <p:cNvPr id="6" name="PlaceHolder 2"/>
           <p:cNvSpPr>
             <a:spLocks noGrp="1"/>
           </p:cNvSpPr>
@@ -3325,6 +3945,7 @@
         </p:spPr>
         <p:txBody>
           <a:bodyPr anchor="ctr"/>
+          <a:lstStyle/>
           <a:p>
             <a:pPr>
               <a:lnSpc>
@@ -3332,15 +3953,15 @@
               </a:lnSpc>
             </a:pPr>
             <a:fld id="{A8BE44D8-CB09-4B18-9EA3-91E1F825D144}" type="datetime">
-              <a:rPr b="0" lang="en-US" sz="1200" spc="-1" strike="noStrike">
+              <a:rPr lang="en-US" sz="1200" b="0" strike="noStrike" spc="-1">
                 <a:solidFill>
-                  <a:srgbClr val="8b8b8b"/>
+                  <a:srgbClr val="8B8B8B"/>
                 </a:solidFill>
                 <a:latin typeface="等线"/>
               </a:rPr>
-              <a:t>8/18/20</a:t>
+              <a:t>8/18/2020</a:t>
             </a:fld>
-            <a:endParaRPr b="0" lang="en-US" sz="1200" spc="-1" strike="noStrike">
+            <a:endParaRPr lang="en-US" sz="1200" b="0" strike="noStrike" spc="-1">
               <a:latin typeface="Times New Roman"/>
             </a:endParaRPr>
           </a:p>
@@ -3367,8 +3988,9 @@
         </p:spPr>
         <p:txBody>
           <a:bodyPr anchor="ctr"/>
-          <a:p>
-            <a:endParaRPr b="0" lang="en-US" sz="2400" spc="-1" strike="noStrike">
+          <a:lstStyle/>
+          <a:p>
+            <a:endParaRPr lang="en-US" sz="2400" b="0" strike="noStrike" spc="-1">
               <a:latin typeface="Times New Roman"/>
             </a:endParaRPr>
           </a:p>
@@ -3395,6 +4017,7 @@
         </p:spPr>
         <p:txBody>
           <a:bodyPr anchor="ctr"/>
+          <a:lstStyle/>
           <a:p>
             <a:pPr algn="r">
               <a:lnSpc>
@@ -3402,15 +4025,15 @@
               </a:lnSpc>
             </a:pPr>
             <a:fld id="{0F2E2006-CAE6-4D0C-AA89-200E263FACF4}" type="slidenum">
-              <a:rPr b="0" lang="en-US" sz="1200" spc="-1" strike="noStrike">
+              <a:rPr lang="en-US" sz="1200" b="0" strike="noStrike" spc="-1">
                 <a:solidFill>
-                  <a:srgbClr val="8b8b8b"/>
+                  <a:srgbClr val="8B8B8B"/>
                 </a:solidFill>
                 <a:latin typeface="等线"/>
               </a:rPr>
-              <a:t>&lt;number&gt;</a:t>
+              <a:t>‹#›</a:t>
             </a:fld>
-            <a:endParaRPr b="0" lang="en-US" sz="1200" spc="-1" strike="noStrike">
+            <a:endParaRPr lang="en-US" sz="1200" b="0" strike="noStrike" spc="-1">
               <a:latin typeface="Times New Roman"/>
             </a:endParaRPr>
           </a:p>
@@ -3436,9 +4059,10 @@
           </a:prstGeom>
         </p:spPr>
         <p:txBody>
-          <a:bodyPr lIns="0" rIns="0" tIns="0" bIns="0">
+          <a:bodyPr lIns="0" tIns="0" rIns="0" bIns="0">
             <a:normAutofit/>
           </a:bodyPr>
+          <a:lstStyle/>
           <a:p>
             <a:pPr marL="432000" indent="-324000">
               <a:spcBef>
@@ -3452,7 +4076,7 @@
               <a:buChar char=""/>
             </a:pPr>
             <a:r>
-              <a:rPr b="0" lang="zh-CN" sz="2800" spc="-1" strike="noStrike">
+              <a:rPr lang="zh-CN" sz="2800" b="0" strike="noStrike" spc="-1">
                 <a:solidFill>
                   <a:srgbClr val="000000"/>
                 </a:solidFill>
@@ -3460,15 +4084,9 @@
               </a:rPr>
               <a:t>Click to edit the outline text format</a:t>
             </a:r>
-            <a:endParaRPr b="0" lang="zh-CN" sz="2800" spc="-1" strike="noStrike">
-              <a:solidFill>
-                <a:srgbClr val="000000"/>
-              </a:solidFill>
-              <a:latin typeface="等线"/>
-            </a:endParaRPr>
-          </a:p>
-          <a:p>
-            <a:pPr lvl="1" marL="864000" indent="-324000">
+          </a:p>
+          <a:p>
+            <a:pPr marL="864000" lvl="1" indent="-324000">
               <a:spcBef>
                 <a:spcPts val="1134"/>
               </a:spcBef>
@@ -3480,7 +4098,7 @@
               <a:buChar char=""/>
             </a:pPr>
             <a:r>
-              <a:rPr b="0" lang="zh-CN" sz="2000" spc="-1" strike="noStrike">
+              <a:rPr lang="zh-CN" sz="2000" b="0" strike="noStrike" spc="-1">
                 <a:solidFill>
                   <a:srgbClr val="000000"/>
                 </a:solidFill>
@@ -3488,15 +4106,9 @@
               </a:rPr>
               <a:t>Second Outline Level</a:t>
             </a:r>
-            <a:endParaRPr b="0" lang="zh-CN" sz="2000" spc="-1" strike="noStrike">
-              <a:solidFill>
-                <a:srgbClr val="000000"/>
-              </a:solidFill>
-              <a:latin typeface="等线"/>
-            </a:endParaRPr>
-          </a:p>
-          <a:p>
-            <a:pPr lvl="2" marL="1296000" indent="-288000">
+          </a:p>
+          <a:p>
+            <a:pPr marL="1296000" lvl="2" indent="-288000">
               <a:spcBef>
                 <a:spcPts val="850"/>
               </a:spcBef>
@@ -3508,7 +4120,7 @@
               <a:buChar char=""/>
             </a:pPr>
             <a:r>
-              <a:rPr b="0" lang="zh-CN" sz="1800" spc="-1" strike="noStrike">
+              <a:rPr lang="zh-CN" sz="1800" b="0" strike="noStrike" spc="-1">
                 <a:solidFill>
                   <a:srgbClr val="000000"/>
                 </a:solidFill>
@@ -3516,15 +4128,9 @@
               </a:rPr>
               <a:t>Third Outline Level</a:t>
             </a:r>
-            <a:endParaRPr b="0" lang="zh-CN" sz="1800" spc="-1" strike="noStrike">
-              <a:solidFill>
-                <a:srgbClr val="000000"/>
-              </a:solidFill>
-              <a:latin typeface="等线"/>
-            </a:endParaRPr>
-          </a:p>
-          <a:p>
-            <a:pPr lvl="3" marL="1728000" indent="-216000">
+          </a:p>
+          <a:p>
+            <a:pPr marL="1728000" lvl="3" indent="-216000">
               <a:spcBef>
                 <a:spcPts val="567"/>
               </a:spcBef>
@@ -3536,7 +4142,7 @@
               <a:buChar char=""/>
             </a:pPr>
             <a:r>
-              <a:rPr b="0" lang="zh-CN" sz="1800" spc="-1" strike="noStrike">
+              <a:rPr lang="zh-CN" sz="1800" b="0" strike="noStrike" spc="-1">
                 <a:solidFill>
                   <a:srgbClr val="000000"/>
                 </a:solidFill>
@@ -3544,15 +4150,9 @@
               </a:rPr>
               <a:t>Fourth Outline Level</a:t>
             </a:r>
-            <a:endParaRPr b="0" lang="zh-CN" sz="1800" spc="-1" strike="noStrike">
-              <a:solidFill>
-                <a:srgbClr val="000000"/>
-              </a:solidFill>
-              <a:latin typeface="等线"/>
-            </a:endParaRPr>
-          </a:p>
-          <a:p>
-            <a:pPr lvl="4" marL="2160000" indent="-216000">
+          </a:p>
+          <a:p>
+            <a:pPr marL="2160000" lvl="4" indent="-216000">
               <a:spcBef>
                 <a:spcPts val="283"/>
               </a:spcBef>
@@ -3564,7 +4164,7 @@
               <a:buChar char=""/>
             </a:pPr>
             <a:r>
-              <a:rPr b="0" lang="zh-CN" sz="2000" spc="-1" strike="noStrike">
+              <a:rPr lang="zh-CN" sz="2000" b="0" strike="noStrike" spc="-1">
                 <a:solidFill>
                   <a:srgbClr val="000000"/>
                 </a:solidFill>
@@ -3572,15 +4172,9 @@
               </a:rPr>
               <a:t>Fifth Outline Level</a:t>
             </a:r>
-            <a:endParaRPr b="0" lang="zh-CN" sz="2000" spc="-1" strike="noStrike">
-              <a:solidFill>
-                <a:srgbClr val="000000"/>
-              </a:solidFill>
-              <a:latin typeface="等线"/>
-            </a:endParaRPr>
-          </a:p>
-          <a:p>
-            <a:pPr lvl="5" marL="2592000" indent="-216000">
+          </a:p>
+          <a:p>
+            <a:pPr marL="2592000" lvl="5" indent="-216000">
               <a:spcBef>
                 <a:spcPts val="283"/>
               </a:spcBef>
@@ -3592,7 +4186,7 @@
               <a:buChar char=""/>
             </a:pPr>
             <a:r>
-              <a:rPr b="0" lang="zh-CN" sz="2000" spc="-1" strike="noStrike">
+              <a:rPr lang="zh-CN" sz="2000" b="0" strike="noStrike" spc="-1">
                 <a:solidFill>
                   <a:srgbClr val="000000"/>
                 </a:solidFill>
@@ -3600,15 +4194,9 @@
               </a:rPr>
               <a:t>Sixth Outline Level</a:t>
             </a:r>
-            <a:endParaRPr b="0" lang="zh-CN" sz="2000" spc="-1" strike="noStrike">
-              <a:solidFill>
-                <a:srgbClr val="000000"/>
-              </a:solidFill>
-              <a:latin typeface="等线"/>
-            </a:endParaRPr>
-          </a:p>
-          <a:p>
-            <a:pPr lvl="6" marL="3024000" indent="-216000">
+          </a:p>
+          <a:p>
+            <a:pPr marL="3024000" lvl="6" indent="-216000">
               <a:spcBef>
                 <a:spcPts val="283"/>
               </a:spcBef>
@@ -3620,7 +4208,7 @@
               <a:buChar char=""/>
             </a:pPr>
             <a:r>
-              <a:rPr b="0" lang="zh-CN" sz="2000" spc="-1" strike="noStrike">
+              <a:rPr lang="zh-CN" sz="2000" b="0" strike="noStrike" spc="-1">
                 <a:solidFill>
                   <a:srgbClr val="000000"/>
                 </a:solidFill>
@@ -3628,43 +4216,318 @@
               </a:rPr>
               <a:t>Seventh Outline Level</a:t>
             </a:r>
-            <a:endParaRPr b="0" lang="zh-CN" sz="2000" spc="-1" strike="noStrike">
-              <a:solidFill>
-                <a:srgbClr val="000000"/>
-              </a:solidFill>
-              <a:latin typeface="等线"/>
-            </a:endParaRPr>
           </a:p>
         </p:txBody>
       </p:sp>
     </p:spTree>
   </p:cSld>
-  <p:clrMap bg1="lt1" bg2="lt2" tx1="dk1" tx2="dk2" accent1="accent1" accent2="accent2" accent3="accent3" accent4="accent4" accent5="accent5" accent6="accent6" hlink="hlink" folHlink="folHlink"/>
+  <p:clrMap bg1="lt1" tx1="dk1" bg2="lt2" tx2="dk2" accent1="accent1" accent2="accent2" accent3="accent3" accent4="accent4" accent5="accent5" accent6="accent6" hlink="hlink" folHlink="folHlink"/>
   <p:sldLayoutIdLst>
-    <p:sldLayoutId id="2147483649" r:id="rId2"/>
-    <p:sldLayoutId id="2147483650" r:id="rId3"/>
-    <p:sldLayoutId id="2147483651" r:id="rId4"/>
-    <p:sldLayoutId id="2147483652" r:id="rId5"/>
-    <p:sldLayoutId id="2147483653" r:id="rId6"/>
-    <p:sldLayoutId id="2147483654" r:id="rId7"/>
-    <p:sldLayoutId id="2147483655" r:id="rId8"/>
-    <p:sldLayoutId id="2147483656" r:id="rId9"/>
-    <p:sldLayoutId id="2147483657" r:id="rId10"/>
-    <p:sldLayoutId id="2147483658" r:id="rId11"/>
-    <p:sldLayoutId id="2147483659" r:id="rId12"/>
-    <p:sldLayoutId id="2147483660" r:id="rId13"/>
+    <p:sldLayoutId id="2147483649" r:id="rId1"/>
+    <p:sldLayoutId id="2147483650" r:id="rId2"/>
+    <p:sldLayoutId id="2147483651" r:id="rId3"/>
+    <p:sldLayoutId id="2147483652" r:id="rId4"/>
+    <p:sldLayoutId id="2147483653" r:id="rId5"/>
+    <p:sldLayoutId id="2147483654" r:id="rId6"/>
+    <p:sldLayoutId id="2147483655" r:id="rId7"/>
+    <p:sldLayoutId id="2147483656" r:id="rId8"/>
+    <p:sldLayoutId id="2147483657" r:id="rId9"/>
+    <p:sldLayoutId id="2147483658" r:id="rId10"/>
+    <p:sldLayoutId id="2147483659" r:id="rId11"/>
+    <p:sldLayoutId id="2147483660" r:id="rId12"/>
   </p:sldLayoutIdLst>
+  <p:txStyles>
+    <p:titleStyle>
+      <a:lvl1pPr algn="l" defTabSz="914400" rtl="0" eaLnBrk="1" latinLnBrk="0" hangingPunct="1">
+        <a:lnSpc>
+          <a:spcPct val="90000"/>
+        </a:lnSpc>
+        <a:spcBef>
+          <a:spcPct val="0"/>
+        </a:spcBef>
+        <a:buNone/>
+        <a:defRPr sz="4400" kern="1200">
+          <a:solidFill>
+            <a:schemeClr val="tx1"/>
+          </a:solidFill>
+          <a:latin typeface="+mj-lt"/>
+          <a:ea typeface="+mj-ea"/>
+          <a:cs typeface="+mj-cs"/>
+        </a:defRPr>
+      </a:lvl1pPr>
+    </p:titleStyle>
+    <p:bodyStyle>
+      <a:lvl1pPr marL="228600" indent="-228600" algn="l" defTabSz="914400" rtl="0" eaLnBrk="1" latinLnBrk="0" hangingPunct="1">
+        <a:lnSpc>
+          <a:spcPct val="90000"/>
+        </a:lnSpc>
+        <a:spcBef>
+          <a:spcPts val="1000"/>
+        </a:spcBef>
+        <a:buFont typeface="Arial" panose="020B0604020202020204" pitchFamily="34" charset="0"/>
+        <a:buChar char="•"/>
+        <a:defRPr sz="2800" kern="1200">
+          <a:solidFill>
+            <a:schemeClr val="tx1"/>
+          </a:solidFill>
+          <a:latin typeface="+mn-lt"/>
+          <a:ea typeface="+mn-ea"/>
+          <a:cs typeface="+mn-cs"/>
+        </a:defRPr>
+      </a:lvl1pPr>
+      <a:lvl2pPr marL="685800" indent="-228600" algn="l" defTabSz="914400" rtl="0" eaLnBrk="1" latinLnBrk="0" hangingPunct="1">
+        <a:lnSpc>
+          <a:spcPct val="90000"/>
+        </a:lnSpc>
+        <a:spcBef>
+          <a:spcPts val="500"/>
+        </a:spcBef>
+        <a:buFont typeface="Arial" panose="020B0604020202020204" pitchFamily="34" charset="0"/>
+        <a:buChar char="•"/>
+        <a:defRPr sz="2400" kern="1200">
+          <a:solidFill>
+            <a:schemeClr val="tx1"/>
+          </a:solidFill>
+          <a:latin typeface="+mn-lt"/>
+          <a:ea typeface="+mn-ea"/>
+          <a:cs typeface="+mn-cs"/>
+        </a:defRPr>
+      </a:lvl2pPr>
+      <a:lvl3pPr marL="1143000" indent="-228600" algn="l" defTabSz="914400" rtl="0" eaLnBrk="1" latinLnBrk="0" hangingPunct="1">
+        <a:lnSpc>
+          <a:spcPct val="90000"/>
+        </a:lnSpc>
+        <a:spcBef>
+          <a:spcPts val="500"/>
+        </a:spcBef>
+        <a:buFont typeface="Arial" panose="020B0604020202020204" pitchFamily="34" charset="0"/>
+        <a:buChar char="•"/>
+        <a:defRPr sz="2000" kern="1200">
+          <a:solidFill>
+            <a:schemeClr val="tx1"/>
+          </a:solidFill>
+          <a:latin typeface="+mn-lt"/>
+          <a:ea typeface="+mn-ea"/>
+          <a:cs typeface="+mn-cs"/>
+        </a:defRPr>
+      </a:lvl3pPr>
+      <a:lvl4pPr marL="1600200" indent="-228600" algn="l" defTabSz="914400" rtl="0" eaLnBrk="1" latinLnBrk="0" hangingPunct="1">
+        <a:lnSpc>
+          <a:spcPct val="90000"/>
+        </a:lnSpc>
+        <a:spcBef>
+          <a:spcPts val="500"/>
+        </a:spcBef>
+        <a:buFont typeface="Arial" panose="020B0604020202020204" pitchFamily="34" charset="0"/>
+        <a:buChar char="•"/>
+        <a:defRPr sz="1800" kern="1200">
+          <a:solidFill>
+            <a:schemeClr val="tx1"/>
+          </a:solidFill>
+          <a:latin typeface="+mn-lt"/>
+          <a:ea typeface="+mn-ea"/>
+          <a:cs typeface="+mn-cs"/>
+        </a:defRPr>
+      </a:lvl4pPr>
+      <a:lvl5pPr marL="2057400" indent="-228600" algn="l" defTabSz="914400" rtl="0" eaLnBrk="1" latinLnBrk="0" hangingPunct="1">
+        <a:lnSpc>
+          <a:spcPct val="90000"/>
+        </a:lnSpc>
+        <a:spcBef>
+          <a:spcPts val="500"/>
+        </a:spcBef>
+        <a:buFont typeface="Arial" panose="020B0604020202020204" pitchFamily="34" charset="0"/>
+        <a:buChar char="•"/>
+        <a:defRPr sz="1800" kern="1200">
+          <a:solidFill>
+            <a:schemeClr val="tx1"/>
+          </a:solidFill>
+          <a:latin typeface="+mn-lt"/>
+          <a:ea typeface="+mn-ea"/>
+          <a:cs typeface="+mn-cs"/>
+        </a:defRPr>
+      </a:lvl5pPr>
+      <a:lvl6pPr marL="2514600" indent="-228600" algn="l" defTabSz="914400" rtl="0" eaLnBrk="1" latinLnBrk="0" hangingPunct="1">
+        <a:lnSpc>
+          <a:spcPct val="90000"/>
+        </a:lnSpc>
+        <a:spcBef>
+          <a:spcPts val="500"/>
+        </a:spcBef>
+        <a:buFont typeface="Arial" panose="020B0604020202020204" pitchFamily="34" charset="0"/>
+        <a:buChar char="•"/>
+        <a:defRPr sz="1800" kern="1200">
+          <a:solidFill>
+            <a:schemeClr val="tx1"/>
+          </a:solidFill>
+          <a:latin typeface="+mn-lt"/>
+          <a:ea typeface="+mn-ea"/>
+          <a:cs typeface="+mn-cs"/>
+        </a:defRPr>
+      </a:lvl6pPr>
+      <a:lvl7pPr marL="2971800" indent="-228600" algn="l" defTabSz="914400" rtl="0" eaLnBrk="1" latinLnBrk="0" hangingPunct="1">
+        <a:lnSpc>
+          <a:spcPct val="90000"/>
+        </a:lnSpc>
+        <a:spcBef>
+          <a:spcPts val="500"/>
+        </a:spcBef>
+        <a:buFont typeface="Arial" panose="020B0604020202020204" pitchFamily="34" charset="0"/>
+        <a:buChar char="•"/>
+        <a:defRPr sz="1800" kern="1200">
+          <a:solidFill>
+            <a:schemeClr val="tx1"/>
+          </a:solidFill>
+          <a:latin typeface="+mn-lt"/>
+          <a:ea typeface="+mn-ea"/>
+          <a:cs typeface="+mn-cs"/>
+        </a:defRPr>
+      </a:lvl7pPr>
+      <a:lvl8pPr marL="3429000" indent="-228600" algn="l" defTabSz="914400" rtl="0" eaLnBrk="1" latinLnBrk="0" hangingPunct="1">
+        <a:lnSpc>
+          <a:spcPct val="90000"/>
+        </a:lnSpc>
+        <a:spcBef>
+          <a:spcPts val="500"/>
+        </a:spcBef>
+        <a:buFont typeface="Arial" panose="020B0604020202020204" pitchFamily="34" charset="0"/>
+        <a:buChar char="•"/>
+        <a:defRPr sz="1800" kern="1200">
+          <a:solidFill>
+            <a:schemeClr val="tx1"/>
+          </a:solidFill>
+          <a:latin typeface="+mn-lt"/>
+          <a:ea typeface="+mn-ea"/>
+          <a:cs typeface="+mn-cs"/>
+        </a:defRPr>
+      </a:lvl8pPr>
+      <a:lvl9pPr marL="3886200" indent="-228600" algn="l" defTabSz="914400" rtl="0" eaLnBrk="1" latinLnBrk="0" hangingPunct="1">
+        <a:lnSpc>
+          <a:spcPct val="90000"/>
+        </a:lnSpc>
+        <a:spcBef>
+          <a:spcPts val="500"/>
+        </a:spcBef>
+        <a:buFont typeface="Arial" panose="020B0604020202020204" pitchFamily="34" charset="0"/>
+        <a:buChar char="•"/>
+        <a:defRPr sz="1800" kern="1200">
+          <a:solidFill>
+            <a:schemeClr val="tx1"/>
+          </a:solidFill>
+          <a:latin typeface="+mn-lt"/>
+          <a:ea typeface="+mn-ea"/>
+          <a:cs typeface="+mn-cs"/>
+        </a:defRPr>
+      </a:lvl9pPr>
+    </p:bodyStyle>
+    <p:otherStyle>
+      <a:defPPr>
+        <a:defRPr lang="zh-CN"/>
+      </a:defPPr>
+      <a:lvl1pPr marL="0" algn="l" defTabSz="914400" rtl="0" eaLnBrk="1" latinLnBrk="0" hangingPunct="1">
+        <a:defRPr sz="1800" kern="1200">
+          <a:solidFill>
+            <a:schemeClr val="tx1"/>
+          </a:solidFill>
+          <a:latin typeface="+mn-lt"/>
+          <a:ea typeface="+mn-ea"/>
+          <a:cs typeface="+mn-cs"/>
+        </a:defRPr>
+      </a:lvl1pPr>
+      <a:lvl2pPr marL="457200" algn="l" defTabSz="914400" rtl="0" eaLnBrk="1" latinLnBrk="0" hangingPunct="1">
+        <a:defRPr sz="1800" kern="1200">
+          <a:solidFill>
+            <a:schemeClr val="tx1"/>
+          </a:solidFill>
+          <a:latin typeface="+mn-lt"/>
+          <a:ea typeface="+mn-ea"/>
+          <a:cs typeface="+mn-cs"/>
+        </a:defRPr>
+      </a:lvl2pPr>
+      <a:lvl3pPr marL="914400" algn="l" defTabSz="914400" rtl="0" eaLnBrk="1" latinLnBrk="0" hangingPunct="1">
+        <a:defRPr sz="1800" kern="1200">
+          <a:solidFill>
+            <a:schemeClr val="tx1"/>
+          </a:solidFill>
+          <a:latin typeface="+mn-lt"/>
+          <a:ea typeface="+mn-ea"/>
+          <a:cs typeface="+mn-cs"/>
+        </a:defRPr>
+      </a:lvl3pPr>
+      <a:lvl4pPr marL="1371600" algn="l" defTabSz="914400" rtl="0" eaLnBrk="1" latinLnBrk="0" hangingPunct="1">
+        <a:defRPr sz="1800" kern="1200">
+          <a:solidFill>
+            <a:schemeClr val="tx1"/>
+          </a:solidFill>
+          <a:latin typeface="+mn-lt"/>
+          <a:ea typeface="+mn-ea"/>
+          <a:cs typeface="+mn-cs"/>
+        </a:defRPr>
+      </a:lvl4pPr>
+      <a:lvl5pPr marL="1828800" algn="l" defTabSz="914400" rtl="0" eaLnBrk="1" latinLnBrk="0" hangingPunct="1">
+        <a:defRPr sz="1800" kern="1200">
+          <a:solidFill>
+            <a:schemeClr val="tx1"/>
+          </a:solidFill>
+          <a:latin typeface="+mn-lt"/>
+          <a:ea typeface="+mn-ea"/>
+          <a:cs typeface="+mn-cs"/>
+        </a:defRPr>
+      </a:lvl5pPr>
+      <a:lvl6pPr marL="2286000" algn="l" defTabSz="914400" rtl="0" eaLnBrk="1" latinLnBrk="0" hangingPunct="1">
+        <a:defRPr sz="1800" kern="1200">
+          <a:solidFill>
+            <a:schemeClr val="tx1"/>
+          </a:solidFill>
+          <a:latin typeface="+mn-lt"/>
+          <a:ea typeface="+mn-ea"/>
+          <a:cs typeface="+mn-cs"/>
+        </a:defRPr>
+      </a:lvl6pPr>
+      <a:lvl7pPr marL="2743200" algn="l" defTabSz="914400" rtl="0" eaLnBrk="1" latinLnBrk="0" hangingPunct="1">
+        <a:defRPr sz="1800" kern="1200">
+          <a:solidFill>
+            <a:schemeClr val="tx1"/>
+          </a:solidFill>
+          <a:latin typeface="+mn-lt"/>
+          <a:ea typeface="+mn-ea"/>
+          <a:cs typeface="+mn-cs"/>
+        </a:defRPr>
+      </a:lvl7pPr>
+      <a:lvl8pPr marL="3200400" algn="l" defTabSz="914400" rtl="0" eaLnBrk="1" latinLnBrk="0" hangingPunct="1">
+        <a:defRPr sz="1800" kern="1200">
+          <a:solidFill>
+            <a:schemeClr val="tx1"/>
+          </a:solidFill>
+          <a:latin typeface="+mn-lt"/>
+          <a:ea typeface="+mn-ea"/>
+          <a:cs typeface="+mn-cs"/>
+        </a:defRPr>
+      </a:lvl8pPr>
+      <a:lvl9pPr marL="3657600" algn="l" defTabSz="914400" rtl="0" eaLnBrk="1" latinLnBrk="0" hangingPunct="1">
+        <a:defRPr sz="1800" kern="1200">
+          <a:solidFill>
+            <a:schemeClr val="tx1"/>
+          </a:solidFill>
+          <a:latin typeface="+mn-lt"/>
+          <a:ea typeface="+mn-ea"/>
+          <a:cs typeface="+mn-cs"/>
+        </a:defRPr>
+      </a:lvl9pPr>
+    </p:otherStyle>
+  </p:txStyles>
 </p:sldMaster>
 </file>
 
 <file path=ppt/slideMasters/slideMaster2.xml><?xml version="1.0" encoding="utf-8"?>
-<p:sldMaster xmlns:a="http://schemas.openxmlformats.org/drawingml/2006/main" xmlns:p="http://schemas.openxmlformats.org/presentationml/2006/main" xmlns:r="http://schemas.openxmlformats.org/officeDocument/2006/relationships" xmlns:p14="http://schemas.microsoft.com/office/powerpoint/2010/main" xmlns:p15="http://schemas.microsoft.com/office/powerpoint/2012/main" xmlns:mc="http://schemas.openxmlformats.org/markup-compatibility/2006">
+<p:sldMaster xmlns:a="http://schemas.openxmlformats.org/drawingml/2006/main" xmlns:r="http://schemas.openxmlformats.org/officeDocument/2006/relationships" xmlns:p="http://schemas.openxmlformats.org/presentationml/2006/main">
   <p:cSld>
     <p:bg>
       <p:bgPr>
         <a:solidFill>
-          <a:srgbClr val="ffffff"/>
+          <a:srgbClr val="FFFFFF"/>
         </a:solidFill>
+        <a:effectLst/>
       </p:bgPr>
     </p:bg>
     <p:spTree>
@@ -3702,6 +4565,7 @@
         </p:spPr>
         <p:txBody>
           <a:bodyPr anchor="ctr"/>
+          <a:lstStyle/>
           <a:p>
             <a:pPr>
               <a:lnSpc>
@@ -3709,7 +4573,7 @@
               </a:lnSpc>
             </a:pPr>
             <a:r>
-              <a:rPr b="0" lang="zh-CN" sz="4400" spc="-1" strike="noStrike">
+              <a:rPr lang="zh-CN" sz="4400" b="0" strike="noStrike" spc="-1">
                 <a:solidFill>
                   <a:srgbClr val="000000"/>
                 </a:solidFill>
@@ -3717,7 +4581,7 @@
               </a:rPr>
               <a:t>单击此处编辑母版标题样式</a:t>
             </a:r>
-            <a:endParaRPr b="0" lang="zh-CN" sz="4400" spc="-1" strike="noStrike">
+            <a:endParaRPr lang="zh-CN" sz="4400" b="0" strike="noStrike" spc="-1">
               <a:solidFill>
                 <a:srgbClr val="000000"/>
               </a:solidFill>
@@ -3747,6 +4611,7 @@
         </p:spPr>
         <p:txBody>
           <a:bodyPr/>
+          <a:lstStyle/>
           <a:p>
             <a:pPr marL="228600" indent="-228240">
               <a:lnSpc>
@@ -3762,7 +4627,7 @@
               <a:buChar char="•"/>
             </a:pPr>
             <a:r>
-              <a:rPr b="0" lang="zh-CN" sz="2800" spc="-1" strike="noStrike">
+              <a:rPr lang="zh-CN" sz="2800" b="0" strike="noStrike" spc="-1">
                 <a:solidFill>
                   <a:srgbClr val="000000"/>
                 </a:solidFill>
@@ -3770,15 +4635,9 @@
               </a:rPr>
               <a:t>编辑母版文本样式</a:t>
             </a:r>
-            <a:endParaRPr b="0" lang="zh-CN" sz="2800" spc="-1" strike="noStrike">
-              <a:solidFill>
-                <a:srgbClr val="000000"/>
-              </a:solidFill>
-              <a:latin typeface="等线"/>
-            </a:endParaRPr>
-          </a:p>
-          <a:p>
-            <a:pPr lvl="1" marL="685800" indent="-228240">
+          </a:p>
+          <a:p>
+            <a:pPr marL="685800" lvl="1" indent="-228240">
               <a:lnSpc>
                 <a:spcPct val="90000"/>
               </a:lnSpc>
@@ -3792,7 +4651,7 @@
               <a:buChar char="•"/>
             </a:pPr>
             <a:r>
-              <a:rPr b="0" lang="zh-CN" sz="2400" spc="-1" strike="noStrike">
+              <a:rPr lang="zh-CN" sz="2400" b="0" strike="noStrike" spc="-1">
                 <a:solidFill>
                   <a:srgbClr val="000000"/>
                 </a:solidFill>
@@ -3800,15 +4659,9 @@
               </a:rPr>
               <a:t>第二级</a:t>
             </a:r>
-            <a:endParaRPr b="0" lang="zh-CN" sz="2400" spc="-1" strike="noStrike">
-              <a:solidFill>
-                <a:srgbClr val="000000"/>
-              </a:solidFill>
-              <a:latin typeface="等线"/>
-            </a:endParaRPr>
-          </a:p>
-          <a:p>
-            <a:pPr lvl="2" marL="1143000" indent="-228240">
+          </a:p>
+          <a:p>
+            <a:pPr marL="1143000" lvl="2" indent="-228240">
               <a:lnSpc>
                 <a:spcPct val="90000"/>
               </a:lnSpc>
@@ -3822,7 +4675,7 @@
               <a:buChar char="•"/>
             </a:pPr>
             <a:r>
-              <a:rPr b="0" lang="zh-CN" sz="2000" spc="-1" strike="noStrike">
+              <a:rPr lang="zh-CN" sz="2000" b="0" strike="noStrike" spc="-1">
                 <a:solidFill>
                   <a:srgbClr val="000000"/>
                 </a:solidFill>
@@ -3830,15 +4683,9 @@
               </a:rPr>
               <a:t>第三级</a:t>
             </a:r>
-            <a:endParaRPr b="0" lang="zh-CN" sz="2000" spc="-1" strike="noStrike">
-              <a:solidFill>
-                <a:srgbClr val="000000"/>
-              </a:solidFill>
-              <a:latin typeface="等线"/>
-            </a:endParaRPr>
-          </a:p>
-          <a:p>
-            <a:pPr lvl="3" marL="1600200" indent="-228240">
+          </a:p>
+          <a:p>
+            <a:pPr marL="1600200" lvl="3" indent="-228240">
               <a:lnSpc>
                 <a:spcPct val="90000"/>
               </a:lnSpc>
@@ -3852,7 +4699,7 @@
               <a:buChar char="•"/>
             </a:pPr>
             <a:r>
-              <a:rPr b="0" lang="zh-CN" sz="1800" spc="-1" strike="noStrike">
+              <a:rPr lang="zh-CN" sz="1800" b="0" strike="noStrike" spc="-1">
                 <a:solidFill>
                   <a:srgbClr val="000000"/>
                 </a:solidFill>
@@ -3860,15 +4707,9 @@
               </a:rPr>
               <a:t>第四级</a:t>
             </a:r>
-            <a:endParaRPr b="0" lang="zh-CN" sz="1800" spc="-1" strike="noStrike">
-              <a:solidFill>
-                <a:srgbClr val="000000"/>
-              </a:solidFill>
-              <a:latin typeface="等线"/>
-            </a:endParaRPr>
-          </a:p>
-          <a:p>
-            <a:pPr lvl="4" marL="2057400" indent="-228240">
+          </a:p>
+          <a:p>
+            <a:pPr marL="2057400" lvl="4" indent="-228240">
               <a:lnSpc>
                 <a:spcPct val="90000"/>
               </a:lnSpc>
@@ -3882,7 +4723,7 @@
               <a:buChar char="•"/>
             </a:pPr>
             <a:r>
-              <a:rPr b="0" lang="zh-CN" sz="1800" spc="-1" strike="noStrike">
+              <a:rPr lang="zh-CN" sz="1800" b="0" strike="noStrike" spc="-1">
                 <a:solidFill>
                   <a:srgbClr val="000000"/>
                 </a:solidFill>
@@ -3890,12 +4731,6 @@
               </a:rPr>
               <a:t>第五级</a:t>
             </a:r>
-            <a:endParaRPr b="0" lang="zh-CN" sz="1800" spc="-1" strike="noStrike">
-              <a:solidFill>
-                <a:srgbClr val="000000"/>
-              </a:solidFill>
-              <a:latin typeface="等线"/>
-            </a:endParaRPr>
           </a:p>
         </p:txBody>
       </p:sp>
@@ -3920,6 +4755,7 @@
         </p:spPr>
         <p:txBody>
           <a:bodyPr anchor="ctr"/>
+          <a:lstStyle/>
           <a:p>
             <a:pPr>
               <a:lnSpc>
@@ -3927,15 +4763,15 @@
               </a:lnSpc>
             </a:pPr>
             <a:fld id="{3C25D38E-DAF6-4066-A6D9-4C3C425FF542}" type="datetime">
-              <a:rPr b="0" lang="en-US" sz="1200" spc="-1" strike="noStrike">
+              <a:rPr lang="en-US" sz="1200" b="0" strike="noStrike" spc="-1">
                 <a:solidFill>
-                  <a:srgbClr val="8b8b8b"/>
+                  <a:srgbClr val="8B8B8B"/>
                 </a:solidFill>
                 <a:latin typeface="等线"/>
               </a:rPr>
-              <a:t>8/18/20</a:t>
+              <a:t>8/18/2020</a:t>
             </a:fld>
-            <a:endParaRPr b="0" lang="en-US" sz="1200" spc="-1" strike="noStrike">
+            <a:endParaRPr lang="en-US" sz="1200" b="0" strike="noStrike" spc="-1">
               <a:latin typeface="Times New Roman"/>
             </a:endParaRPr>
           </a:p>
@@ -3962,8 +4798,9 @@
         </p:spPr>
         <p:txBody>
           <a:bodyPr anchor="ctr"/>
-          <a:p>
-            <a:endParaRPr b="0" lang="en-US" sz="2400" spc="-1" strike="noStrike">
+          <a:lstStyle/>
+          <a:p>
+            <a:endParaRPr lang="en-US" sz="2400" b="0" strike="noStrike" spc="-1">
               <a:latin typeface="Times New Roman"/>
             </a:endParaRPr>
           </a:p>
@@ -3990,6 +4827,7 @@
         </p:spPr>
         <p:txBody>
           <a:bodyPr anchor="ctr"/>
+          <a:lstStyle/>
           <a:p>
             <a:pPr algn="r">
               <a:lnSpc>
@@ -3997,15 +4835,15 @@
               </a:lnSpc>
             </a:pPr>
             <a:fld id="{6DBD9AA8-D56A-4E58-AF03-84F25167081C}" type="slidenum">
-              <a:rPr b="0" lang="en-US" sz="1200" spc="-1" strike="noStrike">
+              <a:rPr lang="en-US" sz="1200" b="0" strike="noStrike" spc="-1">
                 <a:solidFill>
-                  <a:srgbClr val="8b8b8b"/>
+                  <a:srgbClr val="8B8B8B"/>
                 </a:solidFill>
                 <a:latin typeface="等线"/>
               </a:rPr>
-              <a:t>&lt;number&gt;</a:t>
+              <a:t>‹#›</a:t>
             </a:fld>
-            <a:endParaRPr b="0" lang="en-US" sz="1200" spc="-1" strike="noStrike">
+            <a:endParaRPr lang="en-US" sz="1200" b="0" strike="noStrike" spc="-1">
               <a:latin typeface="Times New Roman"/>
             </a:endParaRPr>
           </a:p>
@@ -4013,26 +4851,306 @@
       </p:sp>
     </p:spTree>
   </p:cSld>
-  <p:clrMap bg1="lt1" bg2="lt2" tx1="dk1" tx2="dk2" accent1="accent1" accent2="accent2" accent3="accent3" accent4="accent4" accent5="accent5" accent6="accent6" hlink="hlink" folHlink="folHlink"/>
+  <p:clrMap bg1="lt1" tx1="dk1" bg2="lt2" tx2="dk2" accent1="accent1" accent2="accent2" accent3="accent3" accent4="accent4" accent5="accent5" accent6="accent6" hlink="hlink" folHlink="folHlink"/>
   <p:sldLayoutIdLst>
-    <p:sldLayoutId id="2147483662" r:id="rId2"/>
-    <p:sldLayoutId id="2147483663" r:id="rId3"/>
-    <p:sldLayoutId id="2147483664" r:id="rId4"/>
-    <p:sldLayoutId id="2147483665" r:id="rId5"/>
-    <p:sldLayoutId id="2147483666" r:id="rId6"/>
-    <p:sldLayoutId id="2147483667" r:id="rId7"/>
-    <p:sldLayoutId id="2147483668" r:id="rId8"/>
-    <p:sldLayoutId id="2147483669" r:id="rId9"/>
-    <p:sldLayoutId id="2147483670" r:id="rId10"/>
-    <p:sldLayoutId id="2147483671" r:id="rId11"/>
-    <p:sldLayoutId id="2147483672" r:id="rId12"/>
-    <p:sldLayoutId id="2147483673" r:id="rId13"/>
+    <p:sldLayoutId id="2147483662" r:id="rId1"/>
+    <p:sldLayoutId id="2147483663" r:id="rId2"/>
+    <p:sldLayoutId id="2147483664" r:id="rId3"/>
+    <p:sldLayoutId id="2147483665" r:id="rId4"/>
+    <p:sldLayoutId id="2147483666" r:id="rId5"/>
+    <p:sldLayoutId id="2147483667" r:id="rId6"/>
+    <p:sldLayoutId id="2147483668" r:id="rId7"/>
+    <p:sldLayoutId id="2147483669" r:id="rId8"/>
+    <p:sldLayoutId id="2147483670" r:id="rId9"/>
+    <p:sldLayoutId id="2147483671" r:id="rId10"/>
+    <p:sldLayoutId id="2147483672" r:id="rId11"/>
+    <p:sldLayoutId id="2147483673" r:id="rId12"/>
   </p:sldLayoutIdLst>
+  <p:txStyles>
+    <p:titleStyle>
+      <a:lvl1pPr algn="l" defTabSz="914400" rtl="0" eaLnBrk="1" latinLnBrk="0" hangingPunct="1">
+        <a:lnSpc>
+          <a:spcPct val="90000"/>
+        </a:lnSpc>
+        <a:spcBef>
+          <a:spcPct val="0"/>
+        </a:spcBef>
+        <a:buNone/>
+        <a:defRPr sz="4400" kern="1200">
+          <a:solidFill>
+            <a:schemeClr val="tx1"/>
+          </a:solidFill>
+          <a:latin typeface="+mj-lt"/>
+          <a:ea typeface="+mj-ea"/>
+          <a:cs typeface="+mj-cs"/>
+        </a:defRPr>
+      </a:lvl1pPr>
+    </p:titleStyle>
+    <p:bodyStyle>
+      <a:lvl1pPr marL="228600" indent="-228600" algn="l" defTabSz="914400" rtl="0" eaLnBrk="1" latinLnBrk="0" hangingPunct="1">
+        <a:lnSpc>
+          <a:spcPct val="90000"/>
+        </a:lnSpc>
+        <a:spcBef>
+          <a:spcPts val="1000"/>
+        </a:spcBef>
+        <a:buFont typeface="Arial" panose="020B0604020202020204" pitchFamily="34" charset="0"/>
+        <a:buChar char="•"/>
+        <a:defRPr sz="2800" kern="1200">
+          <a:solidFill>
+            <a:schemeClr val="tx1"/>
+          </a:solidFill>
+          <a:latin typeface="+mn-lt"/>
+          <a:ea typeface="+mn-ea"/>
+          <a:cs typeface="+mn-cs"/>
+        </a:defRPr>
+      </a:lvl1pPr>
+      <a:lvl2pPr marL="685800" indent="-228600" algn="l" defTabSz="914400" rtl="0" eaLnBrk="1" latinLnBrk="0" hangingPunct="1">
+        <a:lnSpc>
+          <a:spcPct val="90000"/>
+        </a:lnSpc>
+        <a:spcBef>
+          <a:spcPts val="500"/>
+        </a:spcBef>
+        <a:buFont typeface="Arial" panose="020B0604020202020204" pitchFamily="34" charset="0"/>
+        <a:buChar char="•"/>
+        <a:defRPr sz="2400" kern="1200">
+          <a:solidFill>
+            <a:schemeClr val="tx1"/>
+          </a:solidFill>
+          <a:latin typeface="+mn-lt"/>
+          <a:ea typeface="+mn-ea"/>
+          <a:cs typeface="+mn-cs"/>
+        </a:defRPr>
+      </a:lvl2pPr>
+      <a:lvl3pPr marL="1143000" indent="-228600" algn="l" defTabSz="914400" rtl="0" eaLnBrk="1" latinLnBrk="0" hangingPunct="1">
+        <a:lnSpc>
+          <a:spcPct val="90000"/>
+        </a:lnSpc>
+        <a:spcBef>
+          <a:spcPts val="500"/>
+        </a:spcBef>
+        <a:buFont typeface="Arial" panose="020B0604020202020204" pitchFamily="34" charset="0"/>
+        <a:buChar char="•"/>
+        <a:defRPr sz="2000" kern="1200">
+          <a:solidFill>
+            <a:schemeClr val="tx1"/>
+          </a:solidFill>
+          <a:latin typeface="+mn-lt"/>
+          <a:ea typeface="+mn-ea"/>
+          <a:cs typeface="+mn-cs"/>
+        </a:defRPr>
+      </a:lvl3pPr>
+      <a:lvl4pPr marL="1600200" indent="-228600" algn="l" defTabSz="914400" rtl="0" eaLnBrk="1" latinLnBrk="0" hangingPunct="1">
+        <a:lnSpc>
+          <a:spcPct val="90000"/>
+        </a:lnSpc>
+        <a:spcBef>
+          <a:spcPts val="500"/>
+        </a:spcBef>
+        <a:buFont typeface="Arial" panose="020B0604020202020204" pitchFamily="34" charset="0"/>
+        <a:buChar char="•"/>
+        <a:defRPr sz="1800" kern="1200">
+          <a:solidFill>
+            <a:schemeClr val="tx1"/>
+          </a:solidFill>
+          <a:latin typeface="+mn-lt"/>
+          <a:ea typeface="+mn-ea"/>
+          <a:cs typeface="+mn-cs"/>
+        </a:defRPr>
+      </a:lvl4pPr>
+      <a:lvl5pPr marL="2057400" indent="-228600" algn="l" defTabSz="914400" rtl="0" eaLnBrk="1" latinLnBrk="0" hangingPunct="1">
+        <a:lnSpc>
+          <a:spcPct val="90000"/>
+        </a:lnSpc>
+        <a:spcBef>
+          <a:spcPts val="500"/>
+        </a:spcBef>
+        <a:buFont typeface="Arial" panose="020B0604020202020204" pitchFamily="34" charset="0"/>
+        <a:buChar char="•"/>
+        <a:defRPr sz="1800" kern="1200">
+          <a:solidFill>
+            <a:schemeClr val="tx1"/>
+          </a:solidFill>
+          <a:latin typeface="+mn-lt"/>
+          <a:ea typeface="+mn-ea"/>
+          <a:cs typeface="+mn-cs"/>
+        </a:defRPr>
+      </a:lvl5pPr>
+      <a:lvl6pPr marL="2514600" indent="-228600" algn="l" defTabSz="914400" rtl="0" eaLnBrk="1" latinLnBrk="0" hangingPunct="1">
+        <a:lnSpc>
+          <a:spcPct val="90000"/>
+        </a:lnSpc>
+        <a:spcBef>
+          <a:spcPts val="500"/>
+        </a:spcBef>
+        <a:buFont typeface="Arial" panose="020B0604020202020204" pitchFamily="34" charset="0"/>
+        <a:buChar char="•"/>
+        <a:defRPr sz="1800" kern="1200">
+          <a:solidFill>
+            <a:schemeClr val="tx1"/>
+          </a:solidFill>
+          <a:latin typeface="+mn-lt"/>
+          <a:ea typeface="+mn-ea"/>
+          <a:cs typeface="+mn-cs"/>
+        </a:defRPr>
+      </a:lvl6pPr>
+      <a:lvl7pPr marL="2971800" indent="-228600" algn="l" defTabSz="914400" rtl="0" eaLnBrk="1" latinLnBrk="0" hangingPunct="1">
+        <a:lnSpc>
+          <a:spcPct val="90000"/>
+        </a:lnSpc>
+        <a:spcBef>
+          <a:spcPts val="500"/>
+        </a:spcBef>
+        <a:buFont typeface="Arial" panose="020B0604020202020204" pitchFamily="34" charset="0"/>
+        <a:buChar char="•"/>
+        <a:defRPr sz="1800" kern="1200">
+          <a:solidFill>
+            <a:schemeClr val="tx1"/>
+          </a:solidFill>
+          <a:latin typeface="+mn-lt"/>
+          <a:ea typeface="+mn-ea"/>
+          <a:cs typeface="+mn-cs"/>
+        </a:defRPr>
+      </a:lvl7pPr>
+      <a:lvl8pPr marL="3429000" indent="-228600" algn="l" defTabSz="914400" rtl="0" eaLnBrk="1" latinLnBrk="0" hangingPunct="1">
+        <a:lnSpc>
+          <a:spcPct val="90000"/>
+        </a:lnSpc>
+        <a:spcBef>
+          <a:spcPts val="500"/>
+        </a:spcBef>
+        <a:buFont typeface="Arial" panose="020B0604020202020204" pitchFamily="34" charset="0"/>
+        <a:buChar char="•"/>
+        <a:defRPr sz="1800" kern="1200">
+          <a:solidFill>
+            <a:schemeClr val="tx1"/>
+          </a:solidFill>
+          <a:latin typeface="+mn-lt"/>
+          <a:ea typeface="+mn-ea"/>
+          <a:cs typeface="+mn-cs"/>
+        </a:defRPr>
+      </a:lvl8pPr>
+      <a:lvl9pPr marL="3886200" indent="-228600" algn="l" defTabSz="914400" rtl="0" eaLnBrk="1" latinLnBrk="0" hangingPunct="1">
+        <a:lnSpc>
+          <a:spcPct val="90000"/>
+        </a:lnSpc>
+        <a:spcBef>
+          <a:spcPts val="500"/>
+        </a:spcBef>
+        <a:buFont typeface="Arial" panose="020B0604020202020204" pitchFamily="34" charset="0"/>
+        <a:buChar char="•"/>
+        <a:defRPr sz="1800" kern="1200">
+          <a:solidFill>
+            <a:schemeClr val="tx1"/>
+          </a:solidFill>
+          <a:latin typeface="+mn-lt"/>
+          <a:ea typeface="+mn-ea"/>
+          <a:cs typeface="+mn-cs"/>
+        </a:defRPr>
+      </a:lvl9pPr>
+    </p:bodyStyle>
+    <p:otherStyle>
+      <a:defPPr>
+        <a:defRPr lang="zh-CN"/>
+      </a:defPPr>
+      <a:lvl1pPr marL="0" algn="l" defTabSz="914400" rtl="0" eaLnBrk="1" latinLnBrk="0" hangingPunct="1">
+        <a:defRPr sz="1800" kern="1200">
+          <a:solidFill>
+            <a:schemeClr val="tx1"/>
+          </a:solidFill>
+          <a:latin typeface="+mn-lt"/>
+          <a:ea typeface="+mn-ea"/>
+          <a:cs typeface="+mn-cs"/>
+        </a:defRPr>
+      </a:lvl1pPr>
+      <a:lvl2pPr marL="457200" algn="l" defTabSz="914400" rtl="0" eaLnBrk="1" latinLnBrk="0" hangingPunct="1">
+        <a:defRPr sz="1800" kern="1200">
+          <a:solidFill>
+            <a:schemeClr val="tx1"/>
+          </a:solidFill>
+          <a:latin typeface="+mn-lt"/>
+          <a:ea typeface="+mn-ea"/>
+          <a:cs typeface="+mn-cs"/>
+        </a:defRPr>
+      </a:lvl2pPr>
+      <a:lvl3pPr marL="914400" algn="l" defTabSz="914400" rtl="0" eaLnBrk="1" latinLnBrk="0" hangingPunct="1">
+        <a:defRPr sz="1800" kern="1200">
+          <a:solidFill>
+            <a:schemeClr val="tx1"/>
+          </a:solidFill>
+          <a:latin typeface="+mn-lt"/>
+          <a:ea typeface="+mn-ea"/>
+          <a:cs typeface="+mn-cs"/>
+        </a:defRPr>
+      </a:lvl3pPr>
+      <a:lvl4pPr marL="1371600" algn="l" defTabSz="914400" rtl="0" eaLnBrk="1" latinLnBrk="0" hangingPunct="1">
+        <a:defRPr sz="1800" kern="1200">
+          <a:solidFill>
+            <a:schemeClr val="tx1"/>
+          </a:solidFill>
+          <a:latin typeface="+mn-lt"/>
+          <a:ea typeface="+mn-ea"/>
+          <a:cs typeface="+mn-cs"/>
+        </a:defRPr>
+      </a:lvl4pPr>
+      <a:lvl5pPr marL="1828800" algn="l" defTabSz="914400" rtl="0" eaLnBrk="1" latinLnBrk="0" hangingPunct="1">
+        <a:defRPr sz="1800" kern="1200">
+          <a:solidFill>
+            <a:schemeClr val="tx1"/>
+          </a:solidFill>
+          <a:latin typeface="+mn-lt"/>
+          <a:ea typeface="+mn-ea"/>
+          <a:cs typeface="+mn-cs"/>
+        </a:defRPr>
+      </a:lvl5pPr>
+      <a:lvl6pPr marL="2286000" algn="l" defTabSz="914400" rtl="0" eaLnBrk="1" latinLnBrk="0" hangingPunct="1">
+        <a:defRPr sz="1800" kern="1200">
+          <a:solidFill>
+            <a:schemeClr val="tx1"/>
+          </a:solidFill>
+          <a:latin typeface="+mn-lt"/>
+          <a:ea typeface="+mn-ea"/>
+          <a:cs typeface="+mn-cs"/>
+        </a:defRPr>
+      </a:lvl6pPr>
+      <a:lvl7pPr marL="2743200" algn="l" defTabSz="914400" rtl="0" eaLnBrk="1" latinLnBrk="0" hangingPunct="1">
+        <a:defRPr sz="1800" kern="1200">
+          <a:solidFill>
+            <a:schemeClr val="tx1"/>
+          </a:solidFill>
+          <a:latin typeface="+mn-lt"/>
+          <a:ea typeface="+mn-ea"/>
+          <a:cs typeface="+mn-cs"/>
+        </a:defRPr>
+      </a:lvl7pPr>
+      <a:lvl8pPr marL="3200400" algn="l" defTabSz="914400" rtl="0" eaLnBrk="1" latinLnBrk="0" hangingPunct="1">
+        <a:defRPr sz="1800" kern="1200">
+          <a:solidFill>
+            <a:schemeClr val="tx1"/>
+          </a:solidFill>
+          <a:latin typeface="+mn-lt"/>
+          <a:ea typeface="+mn-ea"/>
+          <a:cs typeface="+mn-cs"/>
+        </a:defRPr>
+      </a:lvl8pPr>
+      <a:lvl9pPr marL="3657600" algn="l" defTabSz="914400" rtl="0" eaLnBrk="1" latinLnBrk="0" hangingPunct="1">
+        <a:defRPr sz="1800" kern="1200">
+          <a:solidFill>
+            <a:schemeClr val="tx1"/>
+          </a:solidFill>
+          <a:latin typeface="+mn-lt"/>
+          <a:ea typeface="+mn-ea"/>
+          <a:cs typeface="+mn-cs"/>
+        </a:defRPr>
+      </a:lvl9pPr>
+    </p:otherStyle>
+  </p:txStyles>
 </p:sldMaster>
 </file>
 
 <file path=ppt/slides/slide1.xml><?xml version="1.0" encoding="utf-8"?>
-<p:sld xmlns:a="http://schemas.openxmlformats.org/drawingml/2006/main" xmlns:p="http://schemas.openxmlformats.org/presentationml/2006/main" xmlns:r="http://schemas.openxmlformats.org/officeDocument/2006/relationships" xmlns:p14="http://schemas.microsoft.com/office/powerpoint/2010/main" xmlns:p15="http://schemas.microsoft.com/office/powerpoint/2012/main" xmlns:mc="http://schemas.openxmlformats.org/markup-compatibility/2006">
+<p:sld xmlns:a="http://schemas.openxmlformats.org/drawingml/2006/main" xmlns:r="http://schemas.openxmlformats.org/officeDocument/2006/relationships" xmlns:p="http://schemas.openxmlformats.org/presentationml/2006/main">
   <p:cSld>
     <p:spTree>
       <p:nvGrpSpPr>
@@ -4069,6 +5187,7 @@
         </p:spPr>
         <p:txBody>
           <a:bodyPr anchor="b"/>
+          <a:lstStyle/>
           <a:p>
             <a:pPr algn="ctr">
               <a:lnSpc>
@@ -4076,7 +5195,7 @@
               </a:lnSpc>
             </a:pPr>
             <a:r>
-              <a:rPr b="0" lang="zh-CN" sz="6000" spc="-1" strike="noStrike">
+              <a:rPr lang="zh-CN" sz="6000" b="0" strike="noStrike" spc="-1">
                 <a:solidFill>
                   <a:srgbClr val="000000"/>
                 </a:solidFill>
@@ -4084,7 +5203,7 @@
               </a:rPr>
               <a:t>Advancement of UTI</a:t>
             </a:r>
-            <a:endParaRPr b="0" lang="zh-CN" sz="6000" spc="-1" strike="noStrike">
+            <a:endParaRPr lang="zh-CN" sz="6000" b="0" strike="noStrike" spc="-1">
               <a:solidFill>
                 <a:srgbClr val="000000"/>
               </a:solidFill>
@@ -4114,9 +5233,10 @@
         </p:spPr>
         <p:txBody>
           <a:bodyPr/>
+          <a:lstStyle/>
           <a:p>
             <a:pPr algn="ctr"/>
-            <a:endParaRPr b="0" lang="en-US" sz="3200" spc="-1" strike="noStrike">
+            <a:endParaRPr lang="en-US" sz="3200" b="0" strike="noStrike" spc="-1">
               <a:latin typeface="Arial"/>
             </a:endParaRPr>
           </a:p>
@@ -4124,6 +5244,9 @@
       </p:sp>
     </p:spTree>
   </p:cSld>
+  <p:clrMapOvr>
+    <a:masterClrMapping/>
+  </p:clrMapOvr>
   <p:timing>
     <p:tnLst>
       <p:par>
@@ -4132,14 +5255,14 @@
             <p:seq>
               <p:cTn id="2" dur="indefinite" nodeType="mainSeq"/>
               <p:prevCondLst>
-                <p:cond delay="0" evt="onPrev">
+                <p:cond evt="onPrev" delay="0">
                   <p:tgtEl>
                     <p:sldTgt/>
                   </p:tgtEl>
                 </p:cond>
               </p:prevCondLst>
               <p:nextCondLst>
-                <p:cond delay="0" evt="onNext">
+                <p:cond evt="onNext" delay="0">
                   <p:tgtEl>
                     <p:sldTgt/>
                   </p:tgtEl>
@@ -4155,7 +5278,542 @@
 </file>
 
 <file path=ppt/slides/slide10.xml><?xml version="1.0" encoding="utf-8"?>
-<p:sld xmlns:a="http://schemas.openxmlformats.org/drawingml/2006/main" xmlns:p="http://schemas.openxmlformats.org/presentationml/2006/main" xmlns:r="http://schemas.openxmlformats.org/officeDocument/2006/relationships" xmlns:p14="http://schemas.microsoft.com/office/powerpoint/2010/main" xmlns:p15="http://schemas.microsoft.com/office/powerpoint/2012/main" xmlns:mc="http://schemas.openxmlformats.org/markup-compatibility/2006">
+<p:sld xmlns:a="http://schemas.openxmlformats.org/drawingml/2006/main" xmlns:r="http://schemas.openxmlformats.org/officeDocument/2006/relationships" xmlns:p="http://schemas.openxmlformats.org/presentationml/2006/main">
+  <p:cSld>
+    <p:spTree>
+      <p:nvGrpSpPr>
+        <p:cNvPr id="1" name=""/>
+        <p:cNvGrpSpPr/>
+        <p:nvPr/>
+      </p:nvGrpSpPr>
+      <p:grpSpPr>
+        <a:xfrm>
+          <a:off x="0" y="0"/>
+          <a:ext cx="0" cy="0"/>
+          <a:chOff x="0" y="0"/>
+          <a:chExt cx="0" cy="0"/>
+        </a:xfrm>
+      </p:grpSpPr>
+      <p:sp>
+        <p:nvSpPr>
+          <p:cNvPr id="2" name="标题 1"/>
+          <p:cNvSpPr>
+            <a:spLocks noGrp="1"/>
+          </p:cNvSpPr>
+          <p:nvPr>
+            <p:ph type="title"/>
+          </p:nvPr>
+        </p:nvSpPr>
+        <p:spPr/>
+        <p:txBody>
+          <a:bodyPr/>
+          <a:lstStyle/>
+          <a:p>
+            <a:endParaRPr lang="zh-CN" altLang="en-US"/>
+          </a:p>
+        </p:txBody>
+      </p:sp>
+      <p:sp>
+        <p:nvSpPr>
+          <p:cNvPr id="3" name="副标题 2"/>
+          <p:cNvSpPr>
+            <a:spLocks noGrp="1"/>
+          </p:cNvSpPr>
+          <p:nvPr>
+            <p:ph type="subTitle"/>
+          </p:nvPr>
+        </p:nvSpPr>
+        <p:spPr/>
+        <p:txBody>
+          <a:bodyPr/>
+          <a:lstStyle/>
+          <a:p>
+            <a:endParaRPr lang="zh-CN" altLang="en-US" dirty="0"/>
+          </a:p>
+        </p:txBody>
+      </p:sp>
+      <p:pic>
+        <p:nvPicPr>
+          <p:cNvPr id="4" name="图片 3" descr="屏幕剪辑"/>
+          <p:cNvPicPr>
+            <a:picLocks noChangeAspect="1"/>
+          </p:cNvPicPr>
+          <p:nvPr/>
+        </p:nvPicPr>
+        <p:blipFill>
+          <a:blip r:embed="rId2">
+            <a:extLst>
+              <a:ext uri="{28A0092B-C50C-407E-A947-70E740481C1C}">
+                <a14:useLocalDpi xmlns:a14="http://schemas.microsoft.com/office/drawing/2010/main" val="0"/>
+              </a:ext>
+            </a:extLst>
+          </a:blip>
+          <a:stretch>
+            <a:fillRect/>
+          </a:stretch>
+        </p:blipFill>
+        <p:spPr>
+          <a:xfrm>
+            <a:off x="1247098" y="1256997"/>
+            <a:ext cx="9697803" cy="4344006"/>
+          </a:xfrm>
+          <a:prstGeom prst="rect">
+            <a:avLst/>
+          </a:prstGeom>
+        </p:spPr>
+      </p:pic>
+    </p:spTree>
+    <p:extLst>
+      <p:ext uri="{BB962C8B-B14F-4D97-AF65-F5344CB8AC3E}">
+        <p14:creationId xmlns:p14="http://schemas.microsoft.com/office/powerpoint/2010/main" val="860626914"/>
+      </p:ext>
+    </p:extLst>
+  </p:cSld>
+  <p:clrMapOvr>
+    <a:masterClrMapping/>
+  </p:clrMapOvr>
+</p:sld>
+</file>
+
+<file path=ppt/slides/slide11.xml><?xml version="1.0" encoding="utf-8"?>
+<p:sld xmlns:a="http://schemas.openxmlformats.org/drawingml/2006/main" xmlns:r="http://schemas.openxmlformats.org/officeDocument/2006/relationships" xmlns:p="http://schemas.openxmlformats.org/presentationml/2006/main">
+  <p:cSld>
+    <p:spTree>
+      <p:nvGrpSpPr>
+        <p:cNvPr id="1" name=""/>
+        <p:cNvGrpSpPr/>
+        <p:nvPr/>
+      </p:nvGrpSpPr>
+      <p:grpSpPr>
+        <a:xfrm>
+          <a:off x="0" y="0"/>
+          <a:ext cx="0" cy="0"/>
+          <a:chOff x="0" y="0"/>
+          <a:chExt cx="0" cy="0"/>
+        </a:xfrm>
+      </p:grpSpPr>
+      <p:sp>
+        <p:nvSpPr>
+          <p:cNvPr id="2" name="标题 1"/>
+          <p:cNvSpPr>
+            <a:spLocks noGrp="1"/>
+          </p:cNvSpPr>
+          <p:nvPr>
+            <p:ph type="title"/>
+          </p:nvPr>
+        </p:nvSpPr>
+        <p:spPr/>
+        <p:txBody>
+          <a:bodyPr/>
+          <a:lstStyle/>
+          <a:p>
+            <a:endParaRPr lang="zh-CN" altLang="en-US"/>
+          </a:p>
+        </p:txBody>
+      </p:sp>
+      <p:sp>
+        <p:nvSpPr>
+          <p:cNvPr id="3" name="副标题 2"/>
+          <p:cNvSpPr>
+            <a:spLocks noGrp="1"/>
+          </p:cNvSpPr>
+          <p:nvPr>
+            <p:ph type="subTitle"/>
+          </p:nvPr>
+        </p:nvSpPr>
+        <p:spPr/>
+        <p:txBody>
+          <a:bodyPr/>
+          <a:lstStyle/>
+          <a:p>
+            <a:r>
+              <a:rPr lang="en-US" altLang="zh-CN" dirty="0" smtClean="0"/>
+              <a:t>TRPA1-expression peripheral sensory afferents are directly activated by LPS in a TLR4-independent manner</a:t>
+            </a:r>
+          </a:p>
+          <a:p>
+            <a:endParaRPr lang="zh-CN" altLang="en-US" dirty="0"/>
+          </a:p>
+        </p:txBody>
+      </p:sp>
+    </p:spTree>
+    <p:extLst>
+      <p:ext uri="{BB962C8B-B14F-4D97-AF65-F5344CB8AC3E}">
+        <p14:creationId xmlns:p14="http://schemas.microsoft.com/office/powerpoint/2010/main" val="3802958067"/>
+      </p:ext>
+    </p:extLst>
+  </p:cSld>
+  <p:clrMapOvr>
+    <a:masterClrMapping/>
+  </p:clrMapOvr>
+</p:sld>
+</file>
+
+<file path=ppt/slides/slide12.xml><?xml version="1.0" encoding="utf-8"?>
+<p:sld xmlns:a="http://schemas.openxmlformats.org/drawingml/2006/main" xmlns:r="http://schemas.openxmlformats.org/officeDocument/2006/relationships" xmlns:p="http://schemas.openxmlformats.org/presentationml/2006/main">
+  <p:cSld>
+    <p:spTree>
+      <p:nvGrpSpPr>
+        <p:cNvPr id="1" name=""/>
+        <p:cNvGrpSpPr/>
+        <p:nvPr/>
+      </p:nvGrpSpPr>
+      <p:grpSpPr>
+        <a:xfrm>
+          <a:off x="0" y="0"/>
+          <a:ext cx="0" cy="0"/>
+          <a:chOff x="0" y="0"/>
+          <a:chExt cx="0" cy="0"/>
+        </a:xfrm>
+      </p:grpSpPr>
+      <p:sp>
+        <p:nvSpPr>
+          <p:cNvPr id="2" name="标题 1"/>
+          <p:cNvSpPr>
+            <a:spLocks noGrp="1"/>
+          </p:cNvSpPr>
+          <p:nvPr>
+            <p:ph type="title"/>
+          </p:nvPr>
+        </p:nvSpPr>
+        <p:spPr/>
+        <p:txBody>
+          <a:bodyPr/>
+          <a:lstStyle/>
+          <a:p>
+            <a:endParaRPr lang="zh-CN" altLang="en-US"/>
+          </a:p>
+        </p:txBody>
+      </p:sp>
+      <p:sp>
+        <p:nvSpPr>
+          <p:cNvPr id="3" name="副标题 2"/>
+          <p:cNvSpPr>
+            <a:spLocks noGrp="1"/>
+          </p:cNvSpPr>
+          <p:nvPr>
+            <p:ph type="subTitle"/>
+          </p:nvPr>
+        </p:nvSpPr>
+        <p:spPr/>
+        <p:txBody>
+          <a:bodyPr/>
+          <a:lstStyle/>
+          <a:p>
+            <a:endParaRPr lang="zh-CN" altLang="en-US" dirty="0"/>
+          </a:p>
+        </p:txBody>
+      </p:sp>
+      <p:pic>
+        <p:nvPicPr>
+          <p:cNvPr id="5" name="图片 4" descr="屏幕剪辑"/>
+          <p:cNvPicPr>
+            <a:picLocks noChangeAspect="1"/>
+          </p:cNvPicPr>
+          <p:nvPr/>
+        </p:nvPicPr>
+        <p:blipFill>
+          <a:blip r:embed="rId2">
+            <a:extLst>
+              <a:ext uri="{28A0092B-C50C-407E-A947-70E740481C1C}">
+                <a14:useLocalDpi xmlns:a14="http://schemas.microsoft.com/office/drawing/2010/main" val="0"/>
+              </a:ext>
+            </a:extLst>
+          </a:blip>
+          <a:stretch>
+            <a:fillRect/>
+          </a:stretch>
+        </p:blipFill>
+        <p:spPr>
+          <a:xfrm>
+            <a:off x="751729" y="1114102"/>
+            <a:ext cx="10688542" cy="4629796"/>
+          </a:xfrm>
+          <a:prstGeom prst="rect">
+            <a:avLst/>
+          </a:prstGeom>
+        </p:spPr>
+      </p:pic>
+    </p:spTree>
+    <p:extLst>
+      <p:ext uri="{BB962C8B-B14F-4D97-AF65-F5344CB8AC3E}">
+        <p14:creationId xmlns:p14="http://schemas.microsoft.com/office/powerpoint/2010/main" val="3593110400"/>
+      </p:ext>
+    </p:extLst>
+  </p:cSld>
+  <p:clrMapOvr>
+    <a:masterClrMapping/>
+  </p:clrMapOvr>
+</p:sld>
+</file>
+
+<file path=ppt/slides/slide13.xml><?xml version="1.0" encoding="utf-8"?>
+<p:sld xmlns:a="http://schemas.openxmlformats.org/drawingml/2006/main" xmlns:r="http://schemas.openxmlformats.org/officeDocument/2006/relationships" xmlns:p="http://schemas.openxmlformats.org/presentationml/2006/main">
+  <p:cSld>
+    <p:spTree>
+      <p:nvGrpSpPr>
+        <p:cNvPr id="1" name=""/>
+        <p:cNvGrpSpPr/>
+        <p:nvPr/>
+      </p:nvGrpSpPr>
+      <p:grpSpPr>
+        <a:xfrm>
+          <a:off x="0" y="0"/>
+          <a:ext cx="0" cy="0"/>
+          <a:chOff x="0" y="0"/>
+          <a:chExt cx="0" cy="0"/>
+        </a:xfrm>
+      </p:grpSpPr>
+      <p:sp>
+        <p:nvSpPr>
+          <p:cNvPr id="2" name="标题 1"/>
+          <p:cNvSpPr>
+            <a:spLocks noGrp="1"/>
+          </p:cNvSpPr>
+          <p:nvPr>
+            <p:ph type="title"/>
+          </p:nvPr>
+        </p:nvSpPr>
+        <p:spPr/>
+        <p:txBody>
+          <a:bodyPr/>
+          <a:lstStyle/>
+          <a:p>
+            <a:endParaRPr lang="zh-CN" altLang="en-US"/>
+          </a:p>
+        </p:txBody>
+      </p:sp>
+      <p:sp>
+        <p:nvSpPr>
+          <p:cNvPr id="4" name="副标题 3"/>
+          <p:cNvSpPr>
+            <a:spLocks noGrp="1"/>
+          </p:cNvSpPr>
+          <p:nvPr>
+            <p:ph type="subTitle"/>
+          </p:nvPr>
+        </p:nvSpPr>
+        <p:spPr/>
+        <p:txBody>
+          <a:bodyPr/>
+          <a:lstStyle/>
+          <a:p>
+            <a:endParaRPr lang="zh-CN" altLang="en-US" dirty="0"/>
+          </a:p>
+        </p:txBody>
+      </p:sp>
+      <p:pic>
+        <p:nvPicPr>
+          <p:cNvPr id="7" name="图片 6" descr="屏幕剪辑"/>
+          <p:cNvPicPr>
+            <a:picLocks noChangeAspect="1"/>
+          </p:cNvPicPr>
+          <p:nvPr/>
+        </p:nvPicPr>
+        <p:blipFill>
+          <a:blip r:embed="rId3">
+            <a:extLst>
+              <a:ext uri="{28A0092B-C50C-407E-A947-70E740481C1C}">
+                <a14:useLocalDpi xmlns:a14="http://schemas.microsoft.com/office/drawing/2010/main" val="0"/>
+              </a:ext>
+            </a:extLst>
+          </a:blip>
+          <a:stretch>
+            <a:fillRect/>
+          </a:stretch>
+        </p:blipFill>
+        <p:spPr>
+          <a:xfrm>
+            <a:off x="870508" y="4673782"/>
+            <a:ext cx="10450383" cy="1038370"/>
+          </a:xfrm>
+          <a:prstGeom prst="rect">
+            <a:avLst/>
+          </a:prstGeom>
+        </p:spPr>
+      </p:pic>
+      <p:pic>
+        <p:nvPicPr>
+          <p:cNvPr id="8" name="图片 7" descr="屏幕剪辑"/>
+          <p:cNvPicPr>
+            <a:picLocks noChangeAspect="1"/>
+          </p:cNvPicPr>
+          <p:nvPr/>
+        </p:nvPicPr>
+        <p:blipFill>
+          <a:blip r:embed="rId4">
+            <a:extLst>
+              <a:ext uri="{28A0092B-C50C-407E-A947-70E740481C1C}">
+                <a14:useLocalDpi xmlns:a14="http://schemas.microsoft.com/office/drawing/2010/main" val="0"/>
+              </a:ext>
+            </a:extLst>
+          </a:blip>
+          <a:stretch>
+            <a:fillRect/>
+          </a:stretch>
+        </p:blipFill>
+        <p:spPr>
+          <a:xfrm>
+            <a:off x="6599735" y="847860"/>
+            <a:ext cx="4372585" cy="2886478"/>
+          </a:xfrm>
+          <a:prstGeom prst="rect">
+            <a:avLst/>
+          </a:prstGeom>
+        </p:spPr>
+      </p:pic>
+      <p:pic>
+        <p:nvPicPr>
+          <p:cNvPr id="9" name="图片 8" descr="屏幕剪辑"/>
+          <p:cNvPicPr>
+            <a:picLocks noChangeAspect="1"/>
+          </p:cNvPicPr>
+          <p:nvPr/>
+        </p:nvPicPr>
+        <p:blipFill>
+          <a:blip r:embed="rId5">
+            <a:extLst>
+              <a:ext uri="{28A0092B-C50C-407E-A947-70E740481C1C}">
+                <a14:useLocalDpi xmlns:a14="http://schemas.microsoft.com/office/drawing/2010/main" val="0"/>
+              </a:ext>
+            </a:extLst>
+          </a:blip>
+          <a:stretch>
+            <a:fillRect/>
+          </a:stretch>
+        </p:blipFill>
+        <p:spPr>
+          <a:xfrm>
+            <a:off x="1222076" y="1343229"/>
+            <a:ext cx="4286848" cy="2391109"/>
+          </a:xfrm>
+          <a:prstGeom prst="rect">
+            <a:avLst/>
+          </a:prstGeom>
+        </p:spPr>
+      </p:pic>
+    </p:spTree>
+    <p:extLst>
+      <p:ext uri="{BB962C8B-B14F-4D97-AF65-F5344CB8AC3E}">
+        <p14:creationId xmlns:p14="http://schemas.microsoft.com/office/powerpoint/2010/main" val="1445378223"/>
+      </p:ext>
+    </p:extLst>
+  </p:cSld>
+  <p:clrMapOvr>
+    <a:masterClrMapping/>
+  </p:clrMapOvr>
+</p:sld>
+</file>
+
+<file path=ppt/slides/slide14.xml><?xml version="1.0" encoding="utf-8"?>
+<p:sld xmlns:a="http://schemas.openxmlformats.org/drawingml/2006/main" xmlns:r="http://schemas.openxmlformats.org/officeDocument/2006/relationships" xmlns:p="http://schemas.openxmlformats.org/presentationml/2006/main">
+  <p:cSld>
+    <p:spTree>
+      <p:nvGrpSpPr>
+        <p:cNvPr id="1" name=""/>
+        <p:cNvGrpSpPr/>
+        <p:nvPr/>
+      </p:nvGrpSpPr>
+      <p:grpSpPr>
+        <a:xfrm>
+          <a:off x="0" y="0"/>
+          <a:ext cx="0" cy="0"/>
+          <a:chOff x="0" y="0"/>
+          <a:chExt cx="0" cy="0"/>
+        </a:xfrm>
+      </p:grpSpPr>
+      <p:sp>
+        <p:nvSpPr>
+          <p:cNvPr id="90" name="TextShape 1"/>
+          <p:cNvSpPr txBox="1"/>
+          <p:nvPr/>
+        </p:nvSpPr>
+        <p:spPr>
+          <a:xfrm>
+            <a:off x="838080" y="365040"/>
+            <a:ext cx="10515240" cy="1325160"/>
+          </a:xfrm>
+          <a:prstGeom prst="rect">
+            <a:avLst/>
+          </a:prstGeom>
+          <a:noFill/>
+          <a:ln>
+            <a:noFill/>
+          </a:ln>
+        </p:spPr>
+        <p:txBody>
+          <a:bodyPr anchor="ctr"/>
+          <a:lstStyle/>
+          <a:p>
+            <a:endParaRPr lang="zh-CN" sz="1800" b="0" strike="noStrike" spc="-1">
+              <a:solidFill>
+                <a:srgbClr val="000000"/>
+              </a:solidFill>
+              <a:latin typeface="等线"/>
+            </a:endParaRPr>
+          </a:p>
+        </p:txBody>
+      </p:sp>
+      <p:pic>
+        <p:nvPicPr>
+          <p:cNvPr id="91" name="内容占位符 3"/>
+          <p:cNvPicPr/>
+          <p:nvPr/>
+        </p:nvPicPr>
+        <p:blipFill>
+          <a:blip r:embed="rId2"/>
+          <a:stretch/>
+        </p:blipFill>
+        <p:spPr>
+          <a:xfrm>
+            <a:off x="838080" y="1690560"/>
+            <a:ext cx="10515240" cy="2883240"/>
+          </a:xfrm>
+          <a:prstGeom prst="rect">
+            <a:avLst/>
+          </a:prstGeom>
+          <a:ln>
+            <a:noFill/>
+          </a:ln>
+        </p:spPr>
+      </p:pic>
+    </p:spTree>
+  </p:cSld>
+  <p:clrMapOvr>
+    <a:masterClrMapping/>
+  </p:clrMapOvr>
+  <p:timing>
+    <p:tnLst>
+      <p:par>
+        <p:cTn id="1" dur="indefinite" restart="never" nodeType="tmRoot">
+          <p:childTnLst>
+            <p:seq>
+              <p:cTn id="2" dur="indefinite" nodeType="mainSeq"/>
+              <p:prevCondLst>
+                <p:cond evt="onPrev" delay="0">
+                  <p:tgtEl>
+                    <p:sldTgt/>
+                  </p:tgtEl>
+                </p:cond>
+              </p:prevCondLst>
+              <p:nextCondLst>
+                <p:cond evt="onNext" delay="0">
+                  <p:tgtEl>
+                    <p:sldTgt/>
+                  </p:tgtEl>
+                </p:cond>
+              </p:nextCondLst>
+            </p:seq>
+          </p:childTnLst>
+        </p:cTn>
+      </p:par>
+    </p:tnLst>
+  </p:timing>
+</p:sld>
+</file>
+
+<file path=ppt/slides/slide15.xml><?xml version="1.0" encoding="utf-8"?>
+<p:sld xmlns:a="http://schemas.openxmlformats.org/drawingml/2006/main" xmlns:r="http://schemas.openxmlformats.org/officeDocument/2006/relationships" xmlns:p="http://schemas.openxmlformats.org/presentationml/2006/main">
   <p:cSld>
     <p:spTree>
       <p:nvGrpSpPr>
@@ -4173,18 +5831,18 @@
       </p:grpSpPr>
       <p:pic>
         <p:nvPicPr>
-          <p:cNvPr id="109" name="图片 3" descr=""/>
+          <p:cNvPr id="92" name="内容占位符 3"/>
           <p:cNvPicPr/>
           <p:nvPr/>
         </p:nvPicPr>
         <p:blipFill>
-          <a:blip r:embed="rId1"/>
+          <a:blip r:embed="rId2"/>
           <a:stretch/>
         </p:blipFill>
         <p:spPr>
           <a:xfrm>
-            <a:off x="775440" y="1638000"/>
-            <a:ext cx="10640520" cy="3581640"/>
+            <a:off x="2003040" y="138600"/>
+            <a:ext cx="8602560" cy="6551280"/>
           </a:xfrm>
           <a:prstGeom prst="rect">
             <a:avLst/>
@@ -4194,72 +5852,27 @@
           </a:ln>
         </p:spPr>
       </p:pic>
-      <p:sp>
-        <p:nvSpPr>
-          <p:cNvPr id="110" name="CustomShape 1"/>
-          <p:cNvSpPr/>
-          <p:nvPr/>
-        </p:nvSpPr>
-        <p:spPr>
-          <a:xfrm>
-            <a:off x="9048960" y="344520"/>
-            <a:ext cx="1483920" cy="364680"/>
-          </a:xfrm>
-          <a:prstGeom prst="rect">
-            <a:avLst/>
-          </a:prstGeom>
-          <a:noFill/>
-          <a:ln>
-            <a:noFill/>
-          </a:ln>
-        </p:spPr>
-        <p:style>
-          <a:lnRef idx="0"/>
-          <a:fillRef idx="0"/>
-          <a:effectRef idx="0"/>
-          <a:fontRef idx="minor"/>
-        </p:style>
-        <p:txBody>
-          <a:bodyPr lIns="90000" rIns="90000" tIns="45000" bIns="45000"/>
-          <a:p>
-            <a:pPr>
-              <a:lnSpc>
-                <a:spcPct val="100000"/>
-              </a:lnSpc>
-            </a:pPr>
-            <a:r>
-              <a:rPr b="0" lang="en-US" sz="1800" spc="-1" strike="noStrike">
-                <a:solidFill>
-                  <a:srgbClr val="ff0000"/>
-                </a:solidFill>
-                <a:latin typeface="等线"/>
-              </a:rPr>
-              <a:t>2012</a:t>
-            </a:r>
-            <a:endParaRPr b="0" lang="en-US" sz="1800" spc="-1" strike="noStrike">
-              <a:latin typeface="Arial"/>
-            </a:endParaRPr>
-          </a:p>
-        </p:txBody>
-      </p:sp>
     </p:spTree>
   </p:cSld>
+  <p:clrMapOvr>
+    <a:masterClrMapping/>
+  </p:clrMapOvr>
   <p:timing>
     <p:tnLst>
       <p:par>
-        <p:cTn id="19" dur="indefinite" restart="never" nodeType="tmRoot">
+        <p:cTn id="1" dur="indefinite" restart="never" nodeType="tmRoot">
           <p:childTnLst>
             <p:seq>
-              <p:cTn id="20" dur="indefinite" nodeType="mainSeq"/>
+              <p:cTn id="2" dur="indefinite" nodeType="mainSeq"/>
               <p:prevCondLst>
-                <p:cond delay="0" evt="onPrev">
+                <p:cond evt="onPrev" delay="0">
                   <p:tgtEl>
                     <p:sldTgt/>
                   </p:tgtEl>
                 </p:cond>
               </p:prevCondLst>
               <p:nextCondLst>
-                <p:cond delay="0" evt="onNext">
+                <p:cond evt="onNext" delay="0">
                   <p:tgtEl>
                     <p:sldTgt/>
                   </p:tgtEl>
@@ -4274,8 +5887,8 @@
 </p:sld>
 </file>
 
-<file path=ppt/slides/slide11.xml><?xml version="1.0" encoding="utf-8"?>
-<p:sld xmlns:a="http://schemas.openxmlformats.org/drawingml/2006/main" xmlns:p="http://schemas.openxmlformats.org/presentationml/2006/main" xmlns:r="http://schemas.openxmlformats.org/officeDocument/2006/relationships" xmlns:p14="http://schemas.microsoft.com/office/powerpoint/2010/main" xmlns:p15="http://schemas.microsoft.com/office/powerpoint/2012/main" xmlns:mc="http://schemas.openxmlformats.org/markup-compatibility/2006">
+<file path=ppt/slides/slide16.xml><?xml version="1.0" encoding="utf-8"?>
+<p:sld xmlns:a="http://schemas.openxmlformats.org/drawingml/2006/main" xmlns:r="http://schemas.openxmlformats.org/officeDocument/2006/relationships" xmlns:p="http://schemas.openxmlformats.org/presentationml/2006/main">
   <p:cSld>
     <p:spTree>
       <p:nvGrpSpPr>
@@ -4293,14 +5906,14 @@
       </p:grpSpPr>
       <p:sp>
         <p:nvSpPr>
-          <p:cNvPr id="111" name="CustomShape 1"/>
-          <p:cNvSpPr/>
+          <p:cNvPr id="93" name="TextShape 1"/>
+          <p:cNvSpPr txBox="1"/>
           <p:nvPr/>
         </p:nvSpPr>
         <p:spPr>
           <a:xfrm>
-            <a:off x="297000" y="332640"/>
-            <a:ext cx="11471040" cy="5424480"/>
+            <a:off x="838080" y="1845360"/>
+            <a:ext cx="10515240" cy="4641840"/>
           </a:xfrm>
           <a:prstGeom prst="rect">
             <a:avLst/>
@@ -4310,289 +5923,546 @@
             <a:noFill/>
           </a:ln>
         </p:spPr>
-        <p:style>
-          <a:lnRef idx="0"/>
-          <a:fillRef idx="0"/>
-          <a:effectRef idx="0"/>
-          <a:fontRef idx="minor"/>
-        </p:style>
-        <p:txBody>
-          <a:bodyPr lIns="90000" rIns="90000" tIns="45000" bIns="45000"/>
-          <a:p>
-            <a:pPr marL="285840" indent="-285480">
+        <p:txBody>
+          <a:bodyPr>
+            <a:normAutofit lnSpcReduction="10000"/>
+          </a:bodyPr>
+          <a:lstStyle/>
+          <a:p>
+            <a:pPr marL="228600" indent="-228240">
               <a:lnSpc>
-                <a:spcPct val="100000"/>
+                <a:spcPct val="90000"/>
               </a:lnSpc>
+              <a:spcBef>
+                <a:spcPts val="1001"/>
+              </a:spcBef>
               <a:buClr>
                 <a:srgbClr val="000000"/>
               </a:buClr>
-              <a:buFont typeface="Wingdings" charset="2"/>
-              <a:buChar char=""/>
+              <a:buFont typeface="Arial"/>
+              <a:buChar char="•"/>
             </a:pPr>
             <a:r>
-              <a:rPr b="0" lang="en-US" sz="2800" spc="-1" strike="noStrike">
+              <a:rPr lang="zh-CN" sz="2800" b="0" strike="noStrike" spc="-1" dirty="0">
                 <a:solidFill>
                   <a:srgbClr val="000000"/>
                 </a:solidFill>
                 <a:latin typeface="等线"/>
               </a:rPr>
-              <a:t>Nociceptor neurons has danger recognition receptors, and can response to danger as immune cells.</a:t>
-            </a:r>
-            <a:endParaRPr b="0" lang="en-US" sz="2800" spc="-1" strike="noStrike">
-              <a:latin typeface="Arial"/>
-            </a:endParaRPr>
-          </a:p>
-          <a:p>
-            <a:pPr lvl="1" marL="743040" indent="-285480">
-              <a:lnSpc>
-                <a:spcPct val="100000"/>
-              </a:lnSpc>
-              <a:buClr>
-                <a:srgbClr val="000000"/>
-              </a:buClr>
-              <a:buFont typeface="Wingdings" charset="2"/>
-              <a:buChar char=""/>
-            </a:pPr>
-            <a:r>
-              <a:rPr b="0" lang="en-US" sz="2000" spc="-1" strike="noStrike">
+              <a:t>FimH+ </a:t>
+            </a:r>
+            <a:r>
+              <a:rPr lang="zh-CN" sz="2800" b="0" i="1" strike="noStrike" spc="-1" dirty="0">
                 <a:solidFill>
                   <a:srgbClr val="000000"/>
                 </a:solidFill>
                 <a:latin typeface="等线"/>
               </a:rPr>
-              <a:t>TRPV</a:t>
-            </a:r>
-            <a:endParaRPr b="0" lang="en-US" sz="2000" spc="-1" strike="noStrike">
-              <a:latin typeface="Arial"/>
-            </a:endParaRPr>
-          </a:p>
-          <a:p>
-            <a:pPr lvl="1" marL="743040" indent="-285480">
-              <a:lnSpc>
-                <a:spcPct val="100000"/>
-              </a:lnSpc>
-              <a:buClr>
-                <a:srgbClr val="000000"/>
-              </a:buClr>
-              <a:buFont typeface="Wingdings" charset="2"/>
-              <a:buChar char=""/>
-            </a:pPr>
-            <a:r>
-              <a:rPr b="0" lang="en-US" sz="2000" spc="-1" strike="noStrike">
+              <a:t>E.coli </a:t>
+            </a:r>
+            <a:r>
+              <a:rPr lang="zh-CN" sz="2800" b="0" strike="noStrike" spc="-1" dirty="0">
                 <a:solidFill>
                   <a:srgbClr val="000000"/>
                 </a:solidFill>
                 <a:latin typeface="等线"/>
               </a:rPr>
-              <a:t>TLRs</a:t>
-            </a:r>
-            <a:endParaRPr b="0" lang="en-US" sz="2000" spc="-1" strike="noStrike">
-              <a:latin typeface="Arial"/>
-            </a:endParaRPr>
-          </a:p>
-          <a:p>
-            <a:pPr lvl="1" marL="743040" indent="-285480">
+              <a:t>attachment suppresses differentiation of basal / intermediate cells</a:t>
+            </a:r>
+          </a:p>
+          <a:p>
+            <a:pPr marL="228600" indent="-228240">
               <a:lnSpc>
-                <a:spcPct val="100000"/>
+                <a:spcPct val="90000"/>
               </a:lnSpc>
+              <a:spcBef>
+                <a:spcPts val="1001"/>
+              </a:spcBef>
               <a:buClr>
                 <a:srgbClr val="000000"/>
               </a:buClr>
-              <a:buFont typeface="Wingdings" charset="2"/>
-              <a:buChar char=""/>
+              <a:buFont typeface="Arial"/>
+              <a:buChar char="•"/>
             </a:pPr>
             <a:r>
-              <a:rPr b="0" lang="en-US" sz="2000" spc="-1" strike="noStrike">
+              <a:rPr lang="zh-CN" sz="2800" b="0" strike="noStrike" spc="-1" dirty="0">
                 <a:solidFill>
                   <a:srgbClr val="000000"/>
                 </a:solidFill>
                 <a:latin typeface="等线"/>
               </a:rPr>
-              <a:t>p2x</a:t>
-            </a:r>
-            <a:endParaRPr b="0" lang="en-US" sz="2000" spc="-1" strike="noStrike">
-              <a:latin typeface="Arial"/>
-            </a:endParaRPr>
-          </a:p>
-          <a:p>
-            <a:pPr lvl="1" marL="743040" indent="-285480">
-              <a:lnSpc>
-                <a:spcPct val="100000"/>
-              </a:lnSpc>
-              <a:buClr>
-                <a:srgbClr val="000000"/>
-              </a:buClr>
-              <a:buFont typeface="Wingdings" charset="2"/>
-              <a:buChar char=""/>
-            </a:pPr>
-            <a:r>
-              <a:rPr b="0" lang="en-US" sz="2000" spc="-1" strike="noStrike">
+              <a:t>Bmp4 </a:t>
+            </a:r>
+            <a:r>
+              <a:rPr lang="zh-CN" sz="2800" b="0" strike="noStrike" spc="-1" dirty="0">
+                <a:solidFill>
+                  <a:srgbClr val="000000"/>
+                </a:solidFill>
+                <a:latin typeface="Wingdings"/>
+              </a:rPr>
+              <a:t></a:t>
+            </a:r>
+            <a:r>
+              <a:rPr lang="zh-CN" sz="2800" b="0" strike="noStrike" spc="-1" dirty="0">
                 <a:solidFill>
                   <a:srgbClr val="000000"/>
                 </a:solidFill>
                 <a:latin typeface="等线"/>
               </a:rPr>
-              <a:t>DAMP receptors</a:t>
-            </a:r>
-            <a:endParaRPr b="0" lang="en-US" sz="2000" spc="-1" strike="noStrike">
-              <a:latin typeface="Arial"/>
-            </a:endParaRPr>
-          </a:p>
-          <a:p>
-            <a:pPr lvl="1" marL="743040" indent="-285480">
-              <a:lnSpc>
-                <a:spcPct val="100000"/>
-              </a:lnSpc>
-              <a:buClr>
-                <a:srgbClr val="000000"/>
-              </a:buClr>
-              <a:buFont typeface="Wingdings" charset="2"/>
-              <a:buChar char=""/>
-            </a:pPr>
-            <a:r>
-              <a:rPr b="0" lang="en-US" sz="2000" spc="-1" strike="noStrike">
+              <a:t> Bmp4Ia / </a:t>
+            </a:r>
+            <a:r>
+              <a:rPr lang="zh-CN" sz="2800" b="0" strike="noStrike" spc="-1" dirty="0">
+                <a:solidFill>
+                  <a:srgbClr val="BFBFBF"/>
+                </a:solidFill>
+                <a:latin typeface="等线"/>
+              </a:rPr>
+              <a:t>Bmp4Ib </a:t>
+            </a:r>
+            <a:r>
+              <a:rPr lang="zh-CN" sz="2800" b="0" strike="noStrike" spc="-1" dirty="0">
+                <a:solidFill>
+                  <a:srgbClr val="000000"/>
+                </a:solidFill>
+                <a:latin typeface="Wingdings"/>
+              </a:rPr>
+              <a:t></a:t>
+            </a:r>
+            <a:r>
+              <a:rPr lang="zh-CN" sz="2800" b="0" strike="noStrike" spc="-1" dirty="0">
                 <a:solidFill>
                   <a:srgbClr val="000000"/>
                 </a:solidFill>
                 <a:latin typeface="等线"/>
               </a:rPr>
-              <a:t>PRRs</a:t>
-            </a:r>
-            <a:endParaRPr b="0" lang="en-US" sz="2000" spc="-1" strike="noStrike">
-              <a:latin typeface="Arial"/>
-            </a:endParaRPr>
-          </a:p>
-          <a:p>
-            <a:pPr>
-              <a:lnSpc>
-                <a:spcPct val="100000"/>
-              </a:lnSpc>
-            </a:pPr>
-            <a:endParaRPr b="0" lang="en-US" sz="2000" spc="-1" strike="noStrike">
-              <a:latin typeface="Arial"/>
-            </a:endParaRPr>
-          </a:p>
-          <a:p>
-            <a:pPr marL="285840" indent="-285480">
-              <a:lnSpc>
-                <a:spcPct val="100000"/>
-              </a:lnSpc>
-              <a:buClr>
-                <a:srgbClr val="000000"/>
-              </a:buClr>
-              <a:buFont typeface="Wingdings" charset="2"/>
-              <a:buChar char=""/>
-            </a:pPr>
-            <a:r>
-              <a:rPr b="0" lang="en-US" sz="2800" spc="-1" strike="noStrike">
+              <a:t> phosphorylation Smad1 </a:t>
+            </a:r>
+            <a:r>
+              <a:rPr lang="zh-CN" sz="2800" b="0" strike="noStrike" spc="-1" dirty="0">
+                <a:solidFill>
+                  <a:srgbClr val="000000"/>
+                </a:solidFill>
+                <a:latin typeface="Wingdings"/>
+              </a:rPr>
+              <a:t></a:t>
+            </a:r>
+            <a:r>
+              <a:rPr lang="zh-CN" sz="2800" b="0" strike="noStrike" spc="-1" dirty="0">
                 <a:solidFill>
                   <a:srgbClr val="000000"/>
                 </a:solidFill>
                 <a:latin typeface="等线"/>
               </a:rPr>
-              <a:t> </a:t>
-            </a:r>
-            <a:r>
-              <a:rPr b="0" lang="en-US" sz="2800" spc="-1" strike="noStrike">
+              <a:t> promoter differentiation</a:t>
+            </a:r>
+          </a:p>
+          <a:p>
+            <a:pPr marL="685800" lvl="1" indent="-228240">
+              <a:lnSpc>
+                <a:spcPct val="90000"/>
+              </a:lnSpc>
+              <a:spcBef>
+                <a:spcPts val="499"/>
+              </a:spcBef>
+              <a:buClr>
+                <a:srgbClr val="000000"/>
+              </a:buClr>
+              <a:buFont typeface="Arial"/>
+              <a:buChar char="•"/>
+            </a:pPr>
+            <a:r>
+              <a:rPr lang="zh-CN" sz="2400" b="0" strike="noStrike" spc="-1" dirty="0">
                 <a:solidFill>
                   <a:srgbClr val="000000"/>
                 </a:solidFill>
                 <a:latin typeface="等线"/>
               </a:rPr>
-              <a:t>Sensory neuronal control innate and adaptive immunity</a:t>
-            </a:r>
-            <a:endParaRPr b="0" lang="en-US" sz="2800" spc="-1" strike="noStrike">
-              <a:latin typeface="Arial"/>
-            </a:endParaRPr>
-          </a:p>
-          <a:p>
-            <a:pPr lvl="1" marL="743040" indent="-285480">
-              <a:lnSpc>
-                <a:spcPct val="100000"/>
-              </a:lnSpc>
-              <a:buClr>
-                <a:srgbClr val="000000"/>
-              </a:buClr>
-              <a:buFont typeface="Wingdings" charset="2"/>
-              <a:buChar char=""/>
-            </a:pPr>
-            <a:r>
-              <a:rPr b="0" lang="en-US" sz="2000" spc="-1" strike="noStrike">
+              <a:t>heparan sulfate D-glucosaminyl-3-O- sulfotransferase 1 (</a:t>
+            </a:r>
+            <a:r>
+              <a:rPr lang="zh-CN" sz="2400" b="0" strike="noStrike" spc="-1" dirty="0">
+                <a:solidFill>
+                  <a:srgbClr val="FF0000"/>
+                </a:solidFill>
+                <a:latin typeface="等线"/>
+              </a:rPr>
+              <a:t>3-Ost1</a:t>
+            </a:r>
+            <a:r>
+              <a:rPr lang="zh-CN" sz="2400" b="0" strike="noStrike" spc="-1" dirty="0">
                 <a:solidFill>
                   <a:srgbClr val="000000"/>
                 </a:solidFill>
                 <a:latin typeface="等线"/>
               </a:rPr>
-              <a:t>interact with mast cells, dendritic cells and neuropeptides induce degranulation or cytokine production in these cells. </a:t>
-            </a:r>
-            <a:endParaRPr b="0" lang="en-US" sz="2000" spc="-1" strike="noStrike">
-              <a:latin typeface="Arial"/>
-            </a:endParaRPr>
-          </a:p>
-          <a:p>
-            <a:pPr lvl="1" marL="743040" indent="-285480">
+              <a:t>) binds to Bmp4</a:t>
+            </a:r>
+          </a:p>
+          <a:p>
+            <a:pPr marL="228600" indent="-228240">
               <a:lnSpc>
-                <a:spcPct val="100000"/>
+                <a:spcPct val="90000"/>
               </a:lnSpc>
+              <a:spcBef>
+                <a:spcPts val="1001"/>
+              </a:spcBef>
               <a:buClr>
                 <a:srgbClr val="000000"/>
               </a:buClr>
-              <a:buFont typeface="Wingdings" charset="2"/>
-              <a:buChar char=""/>
+              <a:buFont typeface="Arial"/>
+              <a:buChar char="•"/>
             </a:pPr>
             <a:r>
-              <a:rPr b="0" lang="en-US" sz="2000" spc="-1" strike="noStrike">
+              <a:rPr lang="zh-CN" sz="2800" b="0" strike="noStrike" spc="-1" dirty="0">
                 <a:solidFill>
                   <a:srgbClr val="000000"/>
                 </a:solidFill>
                 <a:latin typeface="等线"/>
               </a:rPr>
-              <a:t>mediators released from sensory neurons – neuropeptides, chemokines and glutamate – are chemotactic (neutrophils, eosinophils, macrophage, T cell, leukocytes)</a:t>
-            </a:r>
-            <a:endParaRPr b="0" lang="en-US" sz="2000" spc="-1" strike="noStrike">
-              <a:latin typeface="Arial"/>
-            </a:endParaRPr>
+              <a:t>Wnt5a </a:t>
+            </a:r>
+            <a:r>
+              <a:rPr lang="zh-CN" sz="2800" b="0" strike="noStrike" spc="-1" dirty="0">
+                <a:solidFill>
+                  <a:srgbClr val="000000"/>
+                </a:solidFill>
+                <a:latin typeface="Wingdings"/>
+              </a:rPr>
+              <a:t></a:t>
+            </a:r>
+            <a:r>
+              <a:rPr lang="zh-CN" sz="2800" b="0" strike="noStrike" spc="-1" dirty="0">
+                <a:solidFill>
+                  <a:srgbClr val="000000"/>
+                </a:solidFill>
+                <a:latin typeface="等线"/>
+              </a:rPr>
+              <a:t> Fz(3/4/6) receptors </a:t>
+            </a:r>
+            <a:r>
+              <a:rPr lang="zh-CN" sz="2800" b="0" strike="noStrike" spc="-1" dirty="0">
+                <a:solidFill>
+                  <a:srgbClr val="000000"/>
+                </a:solidFill>
+                <a:latin typeface="Wingdings"/>
+              </a:rPr>
+              <a:t></a:t>
+            </a:r>
+            <a:r>
+              <a:rPr lang="zh-CN" sz="2800" b="0" strike="noStrike" spc="-1" dirty="0">
+                <a:solidFill>
+                  <a:srgbClr val="000000"/>
+                </a:solidFill>
+                <a:latin typeface="等线"/>
+              </a:rPr>
+              <a:t> incresase intracellular Ca</a:t>
+            </a:r>
+            <a:r>
+              <a:rPr lang="zh-CN" sz="2800" b="0" strike="noStrike" spc="-1" baseline="30000" dirty="0">
+                <a:solidFill>
+                  <a:srgbClr val="000000"/>
+                </a:solidFill>
+                <a:latin typeface="等线"/>
+              </a:rPr>
+              <a:t>2+</a:t>
+            </a:r>
+            <a:r>
+              <a:rPr lang="zh-CN" sz="2800" b="0" strike="noStrike" spc="-1" dirty="0">
+                <a:solidFill>
+                  <a:srgbClr val="000000"/>
+                </a:solidFill>
+                <a:latin typeface="等线"/>
+              </a:rPr>
+              <a:t> </a:t>
+            </a:r>
+            <a:r>
+              <a:rPr lang="zh-CN" sz="2800" b="0" strike="noStrike" spc="-1" dirty="0">
+                <a:solidFill>
+                  <a:srgbClr val="000000"/>
+                </a:solidFill>
+                <a:latin typeface="Wingdings"/>
+              </a:rPr>
+              <a:t></a:t>
+            </a:r>
+            <a:r>
+              <a:rPr lang="zh-CN" sz="2800" b="0" strike="noStrike" spc="-1" dirty="0">
+                <a:solidFill>
+                  <a:srgbClr val="000000"/>
+                </a:solidFill>
+                <a:latin typeface="等线"/>
+              </a:rPr>
+              <a:t> activate Ca</a:t>
+            </a:r>
+            <a:r>
+              <a:rPr lang="zh-CN" sz="2800" b="0" strike="noStrike" spc="-1" baseline="30000" dirty="0">
+                <a:solidFill>
+                  <a:srgbClr val="000000"/>
+                </a:solidFill>
+                <a:latin typeface="等线"/>
+              </a:rPr>
+              <a:t>2+</a:t>
+            </a:r>
+            <a:r>
+              <a:rPr lang="zh-CN" sz="2800" b="0" strike="noStrike" spc="-1" dirty="0">
+                <a:solidFill>
+                  <a:srgbClr val="000000"/>
+                </a:solidFill>
+                <a:latin typeface="等线"/>
+              </a:rPr>
+              <a:t> dependent kinase CamKII </a:t>
+            </a:r>
+            <a:r>
+              <a:rPr lang="zh-CN" sz="2800" b="0" strike="noStrike" spc="-1" dirty="0">
+                <a:solidFill>
+                  <a:srgbClr val="000000"/>
+                </a:solidFill>
+                <a:latin typeface="Wingdings"/>
+              </a:rPr>
+              <a:t></a:t>
+            </a:r>
+            <a:r>
+              <a:rPr lang="zh-CN" sz="2800" b="0" strike="noStrike" spc="-1" dirty="0">
+                <a:solidFill>
+                  <a:srgbClr val="000000"/>
+                </a:solidFill>
+                <a:latin typeface="等线"/>
+              </a:rPr>
+              <a:t> promotor cell differentiation</a:t>
+            </a:r>
+          </a:p>
+          <a:p>
+            <a:pPr marL="228600" indent="-228240">
+              <a:lnSpc>
+                <a:spcPct val="90000"/>
+              </a:lnSpc>
+              <a:spcBef>
+                <a:spcPts val="1001"/>
+              </a:spcBef>
+              <a:buClr>
+                <a:srgbClr val="000000"/>
+              </a:buClr>
+              <a:buFont typeface="Arial"/>
+              <a:buChar char="•"/>
+            </a:pPr>
+            <a:r>
+              <a:rPr lang="zh-CN" sz="2800" b="0" strike="noStrike" spc="-1" dirty="0">
+                <a:solidFill>
+                  <a:srgbClr val="000000"/>
+                </a:solidFill>
+                <a:latin typeface="等线"/>
+              </a:rPr>
+              <a:t>delta-like 1 (Dll1) </a:t>
+            </a:r>
+            <a:r>
+              <a:rPr lang="zh-CN" sz="2800" b="0" strike="noStrike" spc="-1" dirty="0">
+                <a:solidFill>
+                  <a:srgbClr val="000000"/>
+                </a:solidFill>
+                <a:latin typeface="Wingdings"/>
+              </a:rPr>
+              <a:t></a:t>
+            </a:r>
+            <a:r>
+              <a:rPr lang="zh-CN" sz="2800" b="0" strike="noStrike" spc="-1" dirty="0">
+                <a:solidFill>
+                  <a:srgbClr val="000000"/>
+                </a:solidFill>
+                <a:latin typeface="等线"/>
+              </a:rPr>
+              <a:t> Notch receptors </a:t>
+            </a:r>
+            <a:r>
+              <a:rPr lang="zh-CN" sz="2800" b="0" strike="noStrike" spc="-1" dirty="0">
+                <a:solidFill>
+                  <a:srgbClr val="000000"/>
+                </a:solidFill>
+                <a:latin typeface="Wingdings"/>
+              </a:rPr>
+              <a:t></a:t>
+            </a:r>
+            <a:r>
+              <a:rPr lang="zh-CN" sz="2800" b="0" strike="noStrike" spc="-1" dirty="0">
+                <a:solidFill>
+                  <a:srgbClr val="000000"/>
+                </a:solidFill>
+                <a:latin typeface="等线"/>
+              </a:rPr>
+              <a:t> negatively regulate cell differentiation</a:t>
+            </a:r>
           </a:p>
           <a:p>
             <a:pPr>
               <a:lnSpc>
-                <a:spcPct val="100000"/>
+                <a:spcPct val="90000"/>
+              </a:lnSpc>
+              <a:spcBef>
+                <a:spcPts val="1001"/>
+              </a:spcBef>
+            </a:pPr>
+            <a:endParaRPr lang="zh-CN" sz="2800" b="0" strike="noStrike" spc="-1" dirty="0">
+              <a:solidFill>
+                <a:srgbClr val="000000"/>
+              </a:solidFill>
+              <a:latin typeface="等线"/>
+            </a:endParaRPr>
+          </a:p>
+          <a:p>
+            <a:pPr>
+              <a:lnSpc>
+                <a:spcPct val="90000"/>
+              </a:lnSpc>
+              <a:spcBef>
+                <a:spcPts val="1001"/>
+              </a:spcBef>
+            </a:pPr>
+            <a:endParaRPr lang="zh-CN" sz="2800" b="0" strike="noStrike" spc="-1" dirty="0">
+              <a:solidFill>
+                <a:srgbClr val="000000"/>
+              </a:solidFill>
+              <a:latin typeface="等线"/>
+            </a:endParaRPr>
+          </a:p>
+        </p:txBody>
+      </p:sp>
+      <p:sp>
+        <p:nvSpPr>
+          <p:cNvPr id="94" name="CustomShape 2"/>
+          <p:cNvSpPr/>
+          <p:nvPr/>
+        </p:nvSpPr>
+        <p:spPr>
+          <a:xfrm>
+            <a:off x="838080" y="49680"/>
+            <a:ext cx="10515240" cy="1328400"/>
+          </a:xfrm>
+          <a:prstGeom prst="rect">
+            <a:avLst/>
+          </a:prstGeom>
+          <a:noFill/>
+          <a:ln>
+            <a:noFill/>
+          </a:ln>
+        </p:spPr>
+        <p:style>
+          <a:lnRef idx="0">
+            <a:scrgbClr r="0" g="0" b="0"/>
+          </a:lnRef>
+          <a:fillRef idx="0">
+            <a:scrgbClr r="0" g="0" b="0"/>
+          </a:fillRef>
+          <a:effectRef idx="0">
+            <a:scrgbClr r="0" g="0" b="0"/>
+          </a:effectRef>
+          <a:fontRef idx="minor"/>
+        </p:style>
+      </p:sp>
+      <p:sp>
+        <p:nvSpPr>
+          <p:cNvPr id="95" name="CustomShape 3"/>
+          <p:cNvSpPr/>
+          <p:nvPr/>
+        </p:nvSpPr>
+        <p:spPr>
+          <a:xfrm>
+            <a:off x="689040" y="519840"/>
+            <a:ext cx="10515240" cy="1325160"/>
+          </a:xfrm>
+          <a:prstGeom prst="rect">
+            <a:avLst/>
+          </a:prstGeom>
+          <a:noFill/>
+          <a:ln>
+            <a:noFill/>
+          </a:ln>
+        </p:spPr>
+        <p:style>
+          <a:lnRef idx="0">
+            <a:scrgbClr r="0" g="0" b="0"/>
+          </a:lnRef>
+          <a:fillRef idx="0">
+            <a:scrgbClr r="0" g="0" b="0"/>
+          </a:fillRef>
+          <a:effectRef idx="0">
+            <a:scrgbClr r="0" g="0" b="0"/>
+          </a:effectRef>
+          <a:fontRef idx="minor"/>
+        </p:style>
+        <p:txBody>
+          <a:bodyPr/>
+          <a:lstStyle/>
+          <a:p>
+            <a:endParaRPr lang="zh-CN" altLang="en-US"/>
+          </a:p>
+        </p:txBody>
+      </p:sp>
+      <p:sp>
+        <p:nvSpPr>
+          <p:cNvPr id="96" name="TextShape 4"/>
+          <p:cNvSpPr txBox="1"/>
+          <p:nvPr/>
+        </p:nvSpPr>
+        <p:spPr>
+          <a:xfrm>
+            <a:off x="838080" y="365040"/>
+            <a:ext cx="10515240" cy="1325160"/>
+          </a:xfrm>
+          <a:prstGeom prst="rect">
+            <a:avLst/>
+          </a:prstGeom>
+          <a:noFill/>
+          <a:ln>
+            <a:noFill/>
+          </a:ln>
+        </p:spPr>
+        <p:txBody>
+          <a:bodyPr anchor="ctr"/>
+          <a:lstStyle/>
+          <a:p>
+            <a:pPr>
+              <a:lnSpc>
+                <a:spcPct val="90000"/>
               </a:lnSpc>
             </a:pPr>
-            <a:endParaRPr b="0" lang="en-US" sz="2000" spc="-1" strike="noStrike">
-              <a:latin typeface="Arial"/>
-            </a:endParaRPr>
-          </a:p>
-          <a:p>
-            <a:pPr>
-              <a:lnSpc>
-                <a:spcPct val="100000"/>
-              </a:lnSpc>
-            </a:pPr>
-            <a:endParaRPr b="0" lang="en-US" sz="2000" spc="-1" strike="noStrike">
-              <a:latin typeface="Arial"/>
+            <a:r>
+              <a:rPr lang="zh-CN" sz="4400" b="0" strike="noStrike" spc="-1">
+                <a:solidFill>
+                  <a:srgbClr val="000000"/>
+                </a:solidFill>
+                <a:latin typeface="等线 Light"/>
+              </a:rPr>
+              <a:t>Differentiation</a:t>
+            </a:r>
+            <a:endParaRPr lang="zh-CN" sz="4400" b="0" strike="noStrike" spc="-1">
+              <a:solidFill>
+                <a:srgbClr val="000000"/>
+              </a:solidFill>
+              <a:latin typeface="等线"/>
             </a:endParaRPr>
           </a:p>
         </p:txBody>
       </p:sp>
     </p:spTree>
   </p:cSld>
+  <p:clrMapOvr>
+    <a:masterClrMapping/>
+  </p:clrMapOvr>
   <p:timing>
     <p:tnLst>
       <p:par>
-        <p:cTn id="21" dur="indefinite" restart="never" nodeType="tmRoot">
+        <p:cTn id="1" dur="indefinite" restart="never" nodeType="tmRoot">
           <p:childTnLst>
             <p:seq>
-              <p:cTn id="22" dur="indefinite" nodeType="mainSeq"/>
+              <p:cTn id="2" dur="indefinite" nodeType="mainSeq"/>
               <p:prevCondLst>
-                <p:cond delay="0" evt="onPrev">
+                <p:cond evt="onPrev" delay="0">
                   <p:tgtEl>
                     <p:sldTgt/>
                   </p:tgtEl>
                 </p:cond>
               </p:prevCondLst>
               <p:nextCondLst>
-                <p:cond delay="0" evt="onNext">
+                <p:cond evt="onNext" delay="0">
                   <p:tgtEl>
                     <p:sldTgt/>
                   </p:tgtEl>
@@ -4607,8 +6477,8 @@
 </p:sld>
 </file>
 
-<file path=ppt/slides/slide12.xml><?xml version="1.0" encoding="utf-8"?>
-<p:sld xmlns:a="http://schemas.openxmlformats.org/drawingml/2006/main" xmlns:p="http://schemas.openxmlformats.org/presentationml/2006/main" xmlns:r="http://schemas.openxmlformats.org/officeDocument/2006/relationships" xmlns:p14="http://schemas.microsoft.com/office/powerpoint/2010/main" xmlns:p15="http://schemas.microsoft.com/office/powerpoint/2012/main" xmlns:mc="http://schemas.openxmlformats.org/markup-compatibility/2006">
+<file path=ppt/slides/slide17.xml><?xml version="1.0" encoding="utf-8"?>
+<p:sld xmlns:a="http://schemas.openxmlformats.org/drawingml/2006/main" xmlns:r="http://schemas.openxmlformats.org/officeDocument/2006/relationships" xmlns:p="http://schemas.openxmlformats.org/presentationml/2006/main">
   <p:cSld>
     <p:spTree>
       <p:nvGrpSpPr>
@@ -4626,7 +6496,7 @@
       </p:grpSpPr>
       <p:sp>
         <p:nvSpPr>
-          <p:cNvPr id="112" name="TextShape 1"/>
+          <p:cNvPr id="97" name="TextShape 1"/>
           <p:cNvSpPr txBox="1"/>
           <p:nvPr/>
         </p:nvSpPr>
@@ -4645,8 +6515,23 @@
         </p:spPr>
         <p:txBody>
           <a:bodyPr anchor="ctr"/>
-          <a:p>
-            <a:endParaRPr b="0" lang="zh-CN" sz="1800" spc="-1" strike="noStrike">
+          <a:lstStyle/>
+          <a:p>
+            <a:pPr>
+              <a:lnSpc>
+                <a:spcPct val="90000"/>
+              </a:lnSpc>
+            </a:pPr>
+            <a:r>
+              <a:rPr lang="zh-CN" sz="4400" b="0" strike="noStrike" spc="-1">
+                <a:solidFill>
+                  <a:srgbClr val="000000"/>
+                </a:solidFill>
+                <a:latin typeface="等线 Light"/>
+              </a:rPr>
+              <a:t>Proliferation, early response, Pro-inflammatory</a:t>
+            </a:r>
+            <a:endParaRPr lang="zh-CN" sz="4400" b="0" strike="noStrike" spc="-1">
               <a:solidFill>
                 <a:srgbClr val="000000"/>
               </a:solidFill>
@@ -4655,47 +6540,245 @@
           </a:p>
         </p:txBody>
       </p:sp>
-      <p:pic>
-        <p:nvPicPr>
-          <p:cNvPr id="113" name="" descr=""/>
-          <p:cNvPicPr/>
+      <p:sp>
+        <p:nvSpPr>
+          <p:cNvPr id="98" name="TextShape 2"/>
+          <p:cNvSpPr txBox="1"/>
           <p:nvPr/>
-        </p:nvPicPr>
-        <p:blipFill>
-          <a:blip r:embed="rId1"/>
-          <a:stretch/>
-        </p:blipFill>
-        <p:spPr>
-          <a:xfrm>
-            <a:off x="-4680" y="1272960"/>
-            <a:ext cx="12191760" cy="4296960"/>
-          </a:xfrm>
-          <a:prstGeom prst="rect">
-            <a:avLst/>
-          </a:prstGeom>
+        </p:nvSpPr>
+        <p:spPr>
+          <a:xfrm>
+            <a:off x="838080" y="1825560"/>
+            <a:ext cx="10515240" cy="4350960"/>
+          </a:xfrm>
+          <a:prstGeom prst="rect">
+            <a:avLst/>
+          </a:prstGeom>
+          <a:noFill/>
           <a:ln>
             <a:noFill/>
           </a:ln>
         </p:spPr>
-      </p:pic>
+        <p:txBody>
+          <a:bodyPr>
+            <a:normAutofit/>
+          </a:bodyPr>
+          <a:lstStyle/>
+          <a:p>
+            <a:pPr marL="228600" indent="-228240">
+              <a:lnSpc>
+                <a:spcPct val="90000"/>
+              </a:lnSpc>
+              <a:spcBef>
+                <a:spcPts val="1001"/>
+              </a:spcBef>
+              <a:buClr>
+                <a:srgbClr val="000000"/>
+              </a:buClr>
+              <a:buFont typeface="Arial"/>
+              <a:buChar char="•"/>
+            </a:pPr>
+            <a:r>
+              <a:rPr lang="zh-CN" sz="2800" b="0" strike="noStrike" spc="-1">
+                <a:solidFill>
+                  <a:srgbClr val="000000"/>
+                </a:solidFill>
+                <a:latin typeface="等线"/>
+              </a:rPr>
+              <a:t>FimH+ E.coli infection activation series of genes involved in immediate early response  </a:t>
+            </a:r>
+          </a:p>
+          <a:p>
+            <a:pPr marL="685800" lvl="1" indent="-228240">
+              <a:lnSpc>
+                <a:spcPct val="90000"/>
+              </a:lnSpc>
+              <a:spcBef>
+                <a:spcPts val="499"/>
+              </a:spcBef>
+              <a:buClr>
+                <a:srgbClr val="000000"/>
+              </a:buClr>
+              <a:buFont typeface="Arial"/>
+              <a:buChar char="•"/>
+            </a:pPr>
+            <a:r>
+              <a:rPr lang="zh-CN" sz="2400" b="0" strike="noStrike" spc="-1">
+                <a:solidFill>
+                  <a:srgbClr val="000000"/>
+                </a:solidFill>
+                <a:latin typeface="等线"/>
+              </a:rPr>
+              <a:t>Elf3 : epithelial specific member of the ETS transcription factor family, activate number of genes involved differentiation</a:t>
+            </a:r>
+          </a:p>
+          <a:p>
+            <a:pPr marL="685800" lvl="1" indent="-228240">
+              <a:lnSpc>
+                <a:spcPct val="90000"/>
+              </a:lnSpc>
+              <a:spcBef>
+                <a:spcPts val="499"/>
+              </a:spcBef>
+              <a:buClr>
+                <a:srgbClr val="000000"/>
+              </a:buClr>
+              <a:buFont typeface="Arial"/>
+              <a:buChar char="•"/>
+            </a:pPr>
+            <a:r>
+              <a:rPr lang="zh-CN" sz="2400" b="0" strike="noStrike" spc="-1">
+                <a:solidFill>
+                  <a:srgbClr val="000000"/>
+                </a:solidFill>
+                <a:latin typeface="等线"/>
+              </a:rPr>
+              <a:t>iNOS  (Elf3 target)</a:t>
+            </a:r>
+          </a:p>
+          <a:p>
+            <a:pPr marL="685800" lvl="1" indent="-228240">
+              <a:lnSpc>
+                <a:spcPct val="90000"/>
+              </a:lnSpc>
+              <a:spcBef>
+                <a:spcPts val="499"/>
+              </a:spcBef>
+              <a:buClr>
+                <a:srgbClr val="000000"/>
+              </a:buClr>
+              <a:buFont typeface="Arial"/>
+              <a:buChar char="•"/>
+            </a:pPr>
+            <a:r>
+              <a:rPr lang="zh-CN" sz="2400" b="0" strike="noStrike" spc="-1">
+                <a:solidFill>
+                  <a:srgbClr val="000000"/>
+                </a:solidFill>
+                <a:latin typeface="等线"/>
+              </a:rPr>
+              <a:t>HB-EGF</a:t>
+            </a:r>
+          </a:p>
+          <a:p>
+            <a:pPr marL="685800" lvl="1" indent="-228240">
+              <a:lnSpc>
+                <a:spcPct val="90000"/>
+              </a:lnSpc>
+              <a:spcBef>
+                <a:spcPts val="499"/>
+              </a:spcBef>
+              <a:buClr>
+                <a:srgbClr val="000000"/>
+              </a:buClr>
+              <a:buFont typeface="Arial"/>
+              <a:buChar char="•"/>
+            </a:pPr>
+            <a:r>
+              <a:rPr lang="zh-CN" sz="2400" b="0" strike="noStrike" spc="-1">
+                <a:solidFill>
+                  <a:srgbClr val="000000"/>
+                </a:solidFill>
+                <a:latin typeface="等线"/>
+              </a:rPr>
+              <a:t>Mip-2 (human IL-8), chemoattractant for neutrophils</a:t>
+            </a:r>
+          </a:p>
+          <a:p>
+            <a:pPr marL="685800" lvl="1" indent="-228240">
+              <a:lnSpc>
+                <a:spcPct val="90000"/>
+              </a:lnSpc>
+              <a:spcBef>
+                <a:spcPts val="499"/>
+              </a:spcBef>
+              <a:buClr>
+                <a:srgbClr val="000000"/>
+              </a:buClr>
+              <a:buFont typeface="Arial"/>
+              <a:buChar char="•"/>
+            </a:pPr>
+            <a:r>
+              <a:rPr lang="zh-CN" sz="2400" b="0" strike="noStrike" spc="-1">
+                <a:solidFill>
+                  <a:srgbClr val="000000"/>
+                </a:solidFill>
+                <a:latin typeface="等线"/>
+              </a:rPr>
+              <a:t>Cebpb</a:t>
+            </a:r>
+          </a:p>
+          <a:p>
+            <a:pPr marL="685800" lvl="1" indent="-228240">
+              <a:lnSpc>
+                <a:spcPct val="90000"/>
+              </a:lnSpc>
+              <a:spcBef>
+                <a:spcPts val="499"/>
+              </a:spcBef>
+              <a:buClr>
+                <a:srgbClr val="000000"/>
+              </a:buClr>
+              <a:buFont typeface="Arial"/>
+              <a:buChar char="•"/>
+            </a:pPr>
+            <a:r>
+              <a:rPr lang="zh-CN" sz="2400" b="0" strike="noStrike" spc="-1">
+                <a:solidFill>
+                  <a:srgbClr val="000000"/>
+                </a:solidFill>
+                <a:latin typeface="等线"/>
+              </a:rPr>
+              <a:t>Bcl3</a:t>
+            </a:r>
+          </a:p>
+          <a:p>
+            <a:pPr marL="685800" lvl="1" indent="-228240">
+              <a:lnSpc>
+                <a:spcPct val="90000"/>
+              </a:lnSpc>
+              <a:spcBef>
+                <a:spcPts val="499"/>
+              </a:spcBef>
+              <a:buClr>
+                <a:srgbClr val="000000"/>
+              </a:buClr>
+              <a:buFont typeface="Arial"/>
+              <a:buChar char="•"/>
+            </a:pPr>
+            <a:r>
+              <a:rPr lang="zh-CN" sz="2400" b="0" strike="noStrike" spc="-1">
+                <a:solidFill>
+                  <a:srgbClr val="000000"/>
+                </a:solidFill>
+                <a:latin typeface="等线"/>
+              </a:rPr>
+              <a:t>Socs3</a:t>
+            </a:r>
+          </a:p>
+        </p:txBody>
+      </p:sp>
     </p:spTree>
   </p:cSld>
+  <p:clrMapOvr>
+    <a:masterClrMapping/>
+  </p:clrMapOvr>
   <p:timing>
     <p:tnLst>
       <p:par>
-        <p:cTn id="23" dur="indefinite" restart="never" nodeType="tmRoot">
+        <p:cTn id="1" dur="indefinite" restart="never" nodeType="tmRoot">
           <p:childTnLst>
             <p:seq>
-              <p:cTn id="24" dur="indefinite" nodeType="mainSeq"/>
+              <p:cTn id="2" dur="indefinite" nodeType="mainSeq"/>
               <p:prevCondLst>
-                <p:cond delay="0" evt="onPrev">
+                <p:cond evt="onPrev" delay="0">
                   <p:tgtEl>
                     <p:sldTgt/>
                   </p:tgtEl>
                 </p:cond>
               </p:prevCondLst>
               <p:nextCondLst>
-                <p:cond delay="0" evt="onNext">
+                <p:cond evt="onNext" delay="0">
                   <p:tgtEl>
                     <p:sldTgt/>
                   </p:tgtEl>
@@ -4710,8 +6793,8 @@
 </p:sld>
 </file>
 
-<file path=ppt/slides/slide13.xml><?xml version="1.0" encoding="utf-8"?>
-<p:sld xmlns:a="http://schemas.openxmlformats.org/drawingml/2006/main" xmlns:p="http://schemas.openxmlformats.org/presentationml/2006/main" xmlns:r="http://schemas.openxmlformats.org/officeDocument/2006/relationships" xmlns:p14="http://schemas.microsoft.com/office/powerpoint/2010/main" xmlns:p15="http://schemas.microsoft.com/office/powerpoint/2012/main" xmlns:mc="http://schemas.openxmlformats.org/markup-compatibility/2006">
+<file path=ppt/slides/slide18.xml><?xml version="1.0" encoding="utf-8"?>
+<p:sld xmlns:a="http://schemas.openxmlformats.org/drawingml/2006/main" xmlns:r="http://schemas.openxmlformats.org/officeDocument/2006/relationships" xmlns:p="http://schemas.openxmlformats.org/presentationml/2006/main">
   <p:cSld>
     <p:spTree>
       <p:nvGrpSpPr>
@@ -4729,100 +6812,95 @@
       </p:grpSpPr>
       <p:sp>
         <p:nvSpPr>
-          <p:cNvPr id="114" name="TextShape 1"/>
-          <p:cNvSpPr txBox="1"/>
-          <p:nvPr/>
-        </p:nvSpPr>
-        <p:spPr>
-          <a:xfrm>
-            <a:off x="838080" y="365040"/>
-            <a:ext cx="10515240" cy="1325160"/>
-          </a:xfrm>
-          <a:prstGeom prst="rect">
-            <a:avLst/>
-          </a:prstGeom>
-          <a:noFill/>
-          <a:ln>
-            <a:noFill/>
-          </a:ln>
-        </p:spPr>
-        <p:txBody>
-          <a:bodyPr anchor="ctr"/>
-          <a:p>
-            <a:endParaRPr b="0" lang="zh-CN" sz="1800" spc="-1" strike="noStrike">
-              <a:solidFill>
-                <a:srgbClr val="000000"/>
-              </a:solidFill>
-              <a:latin typeface="等线"/>
-            </a:endParaRPr>
-          </a:p>
-        </p:txBody>
-      </p:sp>
-      <p:sp>
-        <p:nvSpPr>
-          <p:cNvPr id="115" name="TextShape 2"/>
-          <p:cNvSpPr txBox="1"/>
-          <p:nvPr/>
-        </p:nvSpPr>
-        <p:spPr>
-          <a:xfrm>
-            <a:off x="838080" y="1825560"/>
-            <a:ext cx="10515240" cy="4350960"/>
-          </a:xfrm>
-          <a:prstGeom prst="rect">
-            <a:avLst/>
-          </a:prstGeom>
-          <a:noFill/>
-          <a:ln>
-            <a:noFill/>
-          </a:ln>
+          <p:cNvPr id="3" name="副标题 2"/>
+          <p:cNvSpPr>
+            <a:spLocks noGrp="1"/>
+          </p:cNvSpPr>
+          <p:nvPr>
+            <p:ph type="subTitle"/>
+          </p:nvPr>
+        </p:nvSpPr>
+        <p:spPr>
+          <a:xfrm>
+            <a:off x="838080" y="584200"/>
+            <a:ext cx="10515240" cy="5592320"/>
+          </a:xfrm>
         </p:spPr>
         <p:txBody>
           <a:bodyPr/>
-          <a:p>
-            <a:endParaRPr b="0" lang="zh-CN" sz="2800" spc="-1" strike="noStrike">
-              <a:solidFill>
-                <a:srgbClr val="000000"/>
-              </a:solidFill>
-              <a:latin typeface="等线"/>
-            </a:endParaRPr>
+          <a:lstStyle/>
+          <a:p>
+            <a:r>
+              <a:rPr lang="en-US" altLang="zh-CN" dirty="0" smtClean="0"/>
+              <a:t>neuron-immune interaction</a:t>
+            </a:r>
+          </a:p>
+          <a:p>
+            <a:endParaRPr lang="en-US" altLang="zh-CN" dirty="0" smtClean="0"/>
+          </a:p>
+          <a:p>
+            <a:r>
+              <a:rPr lang="en-US" altLang="zh-CN" dirty="0" smtClean="0"/>
+              <a:t>response sequential: epithelial </a:t>
+            </a:r>
+            <a:r>
+              <a:rPr lang="en-US" altLang="zh-CN" dirty="0" smtClean="0">
+                <a:sym typeface="Wingdings" panose="05000000000000000000" pitchFamily="2" charset="2"/>
+              </a:rPr>
+              <a:t> sensory neuron  immune system</a:t>
+            </a:r>
+            <a:endParaRPr lang="en-US" altLang="zh-CN" dirty="0" smtClean="0"/>
+          </a:p>
+          <a:p>
+            <a:endParaRPr lang="en-US" altLang="zh-CN" dirty="0" smtClean="0"/>
+          </a:p>
+          <a:p>
+            <a:r>
+              <a:rPr lang="en-US" altLang="zh-CN" dirty="0" smtClean="0"/>
+              <a:t>inspection time points: 2h, 6h, 24h</a:t>
+            </a:r>
+            <a:r>
+              <a:rPr lang="en-US" altLang="zh-CN" smtClean="0"/>
+              <a:t>, 7days</a:t>
+            </a:r>
+            <a:endParaRPr lang="en-US" altLang="zh-CN" dirty="0" smtClean="0"/>
+          </a:p>
+          <a:p>
+            <a:endParaRPr lang="en-US" altLang="zh-CN" dirty="0"/>
+          </a:p>
+          <a:p>
+            <a:r>
+              <a:rPr lang="en-US" altLang="zh-CN" dirty="0" smtClean="0"/>
+              <a:t>urine volume</a:t>
+            </a:r>
+          </a:p>
+          <a:p>
+            <a:endParaRPr lang="en-US" altLang="zh-CN" dirty="0"/>
+          </a:p>
+          <a:p>
+            <a:r>
+              <a:rPr lang="en-US" altLang="zh-CN" dirty="0" smtClean="0"/>
+              <a:t>UPEC colonize position</a:t>
+            </a:r>
+            <a:endParaRPr lang="zh-CN" altLang="en-US" dirty="0"/>
           </a:p>
         </p:txBody>
       </p:sp>
     </p:spTree>
+    <p:extLst>
+      <p:ext uri="{BB962C8B-B14F-4D97-AF65-F5344CB8AC3E}">
+        <p14:creationId xmlns:p14="http://schemas.microsoft.com/office/powerpoint/2010/main" val="1728779191"/>
+      </p:ext>
+    </p:extLst>
   </p:cSld>
-  <p:timing>
-    <p:tnLst>
-      <p:par>
-        <p:cTn id="25" dur="indefinite" restart="never" nodeType="tmRoot">
-          <p:childTnLst>
-            <p:seq>
-              <p:cTn id="26" dur="indefinite" nodeType="mainSeq"/>
-              <p:prevCondLst>
-                <p:cond delay="0" evt="onPrev">
-                  <p:tgtEl>
-                    <p:sldTgt/>
-                  </p:tgtEl>
-                </p:cond>
-              </p:prevCondLst>
-              <p:nextCondLst>
-                <p:cond delay="0" evt="onNext">
-                  <p:tgtEl>
-                    <p:sldTgt/>
-                  </p:tgtEl>
-                </p:cond>
-              </p:nextCondLst>
-            </p:seq>
-          </p:childTnLst>
-        </p:cTn>
-      </p:par>
-    </p:tnLst>
-  </p:timing>
+  <p:clrMapOvr>
+    <a:masterClrMapping/>
+  </p:clrMapOvr>
 </p:sld>
 </file>
 
 <file path=ppt/slides/slide2.xml><?xml version="1.0" encoding="utf-8"?>
-<p:sld xmlns:a="http://schemas.openxmlformats.org/drawingml/2006/main" xmlns:p="http://schemas.openxmlformats.org/presentationml/2006/main" xmlns:r="http://schemas.openxmlformats.org/officeDocument/2006/relationships" xmlns:p14="http://schemas.microsoft.com/office/powerpoint/2010/main" xmlns:p15="http://schemas.microsoft.com/office/powerpoint/2012/main" xmlns:mc="http://schemas.openxmlformats.org/markup-compatibility/2006">
+<p:sld xmlns:a="http://schemas.openxmlformats.org/drawingml/2006/main" xmlns:r="http://schemas.openxmlformats.org/officeDocument/2006/relationships" xmlns:p="http://schemas.openxmlformats.org/presentationml/2006/main">
   <p:cSld>
     <p:spTree>
       <p:nvGrpSpPr>
@@ -4840,7 +6918,7 @@
       </p:grpSpPr>
       <p:sp>
         <p:nvSpPr>
-          <p:cNvPr id="90" name="TextShape 1"/>
+          <p:cNvPr id="99" name="TextShape 1"/>
           <p:cNvSpPr txBox="1"/>
           <p:nvPr/>
         </p:nvSpPr>
@@ -4859,8 +6937,9 @@
         </p:spPr>
         <p:txBody>
           <a:bodyPr anchor="ctr"/>
-          <a:p>
-            <a:endParaRPr b="0" lang="zh-CN" sz="1800" spc="-1" strike="noStrike">
+          <a:lstStyle/>
+          <a:p>
+            <a:endParaRPr lang="zh-CN" sz="1800" b="0" strike="noStrike" spc="-1">
               <a:solidFill>
                 <a:srgbClr val="000000"/>
               </a:solidFill>
@@ -4871,18 +6950,18 @@
       </p:sp>
       <p:pic>
         <p:nvPicPr>
-          <p:cNvPr id="91" name="内容占位符 3" descr=""/>
+          <p:cNvPr id="100" name="内容占位符 3"/>
           <p:cNvPicPr/>
           <p:nvPr/>
         </p:nvPicPr>
         <p:blipFill>
-          <a:blip r:embed="rId1"/>
+          <a:blip r:embed="rId3"/>
           <a:stretch/>
         </p:blipFill>
         <p:spPr>
           <a:xfrm>
-            <a:off x="838080" y="1690560"/>
-            <a:ext cx="10515240" cy="2883240"/>
+            <a:off x="1013040" y="1431860"/>
+            <a:ext cx="10165320" cy="4350960"/>
           </a:xfrm>
           <a:prstGeom prst="rect">
             <a:avLst/>
@@ -4894,22 +6973,25 @@
       </p:pic>
     </p:spTree>
   </p:cSld>
+  <p:clrMapOvr>
+    <a:masterClrMapping/>
+  </p:clrMapOvr>
   <p:timing>
     <p:tnLst>
       <p:par>
-        <p:cTn id="3" dur="indefinite" restart="never" nodeType="tmRoot">
+        <p:cTn id="1" dur="indefinite" restart="never" nodeType="tmRoot">
           <p:childTnLst>
             <p:seq>
-              <p:cTn id="4" dur="indefinite" nodeType="mainSeq"/>
+              <p:cTn id="2" dur="indefinite" nodeType="mainSeq"/>
               <p:prevCondLst>
-                <p:cond delay="0" evt="onPrev">
+                <p:cond evt="onPrev" delay="0">
                   <p:tgtEl>
                     <p:sldTgt/>
                   </p:tgtEl>
                 </p:cond>
               </p:prevCondLst>
               <p:nextCondLst>
-                <p:cond delay="0" evt="onNext">
+                <p:cond evt="onNext" delay="0">
                   <p:tgtEl>
                     <p:sldTgt/>
                   </p:tgtEl>
@@ -4925,7 +7007,700 @@
 </file>
 
 <file path=ppt/slides/slide3.xml><?xml version="1.0" encoding="utf-8"?>
-<p:sld xmlns:a="http://schemas.openxmlformats.org/drawingml/2006/main" xmlns:p="http://schemas.openxmlformats.org/presentationml/2006/main" xmlns:r="http://schemas.openxmlformats.org/officeDocument/2006/relationships" xmlns:p14="http://schemas.microsoft.com/office/powerpoint/2010/main" xmlns:p15="http://schemas.microsoft.com/office/powerpoint/2012/main" xmlns:mc="http://schemas.openxmlformats.org/markup-compatibility/2006">
+<p:sld xmlns:a="http://schemas.openxmlformats.org/drawingml/2006/main" xmlns:r="http://schemas.openxmlformats.org/officeDocument/2006/relationships" xmlns:p="http://schemas.openxmlformats.org/presentationml/2006/main">
+  <p:cSld>
+    <p:spTree>
+      <p:nvGrpSpPr>
+        <p:cNvPr id="1" name=""/>
+        <p:cNvGrpSpPr/>
+        <p:nvPr/>
+      </p:nvGrpSpPr>
+      <p:grpSpPr>
+        <a:xfrm>
+          <a:off x="0" y="0"/>
+          <a:ext cx="0" cy="0"/>
+          <a:chOff x="0" y="0"/>
+          <a:chExt cx="0" cy="0"/>
+        </a:xfrm>
+      </p:grpSpPr>
+      <p:sp>
+        <p:nvSpPr>
+          <p:cNvPr id="101" name="TextShape 1"/>
+          <p:cNvSpPr txBox="1"/>
+          <p:nvPr/>
+        </p:nvSpPr>
+        <p:spPr>
+          <a:xfrm>
+            <a:off x="756000" y="479880"/>
+            <a:ext cx="10515240" cy="4350960"/>
+          </a:xfrm>
+          <a:prstGeom prst="rect">
+            <a:avLst/>
+          </a:prstGeom>
+          <a:noFill/>
+          <a:ln>
+            <a:noFill/>
+          </a:ln>
+        </p:spPr>
+        <p:txBody>
+          <a:bodyPr/>
+          <a:lstStyle/>
+          <a:p>
+            <a:pPr marL="228600" indent="-228240">
+              <a:lnSpc>
+                <a:spcPct val="90000"/>
+              </a:lnSpc>
+              <a:spcBef>
+                <a:spcPts val="1001"/>
+              </a:spcBef>
+              <a:buClr>
+                <a:srgbClr val="000000"/>
+              </a:buClr>
+              <a:buFont typeface="Arial"/>
+              <a:buChar char="•"/>
+            </a:pPr>
+            <a:r>
+              <a:rPr lang="zh-CN" sz="2800" b="0" strike="noStrike" spc="-1" dirty="0">
+                <a:solidFill>
+                  <a:srgbClr val="000000"/>
+                </a:solidFill>
+                <a:latin typeface="等线"/>
+              </a:rPr>
+              <a:t>CGRP</a:t>
+            </a:r>
+          </a:p>
+          <a:p>
+            <a:pPr marL="685800" lvl="1" indent="-228240">
+              <a:lnSpc>
+                <a:spcPct val="90000"/>
+              </a:lnSpc>
+              <a:spcBef>
+                <a:spcPts val="499"/>
+              </a:spcBef>
+              <a:buClr>
+                <a:srgbClr val="000000"/>
+              </a:buClr>
+              <a:buFont typeface="Arial"/>
+              <a:buChar char="•"/>
+            </a:pPr>
+            <a:r>
+              <a:rPr lang="zh-CN" sz="2400" b="0" strike="noStrike" spc="-1" dirty="0">
+                <a:solidFill>
+                  <a:srgbClr val="000000"/>
+                </a:solidFill>
+                <a:latin typeface="等线"/>
+              </a:rPr>
+              <a:t>a potent microvascular vasodilator</a:t>
+            </a:r>
+          </a:p>
+          <a:p>
+            <a:pPr marL="685800" lvl="1" indent="-228240">
+              <a:lnSpc>
+                <a:spcPct val="90000"/>
+              </a:lnSpc>
+              <a:spcBef>
+                <a:spcPts val="499"/>
+              </a:spcBef>
+              <a:buClr>
+                <a:srgbClr val="000000"/>
+              </a:buClr>
+              <a:buFont typeface="Arial"/>
+              <a:buChar char="•"/>
+            </a:pPr>
+            <a:r>
+              <a:rPr lang="zh-CN" sz="2400" b="0" strike="noStrike" spc="-1" dirty="0">
+                <a:solidFill>
+                  <a:srgbClr val="000000"/>
+                </a:solidFill>
+                <a:latin typeface="等线"/>
+              </a:rPr>
+              <a:t>localized in central and peripheral nerve system neurons </a:t>
+            </a:r>
+          </a:p>
+          <a:p>
+            <a:pPr marL="685800" lvl="1" indent="-228240">
+              <a:lnSpc>
+                <a:spcPct val="90000"/>
+              </a:lnSpc>
+              <a:spcBef>
+                <a:spcPts val="499"/>
+              </a:spcBef>
+              <a:buClr>
+                <a:srgbClr val="000000"/>
+              </a:buClr>
+              <a:buFont typeface="Arial"/>
+              <a:buChar char="•"/>
+            </a:pPr>
+            <a:r>
+              <a:rPr lang="zh-CN" sz="2400" b="0" strike="noStrike" spc="-1" dirty="0">
+                <a:solidFill>
+                  <a:srgbClr val="000000"/>
+                </a:solidFill>
+                <a:latin typeface="等线"/>
+              </a:rPr>
+              <a:t>negative regulate immune system</a:t>
+            </a:r>
+          </a:p>
+          <a:p>
+            <a:pPr marL="228600" indent="-228240">
+              <a:lnSpc>
+                <a:spcPct val="90000"/>
+              </a:lnSpc>
+              <a:spcBef>
+                <a:spcPts val="1001"/>
+              </a:spcBef>
+              <a:buClr>
+                <a:srgbClr val="000000"/>
+              </a:buClr>
+              <a:buFont typeface="Arial"/>
+              <a:buChar char="•"/>
+            </a:pPr>
+            <a:r>
+              <a:rPr lang="zh-CN" sz="2800" b="0" strike="noStrike" spc="-1" dirty="0">
+                <a:solidFill>
+                  <a:srgbClr val="000000"/>
+                </a:solidFill>
+                <a:latin typeface="等线"/>
+              </a:rPr>
+              <a:t>CGRP inhibits neutrophil recruitment of local acute inflammation</a:t>
+            </a:r>
+          </a:p>
+          <a:p>
+            <a:pPr marL="228600" indent="-228240">
+              <a:lnSpc>
+                <a:spcPct val="90000"/>
+              </a:lnSpc>
+              <a:spcBef>
+                <a:spcPts val="1001"/>
+              </a:spcBef>
+              <a:buClr>
+                <a:srgbClr val="000000"/>
+              </a:buClr>
+              <a:buFont typeface="Arial"/>
+              <a:buChar char="•"/>
+            </a:pPr>
+            <a:r>
+              <a:rPr lang="zh-CN" sz="2800" b="0" strike="noStrike" spc="-1" dirty="0">
+                <a:solidFill>
+                  <a:srgbClr val="000000"/>
+                </a:solidFill>
+                <a:latin typeface="等线"/>
+              </a:rPr>
+              <a:t>CGRP inhibits TNF-a </a:t>
+            </a:r>
+            <a:r>
+              <a:rPr lang="zh-CN" sz="1200" b="0" strike="noStrike" spc="-1" dirty="0">
+                <a:solidFill>
+                  <a:srgbClr val="000000"/>
+                </a:solidFill>
+                <a:latin typeface="等线"/>
+              </a:rPr>
+              <a:t>(macrophage) </a:t>
+            </a:r>
+            <a:r>
+              <a:rPr lang="zh-CN" sz="2800" b="0" strike="noStrike" spc="-1" dirty="0">
+                <a:solidFill>
+                  <a:srgbClr val="000000"/>
+                </a:solidFill>
+                <a:latin typeface="等线"/>
+              </a:rPr>
+              <a:t>serum levels and enhance IL-6 and IL-10 levels</a:t>
+            </a:r>
+          </a:p>
+        </p:txBody>
+      </p:sp>
+      <p:pic>
+        <p:nvPicPr>
+          <p:cNvPr id="102" name="图片 3"/>
+          <p:cNvPicPr/>
+          <p:nvPr/>
+        </p:nvPicPr>
+        <p:blipFill>
+          <a:blip r:embed="rId2"/>
+          <a:stretch/>
+        </p:blipFill>
+        <p:spPr>
+          <a:xfrm>
+            <a:off x="673920" y="3836520"/>
+            <a:ext cx="4581720" cy="2657520"/>
+          </a:xfrm>
+          <a:prstGeom prst="rect">
+            <a:avLst/>
+          </a:prstGeom>
+          <a:ln>
+            <a:noFill/>
+          </a:ln>
+        </p:spPr>
+      </p:pic>
+      <p:pic>
+        <p:nvPicPr>
+          <p:cNvPr id="103" name="图片 4"/>
+          <p:cNvPicPr/>
+          <p:nvPr/>
+        </p:nvPicPr>
+        <p:blipFill>
+          <a:blip r:embed="rId3"/>
+          <a:stretch/>
+        </p:blipFill>
+        <p:spPr>
+          <a:xfrm>
+            <a:off x="5672520" y="4050720"/>
+            <a:ext cx="5181840" cy="2228760"/>
+          </a:xfrm>
+          <a:prstGeom prst="rect">
+            <a:avLst/>
+          </a:prstGeom>
+          <a:ln>
+            <a:noFill/>
+          </a:ln>
+        </p:spPr>
+      </p:pic>
+    </p:spTree>
+  </p:cSld>
+  <p:clrMapOvr>
+    <a:masterClrMapping/>
+  </p:clrMapOvr>
+  <p:timing>
+    <p:tnLst>
+      <p:par>
+        <p:cTn id="1" dur="indefinite" restart="never" nodeType="tmRoot">
+          <p:childTnLst>
+            <p:seq>
+              <p:cTn id="2" dur="indefinite" nodeType="mainSeq"/>
+              <p:prevCondLst>
+                <p:cond evt="onPrev" delay="0">
+                  <p:tgtEl>
+                    <p:sldTgt/>
+                  </p:tgtEl>
+                </p:cond>
+              </p:prevCondLst>
+              <p:nextCondLst>
+                <p:cond evt="onNext" delay="0">
+                  <p:tgtEl>
+                    <p:sldTgt/>
+                  </p:tgtEl>
+                </p:cond>
+              </p:nextCondLst>
+            </p:seq>
+          </p:childTnLst>
+        </p:cTn>
+      </p:par>
+    </p:tnLst>
+  </p:timing>
+</p:sld>
+</file>
+
+<file path=ppt/slides/slide4.xml><?xml version="1.0" encoding="utf-8"?>
+<p:sld xmlns:a="http://schemas.openxmlformats.org/drawingml/2006/main" xmlns:r="http://schemas.openxmlformats.org/officeDocument/2006/relationships" xmlns:p="http://schemas.openxmlformats.org/presentationml/2006/main">
+  <p:cSld>
+    <p:spTree>
+      <p:nvGrpSpPr>
+        <p:cNvPr id="1" name=""/>
+        <p:cNvGrpSpPr/>
+        <p:nvPr/>
+      </p:nvGrpSpPr>
+      <p:grpSpPr>
+        <a:xfrm>
+          <a:off x="0" y="0"/>
+          <a:ext cx="0" cy="0"/>
+          <a:chOff x="0" y="0"/>
+          <a:chExt cx="0" cy="0"/>
+        </a:xfrm>
+      </p:grpSpPr>
+      <p:sp>
+        <p:nvSpPr>
+          <p:cNvPr id="104" name="TextShape 1"/>
+          <p:cNvSpPr txBox="1"/>
+          <p:nvPr/>
+        </p:nvSpPr>
+        <p:spPr>
+          <a:xfrm>
+            <a:off x="838080" y="365040"/>
+            <a:ext cx="10515240" cy="1325160"/>
+          </a:xfrm>
+          <a:prstGeom prst="rect">
+            <a:avLst/>
+          </a:prstGeom>
+          <a:noFill/>
+          <a:ln>
+            <a:noFill/>
+          </a:ln>
+        </p:spPr>
+        <p:txBody>
+          <a:bodyPr anchor="ctr"/>
+          <a:lstStyle/>
+          <a:p>
+            <a:endParaRPr lang="zh-CN" sz="1800" b="0" strike="noStrike" spc="-1">
+              <a:solidFill>
+                <a:srgbClr val="000000"/>
+              </a:solidFill>
+              <a:latin typeface="等线"/>
+            </a:endParaRPr>
+          </a:p>
+        </p:txBody>
+      </p:sp>
+      <p:pic>
+        <p:nvPicPr>
+          <p:cNvPr id="105" name="内容占位符 3"/>
+          <p:cNvPicPr/>
+          <p:nvPr/>
+        </p:nvPicPr>
+        <p:blipFill>
+          <a:blip r:embed="rId2"/>
+          <a:stretch/>
+        </p:blipFill>
+        <p:spPr>
+          <a:xfrm>
+            <a:off x="838080" y="1690560"/>
+            <a:ext cx="10515240" cy="3133080"/>
+          </a:xfrm>
+          <a:prstGeom prst="rect">
+            <a:avLst/>
+          </a:prstGeom>
+          <a:ln>
+            <a:noFill/>
+          </a:ln>
+        </p:spPr>
+      </p:pic>
+      <p:sp>
+        <p:nvSpPr>
+          <p:cNvPr id="106" name="CustomShape 2"/>
+          <p:cNvSpPr/>
+          <p:nvPr/>
+        </p:nvSpPr>
+        <p:spPr>
+          <a:xfrm>
+            <a:off x="1346040" y="5311800"/>
+            <a:ext cx="3801240" cy="364680"/>
+          </a:xfrm>
+          <a:prstGeom prst="rect">
+            <a:avLst/>
+          </a:prstGeom>
+          <a:noFill/>
+          <a:ln>
+            <a:noFill/>
+          </a:ln>
+        </p:spPr>
+        <p:style>
+          <a:lnRef idx="0">
+            <a:scrgbClr r="0" g="0" b="0"/>
+          </a:lnRef>
+          <a:fillRef idx="0">
+            <a:scrgbClr r="0" g="0" b="0"/>
+          </a:fillRef>
+          <a:effectRef idx="0">
+            <a:scrgbClr r="0" g="0" b="0"/>
+          </a:effectRef>
+          <a:fontRef idx="minor"/>
+        </p:style>
+        <p:txBody>
+          <a:bodyPr lIns="90000" tIns="45000" rIns="90000" bIns="45000"/>
+          <a:lstStyle/>
+          <a:p>
+            <a:pPr>
+              <a:lnSpc>
+                <a:spcPct val="100000"/>
+              </a:lnSpc>
+            </a:pPr>
+            <a:r>
+              <a:rPr lang="en-US" sz="1800" b="0" strike="noStrike" spc="-1">
+                <a:solidFill>
+                  <a:srgbClr val="000000"/>
+                </a:solidFill>
+                <a:latin typeface="等线"/>
+              </a:rPr>
+              <a:t>Nociceptin: 致痛素，痛敏肽</a:t>
+            </a:r>
+            <a:endParaRPr lang="en-US" sz="1800" b="0" strike="noStrike" spc="-1">
+              <a:latin typeface="Arial"/>
+            </a:endParaRPr>
+          </a:p>
+        </p:txBody>
+      </p:sp>
+    </p:spTree>
+  </p:cSld>
+  <p:clrMapOvr>
+    <a:masterClrMapping/>
+  </p:clrMapOvr>
+  <p:timing>
+    <p:tnLst>
+      <p:par>
+        <p:cTn id="1" dur="indefinite" restart="never" nodeType="tmRoot">
+          <p:childTnLst>
+            <p:seq>
+              <p:cTn id="2" dur="indefinite" nodeType="mainSeq"/>
+              <p:prevCondLst>
+                <p:cond evt="onPrev" delay="0">
+                  <p:tgtEl>
+                    <p:sldTgt/>
+                  </p:tgtEl>
+                </p:cond>
+              </p:prevCondLst>
+              <p:nextCondLst>
+                <p:cond evt="onNext" delay="0">
+                  <p:tgtEl>
+                    <p:sldTgt/>
+                  </p:tgtEl>
+                </p:cond>
+              </p:nextCondLst>
+            </p:seq>
+          </p:childTnLst>
+        </p:cTn>
+      </p:par>
+    </p:tnLst>
+  </p:timing>
+</p:sld>
+</file>
+
+<file path=ppt/slides/slide5.xml><?xml version="1.0" encoding="utf-8"?>
+<p:sld xmlns:a="http://schemas.openxmlformats.org/drawingml/2006/main" xmlns:r="http://schemas.openxmlformats.org/officeDocument/2006/relationships" xmlns:p="http://schemas.openxmlformats.org/presentationml/2006/main">
+  <p:cSld>
+    <p:spTree>
+      <p:nvGrpSpPr>
+        <p:cNvPr id="1" name=""/>
+        <p:cNvGrpSpPr/>
+        <p:nvPr/>
+      </p:nvGrpSpPr>
+      <p:grpSpPr>
+        <a:xfrm>
+          <a:off x="0" y="0"/>
+          <a:ext cx="0" cy="0"/>
+          <a:chOff x="0" y="0"/>
+          <a:chExt cx="0" cy="0"/>
+        </a:xfrm>
+      </p:grpSpPr>
+      <p:sp>
+        <p:nvSpPr>
+          <p:cNvPr id="107" name="TextShape 1"/>
+          <p:cNvSpPr txBox="1"/>
+          <p:nvPr/>
+        </p:nvSpPr>
+        <p:spPr>
+          <a:xfrm>
+            <a:off x="838080" y="626760"/>
+            <a:ext cx="10515240" cy="5549760"/>
+          </a:xfrm>
+          <a:prstGeom prst="rect">
+            <a:avLst/>
+          </a:prstGeom>
+          <a:noFill/>
+          <a:ln>
+            <a:noFill/>
+          </a:ln>
+        </p:spPr>
+        <p:txBody>
+          <a:bodyPr/>
+          <a:lstStyle/>
+          <a:p>
+            <a:pPr marL="228600" indent="-228240">
+              <a:lnSpc>
+                <a:spcPct val="90000"/>
+              </a:lnSpc>
+              <a:spcBef>
+                <a:spcPts val="1001"/>
+              </a:spcBef>
+              <a:buClr>
+                <a:srgbClr val="000000"/>
+              </a:buClr>
+              <a:buFont typeface="Arial"/>
+              <a:buChar char="•"/>
+            </a:pPr>
+            <a:r>
+              <a:rPr lang="zh-CN" sz="2800" b="0" strike="noStrike" spc="-1" dirty="0">
+                <a:solidFill>
+                  <a:srgbClr val="000000"/>
+                </a:solidFill>
+                <a:latin typeface="等线"/>
+              </a:rPr>
+              <a:t>The immune system LPS receptor complex: CD-14, </a:t>
+            </a:r>
+            <a:r>
+              <a:rPr lang="zh-CN" sz="2800" b="0" strike="noStrike" spc="-1" dirty="0">
+                <a:solidFill>
+                  <a:srgbClr val="FF0000"/>
+                </a:solidFill>
+                <a:latin typeface="等线"/>
+              </a:rPr>
+              <a:t>MD-2</a:t>
+            </a:r>
+            <a:r>
+              <a:rPr lang="zh-CN" sz="2800" b="0" strike="noStrike" spc="-1" dirty="0">
+                <a:solidFill>
+                  <a:srgbClr val="000000"/>
+                </a:solidFill>
+                <a:latin typeface="等线"/>
+              </a:rPr>
+              <a:t>, TLR4</a:t>
+            </a:r>
+          </a:p>
+          <a:p>
+            <a:pPr marL="228600" indent="-228240">
+              <a:lnSpc>
+                <a:spcPct val="90000"/>
+              </a:lnSpc>
+              <a:spcBef>
+                <a:spcPts val="1001"/>
+              </a:spcBef>
+              <a:buClr>
+                <a:srgbClr val="000000"/>
+              </a:buClr>
+              <a:buFont typeface="Arial"/>
+              <a:buChar char="•"/>
+            </a:pPr>
+            <a:r>
+              <a:rPr lang="zh-CN" sz="2800" b="0" strike="noStrike" spc="-1" dirty="0">
+                <a:solidFill>
+                  <a:srgbClr val="000000"/>
+                </a:solidFill>
+                <a:latin typeface="等线"/>
+              </a:rPr>
+              <a:t>DRG neurons LPS receptor complex: CD-14, </a:t>
+            </a:r>
+            <a:r>
+              <a:rPr lang="zh-CN" sz="2800" b="0" strike="noStrike" spc="-1" dirty="0">
+                <a:solidFill>
+                  <a:srgbClr val="FF0000"/>
+                </a:solidFill>
+                <a:latin typeface="等线"/>
+              </a:rPr>
+              <a:t>MD-1</a:t>
+            </a:r>
+            <a:r>
+              <a:rPr lang="zh-CN" sz="2800" b="0" strike="noStrike" spc="-1" dirty="0">
+                <a:solidFill>
+                  <a:srgbClr val="000000"/>
+                </a:solidFill>
+                <a:latin typeface="等线"/>
+              </a:rPr>
+              <a:t>, TLR4</a:t>
+            </a:r>
+          </a:p>
+          <a:p>
+            <a:pPr marL="228600" indent="-228240">
+              <a:lnSpc>
+                <a:spcPct val="90000"/>
+              </a:lnSpc>
+              <a:spcBef>
+                <a:spcPts val="1001"/>
+              </a:spcBef>
+              <a:buClr>
+                <a:srgbClr val="000000"/>
+              </a:buClr>
+              <a:buFont typeface="Arial"/>
+              <a:buChar char="•"/>
+            </a:pPr>
+            <a:r>
+              <a:rPr lang="zh-CN" sz="2800" b="0" strike="noStrike" spc="-1" dirty="0">
+                <a:solidFill>
+                  <a:srgbClr val="000000"/>
+                </a:solidFill>
+                <a:latin typeface="等线"/>
+              </a:rPr>
+              <a:t>LPS stimulate DRG to express N/OFQ</a:t>
+            </a:r>
+          </a:p>
+          <a:p>
+            <a:pPr marL="228600" indent="-228240">
+              <a:lnSpc>
+                <a:spcPct val="90000"/>
+              </a:lnSpc>
+              <a:spcBef>
+                <a:spcPts val="1001"/>
+              </a:spcBef>
+              <a:buClr>
+                <a:srgbClr val="000000"/>
+              </a:buClr>
+              <a:buFont typeface="Arial"/>
+              <a:buChar char="•"/>
+            </a:pPr>
+            <a:r>
+              <a:rPr lang="zh-CN" sz="2800" b="0" strike="noStrike" spc="-1" dirty="0">
+                <a:solidFill>
+                  <a:srgbClr val="000000"/>
+                </a:solidFill>
+                <a:latin typeface="等线"/>
+              </a:rPr>
+              <a:t>LBP (lipopolysaccharide-binding protein) enhance LPS binding to DRG</a:t>
+            </a:r>
+          </a:p>
+          <a:p>
+            <a:pPr>
+              <a:lnSpc>
+                <a:spcPct val="90000"/>
+              </a:lnSpc>
+              <a:spcBef>
+                <a:spcPts val="1001"/>
+              </a:spcBef>
+            </a:pPr>
+            <a:endParaRPr lang="zh-CN" sz="2800" b="0" strike="noStrike" spc="-1" dirty="0">
+              <a:solidFill>
+                <a:srgbClr val="000000"/>
+              </a:solidFill>
+              <a:latin typeface="等线"/>
+            </a:endParaRPr>
+          </a:p>
+        </p:txBody>
+      </p:sp>
+      <p:pic>
+        <p:nvPicPr>
+          <p:cNvPr id="108" name="图片 3"/>
+          <p:cNvPicPr/>
+          <p:nvPr/>
+        </p:nvPicPr>
+        <p:blipFill>
+          <a:blip r:embed="rId3"/>
+          <a:stretch/>
+        </p:blipFill>
+        <p:spPr>
+          <a:xfrm>
+            <a:off x="3797280" y="2626560"/>
+            <a:ext cx="4597200" cy="4231080"/>
+          </a:xfrm>
+          <a:prstGeom prst="rect">
+            <a:avLst/>
+          </a:prstGeom>
+          <a:ln>
+            <a:noFill/>
+          </a:ln>
+        </p:spPr>
+      </p:pic>
+    </p:spTree>
+  </p:cSld>
+  <p:clrMapOvr>
+    <a:masterClrMapping/>
+  </p:clrMapOvr>
+  <p:timing>
+    <p:tnLst>
+      <p:par>
+        <p:cTn id="1" dur="indefinite" restart="never" nodeType="tmRoot">
+          <p:childTnLst>
+            <p:seq>
+              <p:cTn id="2" dur="indefinite" nodeType="mainSeq"/>
+              <p:prevCondLst>
+                <p:cond evt="onPrev" delay="0">
+                  <p:tgtEl>
+                    <p:sldTgt/>
+                  </p:tgtEl>
+                </p:cond>
+              </p:prevCondLst>
+              <p:nextCondLst>
+                <p:cond evt="onNext" delay="0">
+                  <p:tgtEl>
+                    <p:sldTgt/>
+                  </p:tgtEl>
+                </p:cond>
+              </p:nextCondLst>
+            </p:seq>
+          </p:childTnLst>
+        </p:cTn>
+      </p:par>
+    </p:tnLst>
+  </p:timing>
+</p:sld>
+</file>
+
+<file path=ppt/slides/slide6.xml><?xml version="1.0" encoding="utf-8"?>
+<p:sld xmlns:a="http://schemas.openxmlformats.org/drawingml/2006/main" xmlns:r="http://schemas.openxmlformats.org/officeDocument/2006/relationships" xmlns:p="http://schemas.openxmlformats.org/presentationml/2006/main">
   <p:cSld>
     <p:spTree>
       <p:nvGrpSpPr>
@@ -4943,18 +7718,18 @@
       </p:grpSpPr>
       <p:pic>
         <p:nvPicPr>
-          <p:cNvPr id="92" name="内容占位符 3" descr=""/>
+          <p:cNvPr id="109" name="图片 3"/>
           <p:cNvPicPr/>
           <p:nvPr/>
         </p:nvPicPr>
         <p:blipFill>
-          <a:blip r:embed="rId1"/>
+          <a:blip r:embed="rId2"/>
           <a:stretch/>
         </p:blipFill>
         <p:spPr>
           <a:xfrm>
-            <a:off x="2003040" y="138600"/>
-            <a:ext cx="8602560" cy="6551280"/>
+            <a:off x="775440" y="1638000"/>
+            <a:ext cx="10640520" cy="3581640"/>
           </a:xfrm>
           <a:prstGeom prst="rect">
             <a:avLst/>
@@ -4964,24 +7739,82 @@
           </a:ln>
         </p:spPr>
       </p:pic>
+      <p:sp>
+        <p:nvSpPr>
+          <p:cNvPr id="110" name="CustomShape 1"/>
+          <p:cNvSpPr/>
+          <p:nvPr/>
+        </p:nvSpPr>
+        <p:spPr>
+          <a:xfrm>
+            <a:off x="9048960" y="344520"/>
+            <a:ext cx="1483920" cy="364680"/>
+          </a:xfrm>
+          <a:prstGeom prst="rect">
+            <a:avLst/>
+          </a:prstGeom>
+          <a:noFill/>
+          <a:ln>
+            <a:noFill/>
+          </a:ln>
+        </p:spPr>
+        <p:style>
+          <a:lnRef idx="0">
+            <a:scrgbClr r="0" g="0" b="0"/>
+          </a:lnRef>
+          <a:fillRef idx="0">
+            <a:scrgbClr r="0" g="0" b="0"/>
+          </a:fillRef>
+          <a:effectRef idx="0">
+            <a:scrgbClr r="0" g="0" b="0"/>
+          </a:effectRef>
+          <a:fontRef idx="minor"/>
+        </p:style>
+        <p:txBody>
+          <a:bodyPr lIns="90000" tIns="45000" rIns="90000" bIns="45000"/>
+          <a:lstStyle/>
+          <a:p>
+            <a:pPr>
+              <a:lnSpc>
+                <a:spcPct val="100000"/>
+              </a:lnSpc>
+            </a:pPr>
+            <a:r>
+              <a:rPr lang="en-US" sz="1800" b="0" strike="noStrike" spc="-1">
+                <a:solidFill>
+                  <a:srgbClr val="FF0000"/>
+                </a:solidFill>
+                <a:latin typeface="等线"/>
+              </a:rPr>
+              <a:t>2012</a:t>
+            </a:r>
+            <a:endParaRPr lang="en-US" sz="1800" b="0" strike="noStrike" spc="-1">
+              <a:latin typeface="Arial"/>
+            </a:endParaRPr>
+          </a:p>
+        </p:txBody>
+      </p:sp>
     </p:spTree>
   </p:cSld>
+  <p:clrMapOvr>
+    <a:masterClrMapping/>
+  </p:clrMapOvr>
   <p:timing>
     <p:tnLst>
       <p:par>
-        <p:cTn id="5" dur="indefinite" restart="never" nodeType="tmRoot">
+        <p:cTn id="1" dur="indefinite" restart="never" nodeType="tmRoot">
           <p:childTnLst>
             <p:seq>
-              <p:cTn id="6" dur="indefinite" nodeType="mainSeq"/>
+              <p:cTn id="2" dur="indefinite" nodeType="mainSeq"/>
               <p:prevCondLst>
-                <p:cond delay="0" evt="onPrev">
+                <p:cond evt="onPrev" delay="0">
                   <p:tgtEl>
                     <p:sldTgt/>
                   </p:tgtEl>
                 </p:cond>
               </p:prevCondLst>
               <p:nextCondLst>
-                <p:cond delay="0" evt="onNext">
+                <p:cond evt="onNext" delay="0">
                   <p:tgtEl>
                     <p:sldTgt/>
                   </p:tgtEl>
@@ -4996,8 +7829,8 @@
 </p:sld>
 </file>
 
-<file path=ppt/slides/slide4.xml><?xml version="1.0" encoding="utf-8"?>
-<p:sld xmlns:a="http://schemas.openxmlformats.org/drawingml/2006/main" xmlns:p="http://schemas.openxmlformats.org/presentationml/2006/main" xmlns:r="http://schemas.openxmlformats.org/officeDocument/2006/relationships" xmlns:p14="http://schemas.microsoft.com/office/powerpoint/2010/main" xmlns:p15="http://schemas.microsoft.com/office/powerpoint/2012/main" xmlns:mc="http://schemas.openxmlformats.org/markup-compatibility/2006">
+<file path=ppt/slides/slide7.xml><?xml version="1.0" encoding="utf-8"?>
+<p:sld xmlns:a="http://schemas.openxmlformats.org/drawingml/2006/main" xmlns:r="http://schemas.openxmlformats.org/officeDocument/2006/relationships" xmlns:p="http://schemas.openxmlformats.org/presentationml/2006/main">
   <p:cSld>
     <p:spTree>
       <p:nvGrpSpPr>
@@ -5015,14 +7848,14 @@
       </p:grpSpPr>
       <p:sp>
         <p:nvSpPr>
-          <p:cNvPr id="93" name="TextShape 1"/>
-          <p:cNvSpPr txBox="1"/>
+          <p:cNvPr id="111" name="CustomShape 1"/>
+          <p:cNvSpPr/>
           <p:nvPr/>
         </p:nvSpPr>
         <p:spPr>
           <a:xfrm>
-            <a:off x="838080" y="1845360"/>
-            <a:ext cx="10515240" cy="4641840"/>
+            <a:off x="297000" y="332640"/>
+            <a:ext cx="11471040" cy="5424480"/>
           </a:xfrm>
           <a:prstGeom prst="rect">
             <a:avLst/>
@@ -5032,552 +7865,290 @@
             <a:noFill/>
           </a:ln>
         </p:spPr>
-        <p:txBody>
-          <a:bodyPr>
-            <a:normAutofit/>
-          </a:bodyPr>
-          <a:p>
-            <a:pPr marL="228600" indent="-228240">
+        <p:style>
+          <a:lnRef idx="0">
+            <a:scrgbClr r="0" g="0" b="0"/>
+          </a:lnRef>
+          <a:fillRef idx="0">
+            <a:scrgbClr r="0" g="0" b="0"/>
+          </a:fillRef>
+          <a:effectRef idx="0">
+            <a:scrgbClr r="0" g="0" b="0"/>
+          </a:effectRef>
+          <a:fontRef idx="minor"/>
+        </p:style>
+        <p:txBody>
+          <a:bodyPr lIns="90000" tIns="45000" rIns="90000" bIns="45000"/>
+          <a:lstStyle/>
+          <a:p>
+            <a:pPr marL="285840" indent="-285480">
               <a:lnSpc>
-                <a:spcPct val="90000"/>
+                <a:spcPct val="100000"/>
               </a:lnSpc>
-              <a:spcBef>
-                <a:spcPts val="1001"/>
-              </a:spcBef>
               <a:buClr>
                 <a:srgbClr val="000000"/>
               </a:buClr>
-              <a:buFont typeface="Arial"/>
-              <a:buChar char="•"/>
+              <a:buFont typeface="Wingdings" charset="2"/>
+              <a:buChar char=""/>
             </a:pPr>
             <a:r>
-              <a:rPr b="0" lang="zh-CN" sz="2800" spc="-1" strike="noStrike">
+              <a:rPr lang="en-US" sz="2800" b="0" strike="noStrike" spc="-1" dirty="0">
                 <a:solidFill>
                   <a:srgbClr val="000000"/>
                 </a:solidFill>
                 <a:latin typeface="等线"/>
               </a:rPr>
-              <a:t>FimH+ </a:t>
-            </a:r>
-            <a:r>
-              <a:rPr b="0" i="1" lang="zh-CN" sz="2800" spc="-1" strike="noStrike">
+              <a:t>Nociceptor neurons has danger recognition receptors, and can response to danger as immune cells.</a:t>
+            </a:r>
+            <a:endParaRPr lang="en-US" sz="2800" b="0" strike="noStrike" spc="-1" dirty="0">
+              <a:latin typeface="Arial"/>
+            </a:endParaRPr>
+          </a:p>
+          <a:p>
+            <a:pPr marL="743040" lvl="1" indent="-285480">
+              <a:lnSpc>
+                <a:spcPct val="100000"/>
+              </a:lnSpc>
+              <a:buClr>
+                <a:srgbClr val="000000"/>
+              </a:buClr>
+              <a:buFont typeface="Wingdings" charset="2"/>
+              <a:buChar char=""/>
+            </a:pPr>
+            <a:r>
+              <a:rPr lang="en-US" sz="2000" b="0" strike="noStrike" spc="-1" dirty="0">
                 <a:solidFill>
                   <a:srgbClr val="000000"/>
                 </a:solidFill>
                 <a:latin typeface="等线"/>
               </a:rPr>
-              <a:t>E.coli </a:t>
-            </a:r>
-            <a:r>
-              <a:rPr b="0" lang="zh-CN" sz="2800" spc="-1" strike="noStrike">
+              <a:t>TRPV</a:t>
+            </a:r>
+            <a:endParaRPr lang="en-US" sz="2000" b="0" strike="noStrike" spc="-1" dirty="0">
+              <a:latin typeface="Arial"/>
+            </a:endParaRPr>
+          </a:p>
+          <a:p>
+            <a:pPr marL="743040" lvl="1" indent="-285480">
+              <a:lnSpc>
+                <a:spcPct val="100000"/>
+              </a:lnSpc>
+              <a:buClr>
+                <a:srgbClr val="000000"/>
+              </a:buClr>
+              <a:buFont typeface="Wingdings" charset="2"/>
+              <a:buChar char=""/>
+            </a:pPr>
+            <a:r>
+              <a:rPr lang="en-US" sz="2000" b="0" strike="noStrike" spc="-1" dirty="0">
                 <a:solidFill>
                   <a:srgbClr val="000000"/>
                 </a:solidFill>
                 <a:latin typeface="等线"/>
               </a:rPr>
-              <a:t>attachment suppresses differentiation of basal / intermediate cells</a:t>
-            </a:r>
-            <a:endParaRPr b="0" lang="zh-CN" sz="2800" spc="-1" strike="noStrike">
-              <a:solidFill>
-                <a:srgbClr val="000000"/>
-              </a:solidFill>
-              <a:latin typeface="等线"/>
-            </a:endParaRPr>
-          </a:p>
-          <a:p>
-            <a:pPr marL="228600" indent="-228240">
+              <a:t>TLRs</a:t>
+            </a:r>
+            <a:endParaRPr lang="en-US" sz="2000" b="0" strike="noStrike" spc="-1" dirty="0">
+              <a:latin typeface="Arial"/>
+            </a:endParaRPr>
+          </a:p>
+          <a:p>
+            <a:pPr marL="743040" lvl="1" indent="-285480">
               <a:lnSpc>
-                <a:spcPct val="90000"/>
+                <a:spcPct val="100000"/>
               </a:lnSpc>
-              <a:spcBef>
-                <a:spcPts val="1001"/>
-              </a:spcBef>
               <a:buClr>
                 <a:srgbClr val="000000"/>
               </a:buClr>
-              <a:buFont typeface="Arial"/>
-              <a:buChar char="•"/>
+              <a:buFont typeface="Wingdings" charset="2"/>
+              <a:buChar char=""/>
             </a:pPr>
             <a:r>
-              <a:rPr b="0" lang="zh-CN" sz="2800" spc="-1" strike="noStrike">
+              <a:rPr lang="en-US" sz="2000" b="0" strike="noStrike" spc="-1" dirty="0">
                 <a:solidFill>
                   <a:srgbClr val="000000"/>
                 </a:solidFill>
                 <a:latin typeface="等线"/>
               </a:rPr>
-              <a:t>Bmp4 </a:t>
-            </a:r>
-            <a:r>
-              <a:rPr b="0" lang="zh-CN" sz="2800" spc="-1" strike="noStrike">
-                <a:solidFill>
-                  <a:srgbClr val="000000"/>
-                </a:solidFill>
-                <a:latin typeface="Wingdings"/>
-              </a:rPr>
-              <a:t></a:t>
-            </a:r>
-            <a:r>
-              <a:rPr b="0" lang="zh-CN" sz="2800" spc="-1" strike="noStrike">
+              <a:t>p2x</a:t>
+            </a:r>
+            <a:endParaRPr lang="en-US" sz="2000" b="0" strike="noStrike" spc="-1" dirty="0">
+              <a:latin typeface="Arial"/>
+            </a:endParaRPr>
+          </a:p>
+          <a:p>
+            <a:pPr marL="743040" lvl="1" indent="-285480">
+              <a:lnSpc>
+                <a:spcPct val="100000"/>
+              </a:lnSpc>
+              <a:buClr>
+                <a:srgbClr val="000000"/>
+              </a:buClr>
+              <a:buFont typeface="Wingdings" charset="2"/>
+              <a:buChar char=""/>
+            </a:pPr>
+            <a:r>
+              <a:rPr lang="en-US" sz="2000" b="0" strike="noStrike" spc="-1" dirty="0">
                 <a:solidFill>
                   <a:srgbClr val="000000"/>
                 </a:solidFill>
                 <a:latin typeface="等线"/>
               </a:rPr>
-              <a:t> Bmp4Ia / </a:t>
-            </a:r>
-            <a:r>
-              <a:rPr b="0" lang="zh-CN" sz="2800" spc="-1" strike="noStrike">
-                <a:solidFill>
-                  <a:srgbClr val="bfbfbf"/>
-                </a:solidFill>
-                <a:latin typeface="等线"/>
-              </a:rPr>
-              <a:t>Bmp4Ib </a:t>
-            </a:r>
-            <a:r>
-              <a:rPr b="0" lang="zh-CN" sz="2800" spc="-1" strike="noStrike">
-                <a:solidFill>
-                  <a:srgbClr val="000000"/>
-                </a:solidFill>
-                <a:latin typeface="Wingdings"/>
-              </a:rPr>
-              <a:t></a:t>
-            </a:r>
-            <a:r>
-              <a:rPr b="0" lang="zh-CN" sz="2800" spc="-1" strike="noStrike">
+              <a:t>DAMP receptors</a:t>
+            </a:r>
+            <a:endParaRPr lang="en-US" sz="2000" b="0" strike="noStrike" spc="-1" dirty="0">
+              <a:latin typeface="Arial"/>
+            </a:endParaRPr>
+          </a:p>
+          <a:p>
+            <a:pPr marL="743040" lvl="1" indent="-285480">
+              <a:lnSpc>
+                <a:spcPct val="100000"/>
+              </a:lnSpc>
+              <a:buClr>
+                <a:srgbClr val="000000"/>
+              </a:buClr>
+              <a:buFont typeface="Wingdings" charset="2"/>
+              <a:buChar char=""/>
+            </a:pPr>
+            <a:r>
+              <a:rPr lang="en-US" sz="2000" b="0" strike="noStrike" spc="-1" dirty="0">
                 <a:solidFill>
                   <a:srgbClr val="000000"/>
                 </a:solidFill>
                 <a:latin typeface="等线"/>
               </a:rPr>
-              <a:t> phosphorylation Smad1 </a:t>
-            </a:r>
-            <a:r>
-              <a:rPr b="0" lang="zh-CN" sz="2800" spc="-1" strike="noStrike">
-                <a:solidFill>
-                  <a:srgbClr val="000000"/>
-                </a:solidFill>
-                <a:latin typeface="Wingdings"/>
-              </a:rPr>
-              <a:t></a:t>
-            </a:r>
-            <a:r>
-              <a:rPr b="0" lang="zh-CN" sz="2800" spc="-1" strike="noStrike">
+              <a:t>PRRs</a:t>
+            </a:r>
+            <a:endParaRPr lang="en-US" sz="2000" b="0" strike="noStrike" spc="-1" dirty="0">
+              <a:latin typeface="Arial"/>
+            </a:endParaRPr>
+          </a:p>
+          <a:p>
+            <a:pPr>
+              <a:lnSpc>
+                <a:spcPct val="100000"/>
+              </a:lnSpc>
+            </a:pPr>
+            <a:endParaRPr lang="en-US" sz="2000" b="0" strike="noStrike" spc="-1" dirty="0">
+              <a:latin typeface="Arial"/>
+            </a:endParaRPr>
+          </a:p>
+          <a:p>
+            <a:pPr marL="285840" indent="-285480">
+              <a:lnSpc>
+                <a:spcPct val="100000"/>
+              </a:lnSpc>
+              <a:buClr>
+                <a:srgbClr val="000000"/>
+              </a:buClr>
+              <a:buFont typeface="Wingdings" charset="2"/>
+              <a:buChar char=""/>
+            </a:pPr>
+            <a:r>
+              <a:rPr lang="en-US" sz="2800" b="0" strike="noStrike" spc="-1" dirty="0">
                 <a:solidFill>
                   <a:srgbClr val="000000"/>
                 </a:solidFill>
                 <a:latin typeface="等线"/>
               </a:rPr>
-              <a:t> promoter differentiation</a:t>
-            </a:r>
-            <a:endParaRPr b="0" lang="zh-CN" sz="2800" spc="-1" strike="noStrike">
-              <a:solidFill>
-                <a:srgbClr val="000000"/>
-              </a:solidFill>
-              <a:latin typeface="等线"/>
-            </a:endParaRPr>
-          </a:p>
-          <a:p>
-            <a:pPr lvl="1" marL="685800" indent="-228240">
+              <a:t> Sensory neuronal control innate and adaptive immunity</a:t>
+            </a:r>
+            <a:endParaRPr lang="en-US" sz="2800" b="0" strike="noStrike" spc="-1" dirty="0">
+              <a:latin typeface="Arial"/>
+            </a:endParaRPr>
+          </a:p>
+          <a:p>
+            <a:pPr marL="743040" lvl="1" indent="-285480">
               <a:lnSpc>
-                <a:spcPct val="90000"/>
+                <a:spcPct val="100000"/>
               </a:lnSpc>
-              <a:spcBef>
-                <a:spcPts val="499"/>
-              </a:spcBef>
               <a:buClr>
                 <a:srgbClr val="000000"/>
               </a:buClr>
-              <a:buFont typeface="Arial"/>
-              <a:buChar char="•"/>
+              <a:buFont typeface="Wingdings" charset="2"/>
+              <a:buChar char=""/>
             </a:pPr>
             <a:r>
-              <a:rPr b="0" lang="zh-CN" sz="2400" spc="-1" strike="noStrike">
+              <a:rPr lang="en-US" sz="2000" b="0" strike="noStrike" spc="-1" dirty="0">
                 <a:solidFill>
                   <a:srgbClr val="000000"/>
                 </a:solidFill>
                 <a:latin typeface="等线"/>
               </a:rPr>
-              <a:t>heparan sulfate D-glucosaminyl-3-O- sulfotransferase 1 (</a:t>
-            </a:r>
-            <a:r>
-              <a:rPr b="0" lang="zh-CN" sz="2400" spc="-1" strike="noStrike">
-                <a:solidFill>
-                  <a:srgbClr val="ff0000"/>
-                </a:solidFill>
-                <a:latin typeface="等线"/>
-              </a:rPr>
-              <a:t>3-Ost1</a:t>
-            </a:r>
-            <a:r>
-              <a:rPr b="0" lang="zh-CN" sz="2400" spc="-1" strike="noStrike">
+              <a:t>interact with mast cells, dendritic cells and neuropeptides induce degranulation or cytokine production in these cells. </a:t>
+            </a:r>
+            <a:endParaRPr lang="en-US" sz="2000" b="0" strike="noStrike" spc="-1" dirty="0">
+              <a:latin typeface="Arial"/>
+            </a:endParaRPr>
+          </a:p>
+          <a:p>
+            <a:pPr marL="743040" lvl="1" indent="-285480">
+              <a:lnSpc>
+                <a:spcPct val="100000"/>
+              </a:lnSpc>
+              <a:buClr>
+                <a:srgbClr val="000000"/>
+              </a:buClr>
+              <a:buFont typeface="Wingdings" charset="2"/>
+              <a:buChar char=""/>
+            </a:pPr>
+            <a:r>
+              <a:rPr lang="en-US" sz="2000" b="0" strike="noStrike" spc="-1" dirty="0">
                 <a:solidFill>
                   <a:srgbClr val="000000"/>
                 </a:solidFill>
                 <a:latin typeface="等线"/>
               </a:rPr>
-              <a:t>) binds to Bmp4</a:t>
-            </a:r>
-            <a:endParaRPr b="0" lang="zh-CN" sz="2400" spc="-1" strike="noStrike">
-              <a:solidFill>
-                <a:srgbClr val="000000"/>
-              </a:solidFill>
-              <a:latin typeface="等线"/>
-            </a:endParaRPr>
-          </a:p>
-          <a:p>
-            <a:pPr marL="228600" indent="-228240">
-              <a:lnSpc>
-                <a:spcPct val="90000"/>
-              </a:lnSpc>
-              <a:spcBef>
-                <a:spcPts val="1001"/>
-              </a:spcBef>
-              <a:buClr>
-                <a:srgbClr val="000000"/>
-              </a:buClr>
-              <a:buFont typeface="Arial"/>
-              <a:buChar char="•"/>
-            </a:pPr>
-            <a:r>
-              <a:rPr b="0" lang="zh-CN" sz="2800" spc="-1" strike="noStrike">
-                <a:solidFill>
-                  <a:srgbClr val="000000"/>
-                </a:solidFill>
-                <a:latin typeface="等线"/>
-              </a:rPr>
-              <a:t>Wnt5a </a:t>
-            </a:r>
-            <a:r>
-              <a:rPr b="0" lang="zh-CN" sz="2800" spc="-1" strike="noStrike">
-                <a:solidFill>
-                  <a:srgbClr val="000000"/>
-                </a:solidFill>
-                <a:latin typeface="Wingdings"/>
-              </a:rPr>
-              <a:t></a:t>
-            </a:r>
-            <a:r>
-              <a:rPr b="0" lang="zh-CN" sz="2800" spc="-1" strike="noStrike">
-                <a:solidFill>
-                  <a:srgbClr val="000000"/>
-                </a:solidFill>
-                <a:latin typeface="等线"/>
-              </a:rPr>
-              <a:t> Fz(3/4/6) receptors </a:t>
-            </a:r>
-            <a:r>
-              <a:rPr b="0" lang="zh-CN" sz="2800" spc="-1" strike="noStrike">
-                <a:solidFill>
-                  <a:srgbClr val="000000"/>
-                </a:solidFill>
-                <a:latin typeface="Wingdings"/>
-              </a:rPr>
-              <a:t></a:t>
-            </a:r>
-            <a:r>
-              <a:rPr b="0" lang="zh-CN" sz="2800" spc="-1" strike="noStrike">
-                <a:solidFill>
-                  <a:srgbClr val="000000"/>
-                </a:solidFill>
-                <a:latin typeface="等线"/>
-              </a:rPr>
-              <a:t> incresase intracellular Ca</a:t>
-            </a:r>
-            <a:r>
-              <a:rPr b="0" lang="zh-CN" sz="2800" spc="-1" strike="noStrike" baseline="30000">
-                <a:solidFill>
-                  <a:srgbClr val="000000"/>
-                </a:solidFill>
-                <a:latin typeface="等线"/>
-              </a:rPr>
-              <a:t>2+</a:t>
-            </a:r>
-            <a:r>
-              <a:rPr b="0" lang="zh-CN" sz="2800" spc="-1" strike="noStrike">
-                <a:solidFill>
-                  <a:srgbClr val="000000"/>
-                </a:solidFill>
-                <a:latin typeface="等线"/>
-              </a:rPr>
-              <a:t> </a:t>
-            </a:r>
-            <a:r>
-              <a:rPr b="0" lang="zh-CN" sz="2800" spc="-1" strike="noStrike">
-                <a:solidFill>
-                  <a:srgbClr val="000000"/>
-                </a:solidFill>
-                <a:latin typeface="Wingdings"/>
-              </a:rPr>
-              <a:t></a:t>
-            </a:r>
-            <a:r>
-              <a:rPr b="0" lang="zh-CN" sz="2800" spc="-1" strike="noStrike">
-                <a:solidFill>
-                  <a:srgbClr val="000000"/>
-                </a:solidFill>
-                <a:latin typeface="等线"/>
-              </a:rPr>
-              <a:t> activate Ca</a:t>
-            </a:r>
-            <a:r>
-              <a:rPr b="0" lang="zh-CN" sz="2800" spc="-1" strike="noStrike" baseline="30000">
-                <a:solidFill>
-                  <a:srgbClr val="000000"/>
-                </a:solidFill>
-                <a:latin typeface="等线"/>
-              </a:rPr>
-              <a:t>2+</a:t>
-            </a:r>
-            <a:r>
-              <a:rPr b="0" lang="zh-CN" sz="2800" spc="-1" strike="noStrike">
-                <a:solidFill>
-                  <a:srgbClr val="000000"/>
-                </a:solidFill>
-                <a:latin typeface="等线"/>
-              </a:rPr>
-              <a:t> dependent kinase CamKII </a:t>
-            </a:r>
-            <a:r>
-              <a:rPr b="0" lang="zh-CN" sz="2800" spc="-1" strike="noStrike">
-                <a:solidFill>
-                  <a:srgbClr val="000000"/>
-                </a:solidFill>
-                <a:latin typeface="Wingdings"/>
-              </a:rPr>
-              <a:t></a:t>
-            </a:r>
-            <a:r>
-              <a:rPr b="0" lang="zh-CN" sz="2800" spc="-1" strike="noStrike">
-                <a:solidFill>
-                  <a:srgbClr val="000000"/>
-                </a:solidFill>
-                <a:latin typeface="等线"/>
-              </a:rPr>
-              <a:t> promotor cell differentiation</a:t>
-            </a:r>
-            <a:endParaRPr b="0" lang="zh-CN" sz="2800" spc="-1" strike="noStrike">
-              <a:solidFill>
-                <a:srgbClr val="000000"/>
-              </a:solidFill>
-              <a:latin typeface="等线"/>
-            </a:endParaRPr>
-          </a:p>
-          <a:p>
-            <a:pPr marL="228600" indent="-228240">
-              <a:lnSpc>
-                <a:spcPct val="90000"/>
-              </a:lnSpc>
-              <a:spcBef>
-                <a:spcPts val="1001"/>
-              </a:spcBef>
-              <a:buClr>
-                <a:srgbClr val="000000"/>
-              </a:buClr>
-              <a:buFont typeface="Arial"/>
-              <a:buChar char="•"/>
-            </a:pPr>
-            <a:r>
-              <a:rPr b="0" lang="zh-CN" sz="2800" spc="-1" strike="noStrike">
-                <a:solidFill>
-                  <a:srgbClr val="000000"/>
-                </a:solidFill>
-                <a:latin typeface="等线"/>
-              </a:rPr>
-              <a:t>delta-like 1 (Dll1) </a:t>
-            </a:r>
-            <a:r>
-              <a:rPr b="0" lang="zh-CN" sz="2800" spc="-1" strike="noStrike">
-                <a:solidFill>
-                  <a:srgbClr val="000000"/>
-                </a:solidFill>
-                <a:latin typeface="Wingdings"/>
-              </a:rPr>
-              <a:t></a:t>
-            </a:r>
-            <a:r>
-              <a:rPr b="0" lang="zh-CN" sz="2800" spc="-1" strike="noStrike">
-                <a:solidFill>
-                  <a:srgbClr val="000000"/>
-                </a:solidFill>
-                <a:latin typeface="等线"/>
-              </a:rPr>
-              <a:t> Notch receptors </a:t>
-            </a:r>
-            <a:r>
-              <a:rPr b="0" lang="zh-CN" sz="2800" spc="-1" strike="noStrike">
-                <a:solidFill>
-                  <a:srgbClr val="000000"/>
-                </a:solidFill>
-                <a:latin typeface="Wingdings"/>
-              </a:rPr>
-              <a:t></a:t>
-            </a:r>
-            <a:r>
-              <a:rPr b="0" lang="zh-CN" sz="2800" spc="-1" strike="noStrike">
-                <a:solidFill>
-                  <a:srgbClr val="000000"/>
-                </a:solidFill>
-                <a:latin typeface="等线"/>
-              </a:rPr>
-              <a:t> negatively regulate cell differentiation</a:t>
-            </a:r>
-            <a:endParaRPr b="0" lang="zh-CN" sz="2800" spc="-1" strike="noStrike">
-              <a:solidFill>
-                <a:srgbClr val="000000"/>
-              </a:solidFill>
-              <a:latin typeface="等线"/>
+              <a:t>mediators released from sensory neurons – neuropeptides, chemokines and glutamate – are chemotactic (neutrophils, eosinophils, macrophage, T cell, leukocytes)</a:t>
+            </a:r>
+            <a:endParaRPr lang="en-US" sz="2000" b="0" strike="noStrike" spc="-1" dirty="0">
+              <a:latin typeface="Arial"/>
             </a:endParaRPr>
           </a:p>
           <a:p>
             <a:pPr>
               <a:lnSpc>
-                <a:spcPct val="90000"/>
+                <a:spcPct val="100000"/>
               </a:lnSpc>
-              <a:spcBef>
-                <a:spcPts val="1001"/>
-              </a:spcBef>
             </a:pPr>
-            <a:endParaRPr b="0" lang="zh-CN" sz="2800" spc="-1" strike="noStrike">
-              <a:solidFill>
-                <a:srgbClr val="000000"/>
-              </a:solidFill>
-              <a:latin typeface="等线"/>
+            <a:endParaRPr lang="en-US" sz="2000" b="0" strike="noStrike" spc="-1" dirty="0">
+              <a:latin typeface="Arial"/>
             </a:endParaRPr>
           </a:p>
           <a:p>
             <a:pPr>
               <a:lnSpc>
-                <a:spcPct val="90000"/>
-              </a:lnSpc>
-              <a:spcBef>
-                <a:spcPts val="1001"/>
-              </a:spcBef>
-            </a:pPr>
-            <a:endParaRPr b="0" lang="zh-CN" sz="2800" spc="-1" strike="noStrike">
-              <a:solidFill>
-                <a:srgbClr val="000000"/>
-              </a:solidFill>
-              <a:latin typeface="等线"/>
-            </a:endParaRPr>
-          </a:p>
-        </p:txBody>
-      </p:sp>
-      <p:sp>
-        <p:nvSpPr>
-          <p:cNvPr id="94" name="CustomShape 2"/>
-          <p:cNvSpPr/>
-          <p:nvPr/>
-        </p:nvSpPr>
-        <p:spPr>
-          <a:xfrm>
-            <a:off x="838080" y="49680"/>
-            <a:ext cx="10515240" cy="1328400"/>
-          </a:xfrm>
-          <a:prstGeom prst="rect">
-            <a:avLst/>
-          </a:prstGeom>
-          <a:noFill/>
-          <a:ln>
-            <a:noFill/>
-          </a:ln>
-        </p:spPr>
-        <p:style>
-          <a:lnRef idx="0"/>
-          <a:fillRef idx="0"/>
-          <a:effectRef idx="0"/>
-          <a:fontRef idx="minor"/>
-        </p:style>
-      </p:sp>
-      <p:sp>
-        <p:nvSpPr>
-          <p:cNvPr id="95" name="CustomShape 3"/>
-          <p:cNvSpPr/>
-          <p:nvPr/>
-        </p:nvSpPr>
-        <p:spPr>
-          <a:xfrm>
-            <a:off x="689040" y="519840"/>
-            <a:ext cx="10515240" cy="1325160"/>
-          </a:xfrm>
-          <a:prstGeom prst="rect">
-            <a:avLst/>
-          </a:prstGeom>
-          <a:noFill/>
-          <a:ln>
-            <a:noFill/>
-          </a:ln>
-        </p:spPr>
-        <p:style>
-          <a:lnRef idx="0"/>
-          <a:fillRef idx="0"/>
-          <a:effectRef idx="0"/>
-          <a:fontRef idx="minor"/>
-        </p:style>
-      </p:sp>
-      <p:sp>
-        <p:nvSpPr>
-          <p:cNvPr id="96" name="TextShape 4"/>
-          <p:cNvSpPr txBox="1"/>
-          <p:nvPr/>
-        </p:nvSpPr>
-        <p:spPr>
-          <a:xfrm>
-            <a:off x="838080" y="365040"/>
-            <a:ext cx="10515240" cy="1325160"/>
-          </a:xfrm>
-          <a:prstGeom prst="rect">
-            <a:avLst/>
-          </a:prstGeom>
-          <a:noFill/>
-          <a:ln>
-            <a:noFill/>
-          </a:ln>
-        </p:spPr>
-        <p:txBody>
-          <a:bodyPr anchor="ctr"/>
-          <a:p>
-            <a:pPr>
-              <a:lnSpc>
-                <a:spcPct val="90000"/>
+                <a:spcPct val="100000"/>
               </a:lnSpc>
             </a:pPr>
-            <a:r>
-              <a:rPr b="0" lang="zh-CN" sz="4400" spc="-1" strike="noStrike">
-                <a:solidFill>
-                  <a:srgbClr val="000000"/>
-                </a:solidFill>
-                <a:latin typeface="等线 Light"/>
-              </a:rPr>
-              <a:t>Differentiation</a:t>
-            </a:r>
-            <a:endParaRPr b="0" lang="zh-CN" sz="4400" spc="-1" strike="noStrike">
-              <a:solidFill>
-                <a:srgbClr val="000000"/>
-              </a:solidFill>
-              <a:latin typeface="等线"/>
+            <a:endParaRPr lang="en-US" sz="2000" b="0" strike="noStrike" spc="-1" dirty="0">
+              <a:latin typeface="Arial"/>
             </a:endParaRPr>
           </a:p>
         </p:txBody>
       </p:sp>
     </p:spTree>
   </p:cSld>
+  <p:clrMapOvr>
+    <a:masterClrMapping/>
+  </p:clrMapOvr>
   <p:timing>
     <p:tnLst>
       <p:par>
-        <p:cTn id="7" dur="indefinite" restart="never" nodeType="tmRoot">
+        <p:cTn id="1" dur="indefinite" restart="never" nodeType="tmRoot">
           <p:childTnLst>
             <p:seq>
-              <p:cTn id="8" dur="indefinite" nodeType="mainSeq"/>
+              <p:cTn id="2" dur="indefinite" nodeType="mainSeq"/>
               <p:prevCondLst>
-                <p:cond delay="0" evt="onPrev">
+                <p:cond evt="onPrev" delay="0">
                   <p:tgtEl>
                     <p:sldTgt/>
                   </p:tgtEl>
                 </p:cond>
               </p:prevCondLst>
               <p:nextCondLst>
-                <p:cond delay="0" evt="onNext">
+                <p:cond evt="onNext" delay="0">
                   <p:tgtEl>
                     <p:sldTgt/>
                   </p:tgtEl>
@@ -5592,8 +8163,8 @@
 </p:sld>
 </file>
 
-<file path=ppt/slides/slide5.xml><?xml version="1.0" encoding="utf-8"?>
-<p:sld xmlns:a="http://schemas.openxmlformats.org/drawingml/2006/main" xmlns:p="http://schemas.openxmlformats.org/presentationml/2006/main" xmlns:r="http://schemas.openxmlformats.org/officeDocument/2006/relationships" xmlns:p14="http://schemas.microsoft.com/office/powerpoint/2010/main" xmlns:p15="http://schemas.microsoft.com/office/powerpoint/2012/main" xmlns:mc="http://schemas.openxmlformats.org/markup-compatibility/2006">
+<file path=ppt/slides/slide8.xml><?xml version="1.0" encoding="utf-8"?>
+<p:sld xmlns:a="http://schemas.openxmlformats.org/drawingml/2006/main" xmlns:r="http://schemas.openxmlformats.org/officeDocument/2006/relationships" xmlns:p="http://schemas.openxmlformats.org/presentationml/2006/main">
   <p:cSld>
     <p:spTree>
       <p:nvGrpSpPr>
@@ -5611,7 +8182,7 @@
       </p:grpSpPr>
       <p:sp>
         <p:nvSpPr>
-          <p:cNvPr id="97" name="TextShape 1"/>
+          <p:cNvPr id="112" name="TextShape 1"/>
           <p:cNvSpPr txBox="1"/>
           <p:nvPr/>
         </p:nvSpPr>
@@ -5630,22 +8201,9 @@
         </p:spPr>
         <p:txBody>
           <a:bodyPr anchor="ctr"/>
-          <a:p>
-            <a:pPr>
-              <a:lnSpc>
-                <a:spcPct val="90000"/>
-              </a:lnSpc>
-            </a:pPr>
-            <a:r>
-              <a:rPr b="0" lang="zh-CN" sz="4400" spc="-1" strike="noStrike">
-                <a:solidFill>
-                  <a:srgbClr val="000000"/>
-                </a:solidFill>
-                <a:latin typeface="等线 Light"/>
-              </a:rPr>
-              <a:t>Proliferation, early response, Pro-inflammatory</a:t>
-            </a:r>
-            <a:endParaRPr b="0" lang="zh-CN" sz="4400" spc="-1" strike="noStrike">
+          <a:lstStyle/>
+          <a:p>
+            <a:endParaRPr lang="zh-CN" sz="1800" b="0" strike="noStrike" spc="-1">
               <a:solidFill>
                 <a:srgbClr val="000000"/>
               </a:solidFill>
@@ -5654,289 +8212,50 @@
           </a:p>
         </p:txBody>
       </p:sp>
-      <p:sp>
-        <p:nvSpPr>
-          <p:cNvPr id="98" name="TextShape 2"/>
-          <p:cNvSpPr txBox="1"/>
+      <p:pic>
+        <p:nvPicPr>
+          <p:cNvPr id="113" name="图片 112"/>
+          <p:cNvPicPr/>
           <p:nvPr/>
-        </p:nvSpPr>
-        <p:spPr>
-          <a:xfrm>
-            <a:off x="838080" y="1825560"/>
-            <a:ext cx="10515240" cy="4350960"/>
-          </a:xfrm>
-          <a:prstGeom prst="rect">
-            <a:avLst/>
-          </a:prstGeom>
-          <a:noFill/>
+        </p:nvPicPr>
+        <p:blipFill>
+          <a:blip r:embed="rId2"/>
+          <a:stretch/>
+        </p:blipFill>
+        <p:spPr>
+          <a:xfrm>
+            <a:off x="-4680" y="1272960"/>
+            <a:ext cx="12191760" cy="4296960"/>
+          </a:xfrm>
+          <a:prstGeom prst="rect">
+            <a:avLst/>
+          </a:prstGeom>
           <a:ln>
             <a:noFill/>
           </a:ln>
         </p:spPr>
-        <p:txBody>
-          <a:bodyPr>
-            <a:normAutofit/>
-          </a:bodyPr>
-          <a:p>
-            <a:pPr marL="228600" indent="-228240">
-              <a:lnSpc>
-                <a:spcPct val="90000"/>
-              </a:lnSpc>
-              <a:spcBef>
-                <a:spcPts val="1001"/>
-              </a:spcBef>
-              <a:buClr>
-                <a:srgbClr val="000000"/>
-              </a:buClr>
-              <a:buFont typeface="Arial"/>
-              <a:buChar char="•"/>
-            </a:pPr>
-            <a:r>
-              <a:rPr b="0" lang="zh-CN" sz="2800" spc="-1" strike="noStrike">
-                <a:solidFill>
-                  <a:srgbClr val="000000"/>
-                </a:solidFill>
-                <a:latin typeface="等线"/>
-              </a:rPr>
-              <a:t>FimH+ E.coli infection activation series of genes involved in immediate early response  </a:t>
-            </a:r>
-            <a:endParaRPr b="0" lang="zh-CN" sz="2800" spc="-1" strike="noStrike">
-              <a:solidFill>
-                <a:srgbClr val="000000"/>
-              </a:solidFill>
-              <a:latin typeface="等线"/>
-            </a:endParaRPr>
-          </a:p>
-          <a:p>
-            <a:pPr lvl="1" marL="685800" indent="-228240">
-              <a:lnSpc>
-                <a:spcPct val="90000"/>
-              </a:lnSpc>
-              <a:spcBef>
-                <a:spcPts val="499"/>
-              </a:spcBef>
-              <a:buClr>
-                <a:srgbClr val="000000"/>
-              </a:buClr>
-              <a:buFont typeface="Arial"/>
-              <a:buChar char="•"/>
-            </a:pPr>
-            <a:r>
-              <a:rPr b="0" lang="zh-CN" sz="2400" spc="-1" strike="noStrike">
-                <a:solidFill>
-                  <a:srgbClr val="000000"/>
-                </a:solidFill>
-                <a:latin typeface="等线"/>
-              </a:rPr>
-              <a:t>Elf3 : epithelial specific member of the ETS transcription factor family, activate number of genes involved differentiation</a:t>
-            </a:r>
-            <a:endParaRPr b="0" lang="zh-CN" sz="2400" spc="-1" strike="noStrike">
-              <a:solidFill>
-                <a:srgbClr val="000000"/>
-              </a:solidFill>
-              <a:latin typeface="等线"/>
-            </a:endParaRPr>
-          </a:p>
-          <a:p>
-            <a:pPr lvl="1" marL="685800" indent="-228240">
-              <a:lnSpc>
-                <a:spcPct val="90000"/>
-              </a:lnSpc>
-              <a:spcBef>
-                <a:spcPts val="499"/>
-              </a:spcBef>
-              <a:buClr>
-                <a:srgbClr val="000000"/>
-              </a:buClr>
-              <a:buFont typeface="Arial"/>
-              <a:buChar char="•"/>
-            </a:pPr>
-            <a:r>
-              <a:rPr b="0" lang="zh-CN" sz="2400" spc="-1" strike="noStrike">
-                <a:solidFill>
-                  <a:srgbClr val="000000"/>
-                </a:solidFill>
-                <a:latin typeface="等线"/>
-              </a:rPr>
-              <a:t>iNOS  (Elf3 target)</a:t>
-            </a:r>
-            <a:endParaRPr b="0" lang="zh-CN" sz="2400" spc="-1" strike="noStrike">
-              <a:solidFill>
-                <a:srgbClr val="000000"/>
-              </a:solidFill>
-              <a:latin typeface="等线"/>
-            </a:endParaRPr>
-          </a:p>
-          <a:p>
-            <a:pPr lvl="1" marL="685800" indent="-228240">
-              <a:lnSpc>
-                <a:spcPct val="90000"/>
-              </a:lnSpc>
-              <a:spcBef>
-                <a:spcPts val="499"/>
-              </a:spcBef>
-              <a:buClr>
-                <a:srgbClr val="000000"/>
-              </a:buClr>
-              <a:buFont typeface="Arial"/>
-              <a:buChar char="•"/>
-            </a:pPr>
-            <a:r>
-              <a:rPr b="0" lang="zh-CN" sz="2400" spc="-1" strike="noStrike">
-                <a:solidFill>
-                  <a:srgbClr val="000000"/>
-                </a:solidFill>
-                <a:latin typeface="等线"/>
-              </a:rPr>
-              <a:t>HB-EGF</a:t>
-            </a:r>
-            <a:endParaRPr b="0" lang="zh-CN" sz="2400" spc="-1" strike="noStrike">
-              <a:solidFill>
-                <a:srgbClr val="000000"/>
-              </a:solidFill>
-              <a:latin typeface="等线"/>
-            </a:endParaRPr>
-          </a:p>
-          <a:p>
-            <a:pPr lvl="1" marL="685800" indent="-228240">
-              <a:lnSpc>
-                <a:spcPct val="90000"/>
-              </a:lnSpc>
-              <a:spcBef>
-                <a:spcPts val="499"/>
-              </a:spcBef>
-              <a:buClr>
-                <a:srgbClr val="000000"/>
-              </a:buClr>
-              <a:buFont typeface="Arial"/>
-              <a:buChar char="•"/>
-            </a:pPr>
-            <a:r>
-              <a:rPr b="0" lang="zh-CN" sz="2400" spc="-1" strike="noStrike">
-                <a:solidFill>
-                  <a:srgbClr val="000000"/>
-                </a:solidFill>
-                <a:latin typeface="等线"/>
-              </a:rPr>
-              <a:t>Mip-2 (human IL-8), chemoattractant for neutrophils</a:t>
-            </a:r>
-            <a:endParaRPr b="0" lang="zh-CN" sz="2400" spc="-1" strike="noStrike">
-              <a:solidFill>
-                <a:srgbClr val="000000"/>
-              </a:solidFill>
-              <a:latin typeface="等线"/>
-            </a:endParaRPr>
-          </a:p>
-          <a:p>
-            <a:pPr lvl="1" marL="685800" indent="-228240">
-              <a:lnSpc>
-                <a:spcPct val="90000"/>
-              </a:lnSpc>
-              <a:spcBef>
-                <a:spcPts val="499"/>
-              </a:spcBef>
-              <a:buClr>
-                <a:srgbClr val="000000"/>
-              </a:buClr>
-              <a:buFont typeface="Arial"/>
-              <a:buChar char="•"/>
-            </a:pPr>
-            <a:r>
-              <a:rPr b="0" lang="zh-CN" sz="2400" spc="-1" strike="noStrike">
-                <a:solidFill>
-                  <a:srgbClr val="000000"/>
-                </a:solidFill>
-                <a:latin typeface="等线"/>
-              </a:rPr>
-              <a:t>Cebpb</a:t>
-            </a:r>
-            <a:endParaRPr b="0" lang="zh-CN" sz="2400" spc="-1" strike="noStrike">
-              <a:solidFill>
-                <a:srgbClr val="000000"/>
-              </a:solidFill>
-              <a:latin typeface="等线"/>
-            </a:endParaRPr>
-          </a:p>
-          <a:p>
-            <a:pPr lvl="1" marL="685800" indent="-228240">
-              <a:lnSpc>
-                <a:spcPct val="90000"/>
-              </a:lnSpc>
-              <a:spcBef>
-                <a:spcPts val="499"/>
-              </a:spcBef>
-              <a:buClr>
-                <a:srgbClr val="000000"/>
-              </a:buClr>
-              <a:buFont typeface="Arial"/>
-              <a:buChar char="•"/>
-            </a:pPr>
-            <a:r>
-              <a:rPr b="0" lang="zh-CN" sz="2400" spc="-1" strike="noStrike">
-                <a:solidFill>
-                  <a:srgbClr val="000000"/>
-                </a:solidFill>
-                <a:latin typeface="等线"/>
-              </a:rPr>
-              <a:t>Bcl3</a:t>
-            </a:r>
-            <a:endParaRPr b="0" lang="zh-CN" sz="2400" spc="-1" strike="noStrike">
-              <a:solidFill>
-                <a:srgbClr val="000000"/>
-              </a:solidFill>
-              <a:latin typeface="等线"/>
-            </a:endParaRPr>
-          </a:p>
-          <a:p>
-            <a:pPr lvl="1" marL="685800" indent="-228240">
-              <a:lnSpc>
-                <a:spcPct val="90000"/>
-              </a:lnSpc>
-              <a:spcBef>
-                <a:spcPts val="499"/>
-              </a:spcBef>
-              <a:buClr>
-                <a:srgbClr val="000000"/>
-              </a:buClr>
-              <a:buFont typeface="Arial"/>
-              <a:buChar char="•"/>
-            </a:pPr>
-            <a:r>
-              <a:rPr b="0" lang="zh-CN" sz="2400" spc="-1" strike="noStrike">
-                <a:solidFill>
-                  <a:srgbClr val="000000"/>
-                </a:solidFill>
-                <a:latin typeface="等线"/>
-              </a:rPr>
-              <a:t>Socs3</a:t>
-            </a:r>
-            <a:endParaRPr b="0" lang="zh-CN" sz="2400" spc="-1" strike="noStrike">
-              <a:solidFill>
-                <a:srgbClr val="000000"/>
-              </a:solidFill>
-              <a:latin typeface="等线"/>
-            </a:endParaRPr>
-          </a:p>
-        </p:txBody>
-      </p:sp>
+      </p:pic>
     </p:spTree>
   </p:cSld>
+  <p:clrMapOvr>
+    <a:masterClrMapping/>
+  </p:clrMapOvr>
   <p:timing>
     <p:tnLst>
       <p:par>
-        <p:cTn id="9" dur="indefinite" restart="never" nodeType="tmRoot">
+        <p:cTn id="1" dur="indefinite" restart="never" nodeType="tmRoot">
           <p:childTnLst>
             <p:seq>
-              <p:cTn id="10" dur="indefinite" nodeType="mainSeq"/>
+              <p:cTn id="2" dur="indefinite" nodeType="mainSeq"/>
               <p:prevCondLst>
-                <p:cond delay="0" evt="onPrev">
+                <p:cond evt="onPrev" delay="0">
                   <p:tgtEl>
                     <p:sldTgt/>
                   </p:tgtEl>
                 </p:cond>
               </p:prevCondLst>
               <p:nextCondLst>
-                <p:cond delay="0" evt="onNext">
+                <p:cond evt="onNext" delay="0">
                   <p:tgtEl>
                     <p:sldTgt/>
                   </p:tgtEl>
@@ -5951,8 +8270,8 @@
 </p:sld>
 </file>
 
-<file path=ppt/slides/slide6.xml><?xml version="1.0" encoding="utf-8"?>
-<p:sld xmlns:a="http://schemas.openxmlformats.org/drawingml/2006/main" xmlns:p="http://schemas.openxmlformats.org/presentationml/2006/main" xmlns:r="http://schemas.openxmlformats.org/officeDocument/2006/relationships" xmlns:p14="http://schemas.microsoft.com/office/powerpoint/2010/main" xmlns:p15="http://schemas.microsoft.com/office/powerpoint/2012/main" xmlns:mc="http://schemas.openxmlformats.org/markup-compatibility/2006">
+<file path=ppt/slides/slide9.xml><?xml version="1.0" encoding="utf-8"?>
+<p:sld xmlns:a="http://schemas.openxmlformats.org/drawingml/2006/main" xmlns:r="http://schemas.openxmlformats.org/officeDocument/2006/relationships" xmlns:p="http://schemas.openxmlformats.org/presentationml/2006/main">
   <p:cSld>
     <p:spTree>
       <p:nvGrpSpPr>
@@ -5970,830 +8289,145 @@
       </p:grpSpPr>
       <p:sp>
         <p:nvSpPr>
-          <p:cNvPr id="99" name="TextShape 1"/>
-          <p:cNvSpPr txBox="1"/>
-          <p:nvPr/>
-        </p:nvSpPr>
-        <p:spPr>
-          <a:xfrm>
-            <a:off x="838080" y="365040"/>
-            <a:ext cx="10515240" cy="1325160"/>
-          </a:xfrm>
-          <a:prstGeom prst="rect">
-            <a:avLst/>
-          </a:prstGeom>
-          <a:noFill/>
-          <a:ln>
-            <a:noFill/>
-          </a:ln>
-        </p:spPr>
-        <p:txBody>
-          <a:bodyPr anchor="ctr"/>
-          <a:p>
-            <a:endParaRPr b="0" lang="zh-CN" sz="1800" spc="-1" strike="noStrike">
-              <a:solidFill>
-                <a:srgbClr val="000000"/>
-              </a:solidFill>
-              <a:latin typeface="等线"/>
-            </a:endParaRPr>
-          </a:p>
-        </p:txBody>
-      </p:sp>
-      <p:pic>
-        <p:nvPicPr>
-          <p:cNvPr id="100" name="内容占位符 3" descr=""/>
-          <p:cNvPicPr/>
-          <p:nvPr/>
-        </p:nvPicPr>
-        <p:blipFill>
-          <a:blip r:embed="rId1"/>
-          <a:stretch/>
-        </p:blipFill>
-        <p:spPr>
-          <a:xfrm>
-            <a:off x="1013040" y="1825560"/>
-            <a:ext cx="10165320" cy="4350960"/>
-          </a:xfrm>
-          <a:prstGeom prst="rect">
-            <a:avLst/>
-          </a:prstGeom>
-          <a:ln>
-            <a:noFill/>
-          </a:ln>
-        </p:spPr>
-      </p:pic>
+          <p:cNvPr id="3" name="副标题 2"/>
+          <p:cNvSpPr>
+            <a:spLocks noGrp="1"/>
+          </p:cNvSpPr>
+          <p:nvPr>
+            <p:ph type="subTitle"/>
+          </p:nvPr>
+        </p:nvSpPr>
+        <p:spPr>
+          <a:xfrm>
+            <a:off x="838080" y="558800"/>
+            <a:ext cx="10515240" cy="6299200"/>
+          </a:xfrm>
+        </p:spPr>
+        <p:txBody>
+          <a:bodyPr/>
+          <a:lstStyle/>
+          <a:p>
+            <a:r>
+              <a:rPr lang="en-US" altLang="zh-CN" dirty="0" smtClean="0"/>
+              <a:t>α-</a:t>
+            </a:r>
+            <a:r>
+              <a:rPr lang="en-US" altLang="zh-CN" dirty="0" err="1" smtClean="0"/>
+              <a:t>haemolysin</a:t>
+            </a:r>
+            <a:r>
+              <a:rPr lang="en-US" altLang="zh-CN" dirty="0" smtClean="0"/>
+              <a:t> activate nociceptors neurons by binding to A </a:t>
+            </a:r>
+            <a:r>
+              <a:rPr lang="en-US" altLang="zh-CN" dirty="0" err="1" smtClean="0"/>
+              <a:t>disintegrin</a:t>
+            </a:r>
+            <a:r>
+              <a:rPr lang="en-US" altLang="zh-CN" dirty="0" smtClean="0"/>
+              <a:t> and metalloprotease 10</a:t>
+            </a:r>
+          </a:p>
+          <a:p>
+            <a:r>
+              <a:rPr lang="en-US" altLang="zh-CN" dirty="0" smtClean="0"/>
+              <a:t>Formyl peptides induce calcium flux of DRG</a:t>
+            </a:r>
+          </a:p>
+          <a:p>
+            <a:endParaRPr lang="en-US" altLang="zh-CN" dirty="0"/>
+          </a:p>
+          <a:p>
+            <a:r>
+              <a:rPr lang="en-US" altLang="zh-CN" dirty="0" smtClean="0"/>
+              <a:t>Granulocytes near DRG </a:t>
+            </a:r>
+            <a:r>
+              <a:rPr lang="en-US" altLang="zh-CN" dirty="0" err="1" smtClean="0"/>
+              <a:t>fibres</a:t>
+            </a:r>
+            <a:r>
+              <a:rPr lang="en-US" altLang="zh-CN" dirty="0" smtClean="0"/>
+              <a:t> after infection</a:t>
+            </a:r>
+          </a:p>
+          <a:p>
+            <a:r>
+              <a:rPr lang="en-US" altLang="zh-CN" dirty="0" smtClean="0"/>
+              <a:t>Nav1.8 deleted mice showed increased infiltration of neutrophils / monocyte at infection sites</a:t>
+            </a:r>
+          </a:p>
+          <a:p>
+            <a:r>
+              <a:rPr lang="en-US" altLang="zh-CN" dirty="0" smtClean="0"/>
+              <a:t>Nav1.8 deleted mice lymph node size increased </a:t>
+            </a:r>
+          </a:p>
+          <a:p>
+            <a:r>
+              <a:rPr lang="en-US" altLang="zh-CN" dirty="0" smtClean="0"/>
+              <a:t>CGRP, </a:t>
+            </a:r>
+            <a:r>
+              <a:rPr lang="en-US" altLang="zh-CN" dirty="0" err="1" smtClean="0"/>
+              <a:t>galanin</a:t>
+            </a:r>
+            <a:r>
+              <a:rPr lang="en-US" altLang="zh-CN" dirty="0" smtClean="0"/>
+              <a:t> and </a:t>
+            </a:r>
+            <a:r>
+              <a:rPr lang="en-US" altLang="zh-CN" dirty="0" err="1" smtClean="0"/>
+              <a:t>somatostain</a:t>
+            </a:r>
+            <a:r>
+              <a:rPr lang="en-US" altLang="zh-CN" dirty="0" smtClean="0"/>
+              <a:t> receptors highly expressed in neutrophils, monocytes and macrophages</a:t>
+            </a:r>
+          </a:p>
+          <a:p>
+            <a:r>
+              <a:rPr lang="en-US" altLang="zh-CN" dirty="0" smtClean="0"/>
+              <a:t>CGRP, </a:t>
+            </a:r>
+            <a:r>
+              <a:rPr lang="en-US" altLang="zh-CN" dirty="0" err="1" smtClean="0"/>
+              <a:t>galanin</a:t>
+            </a:r>
+            <a:r>
+              <a:rPr lang="en-US" altLang="zh-CN" dirty="0" smtClean="0"/>
+              <a:t> and </a:t>
+            </a:r>
+            <a:r>
+              <a:rPr lang="en-US" altLang="zh-CN" dirty="0" err="1" smtClean="0"/>
+              <a:t>somatostain</a:t>
+            </a:r>
+            <a:r>
+              <a:rPr lang="en-US" altLang="zh-CN" dirty="0" smtClean="0"/>
+              <a:t> all suppress TNF-α release from macrophages after infection</a:t>
+            </a:r>
+          </a:p>
+          <a:p>
+            <a:r>
+              <a:rPr lang="en-US" altLang="zh-CN" dirty="0" smtClean="0"/>
+              <a:t>CGRP injection suppress lymph node size after infection, but didn’t alter inflammation</a:t>
+            </a:r>
+          </a:p>
+          <a:p>
+            <a:endParaRPr lang="en-US" altLang="zh-CN" dirty="0" smtClean="0"/>
+          </a:p>
+        </p:txBody>
+      </p:sp>
     </p:spTree>
+    <p:extLst>
+      <p:ext uri="{BB962C8B-B14F-4D97-AF65-F5344CB8AC3E}">
+        <p14:creationId xmlns:p14="http://schemas.microsoft.com/office/powerpoint/2010/main" val="3706597608"/>
+      </p:ext>
+    </p:extLst>
   </p:cSld>
-  <p:timing>
-    <p:tnLst>
-      <p:par>
-        <p:cTn id="11" dur="indefinite" restart="never" nodeType="tmRoot">
-          <p:childTnLst>
-            <p:seq>
-              <p:cTn id="12" dur="indefinite" nodeType="mainSeq"/>
-              <p:prevCondLst>
-                <p:cond delay="0" evt="onPrev">
-                  <p:tgtEl>
-                    <p:sldTgt/>
-                  </p:tgtEl>
-                </p:cond>
-              </p:prevCondLst>
-              <p:nextCondLst>
-                <p:cond delay="0" evt="onNext">
-                  <p:tgtEl>
-                    <p:sldTgt/>
-                  </p:tgtEl>
-                </p:cond>
-              </p:nextCondLst>
-            </p:seq>
-          </p:childTnLst>
-        </p:cTn>
-      </p:par>
-    </p:tnLst>
-  </p:timing>
-</p:sld>
-</file>
-
-<file path=ppt/slides/slide7.xml><?xml version="1.0" encoding="utf-8"?>
-<p:sld xmlns:a="http://schemas.openxmlformats.org/drawingml/2006/main" xmlns:p="http://schemas.openxmlformats.org/presentationml/2006/main" xmlns:r="http://schemas.openxmlformats.org/officeDocument/2006/relationships" xmlns:p14="http://schemas.microsoft.com/office/powerpoint/2010/main" xmlns:p15="http://schemas.microsoft.com/office/powerpoint/2012/main" xmlns:mc="http://schemas.openxmlformats.org/markup-compatibility/2006">
-  <p:cSld>
-    <p:spTree>
-      <p:nvGrpSpPr>
-        <p:cNvPr id="1" name=""/>
-        <p:cNvGrpSpPr/>
-        <p:nvPr/>
-      </p:nvGrpSpPr>
-      <p:grpSpPr>
-        <a:xfrm>
-          <a:off x="0" y="0"/>
-          <a:ext cx="0" cy="0"/>
-          <a:chOff x="0" y="0"/>
-          <a:chExt cx="0" cy="0"/>
-        </a:xfrm>
-      </p:grpSpPr>
-      <p:sp>
-        <p:nvSpPr>
-          <p:cNvPr id="101" name="TextShape 1"/>
-          <p:cNvSpPr txBox="1"/>
-          <p:nvPr/>
-        </p:nvSpPr>
-        <p:spPr>
-          <a:xfrm>
-            <a:off x="756000" y="479880"/>
-            <a:ext cx="10515240" cy="4350960"/>
-          </a:xfrm>
-          <a:prstGeom prst="rect">
-            <a:avLst/>
-          </a:prstGeom>
-          <a:noFill/>
-          <a:ln>
-            <a:noFill/>
-          </a:ln>
-        </p:spPr>
-        <p:txBody>
-          <a:bodyPr/>
-          <a:p>
-            <a:pPr marL="228600" indent="-228240">
-              <a:lnSpc>
-                <a:spcPct val="90000"/>
-              </a:lnSpc>
-              <a:spcBef>
-                <a:spcPts val="1001"/>
-              </a:spcBef>
-              <a:buClr>
-                <a:srgbClr val="000000"/>
-              </a:buClr>
-              <a:buFont typeface="Arial"/>
-              <a:buChar char="•"/>
-            </a:pPr>
-            <a:r>
-              <a:rPr b="0" lang="zh-CN" sz="2800" spc="-1" strike="noStrike">
-                <a:solidFill>
-                  <a:srgbClr val="000000"/>
-                </a:solidFill>
-                <a:latin typeface="等线"/>
-              </a:rPr>
-              <a:t>CGRP</a:t>
-            </a:r>
-            <a:endParaRPr b="0" lang="zh-CN" sz="2800" spc="-1" strike="noStrike">
-              <a:solidFill>
-                <a:srgbClr val="000000"/>
-              </a:solidFill>
-              <a:latin typeface="等线"/>
-            </a:endParaRPr>
-          </a:p>
-          <a:p>
-            <a:pPr lvl="1" marL="685800" indent="-228240">
-              <a:lnSpc>
-                <a:spcPct val="90000"/>
-              </a:lnSpc>
-              <a:spcBef>
-                <a:spcPts val="499"/>
-              </a:spcBef>
-              <a:buClr>
-                <a:srgbClr val="000000"/>
-              </a:buClr>
-              <a:buFont typeface="Arial"/>
-              <a:buChar char="•"/>
-            </a:pPr>
-            <a:r>
-              <a:rPr b="0" lang="zh-CN" sz="2400" spc="-1" strike="noStrike">
-                <a:solidFill>
-                  <a:srgbClr val="000000"/>
-                </a:solidFill>
-                <a:latin typeface="等线"/>
-              </a:rPr>
-              <a:t>a potent microvascular vasodilator</a:t>
-            </a:r>
-            <a:endParaRPr b="0" lang="zh-CN" sz="2400" spc="-1" strike="noStrike">
-              <a:solidFill>
-                <a:srgbClr val="000000"/>
-              </a:solidFill>
-              <a:latin typeface="等线"/>
-            </a:endParaRPr>
-          </a:p>
-          <a:p>
-            <a:pPr lvl="1" marL="685800" indent="-228240">
-              <a:lnSpc>
-                <a:spcPct val="90000"/>
-              </a:lnSpc>
-              <a:spcBef>
-                <a:spcPts val="499"/>
-              </a:spcBef>
-              <a:buClr>
-                <a:srgbClr val="000000"/>
-              </a:buClr>
-              <a:buFont typeface="Arial"/>
-              <a:buChar char="•"/>
-            </a:pPr>
-            <a:r>
-              <a:rPr b="0" lang="zh-CN" sz="2400" spc="-1" strike="noStrike">
-                <a:solidFill>
-                  <a:srgbClr val="000000"/>
-                </a:solidFill>
-                <a:latin typeface="等线"/>
-              </a:rPr>
-              <a:t>localized in central and peripheral nerve system neurons </a:t>
-            </a:r>
-            <a:endParaRPr b="0" lang="zh-CN" sz="2400" spc="-1" strike="noStrike">
-              <a:solidFill>
-                <a:srgbClr val="000000"/>
-              </a:solidFill>
-              <a:latin typeface="等线"/>
-            </a:endParaRPr>
-          </a:p>
-          <a:p>
-            <a:pPr lvl="1" marL="685800" indent="-228240">
-              <a:lnSpc>
-                <a:spcPct val="90000"/>
-              </a:lnSpc>
-              <a:spcBef>
-                <a:spcPts val="499"/>
-              </a:spcBef>
-              <a:buClr>
-                <a:srgbClr val="000000"/>
-              </a:buClr>
-              <a:buFont typeface="Arial"/>
-              <a:buChar char="•"/>
-            </a:pPr>
-            <a:r>
-              <a:rPr b="0" lang="zh-CN" sz="2400" spc="-1" strike="noStrike">
-                <a:solidFill>
-                  <a:srgbClr val="000000"/>
-                </a:solidFill>
-                <a:latin typeface="等线"/>
-              </a:rPr>
-              <a:t>negative regulate immune system</a:t>
-            </a:r>
-            <a:endParaRPr b="0" lang="zh-CN" sz="2400" spc="-1" strike="noStrike">
-              <a:solidFill>
-                <a:srgbClr val="000000"/>
-              </a:solidFill>
-              <a:latin typeface="等线"/>
-            </a:endParaRPr>
-          </a:p>
-          <a:p>
-            <a:pPr marL="228600" indent="-228240">
-              <a:lnSpc>
-                <a:spcPct val="90000"/>
-              </a:lnSpc>
-              <a:spcBef>
-                <a:spcPts val="1001"/>
-              </a:spcBef>
-              <a:buClr>
-                <a:srgbClr val="000000"/>
-              </a:buClr>
-              <a:buFont typeface="Arial"/>
-              <a:buChar char="•"/>
-            </a:pPr>
-            <a:r>
-              <a:rPr b="0" lang="zh-CN" sz="2800" spc="-1" strike="noStrike">
-                <a:solidFill>
-                  <a:srgbClr val="000000"/>
-                </a:solidFill>
-                <a:latin typeface="等线"/>
-              </a:rPr>
-              <a:t>CGRP inhibits neutrophil recruitment of local acute inflammation</a:t>
-            </a:r>
-            <a:endParaRPr b="0" lang="zh-CN" sz="2800" spc="-1" strike="noStrike">
-              <a:solidFill>
-                <a:srgbClr val="000000"/>
-              </a:solidFill>
-              <a:latin typeface="等线"/>
-            </a:endParaRPr>
-          </a:p>
-          <a:p>
-            <a:pPr marL="228600" indent="-228240">
-              <a:lnSpc>
-                <a:spcPct val="90000"/>
-              </a:lnSpc>
-              <a:spcBef>
-                <a:spcPts val="1001"/>
-              </a:spcBef>
-              <a:buClr>
-                <a:srgbClr val="000000"/>
-              </a:buClr>
-              <a:buFont typeface="Arial"/>
-              <a:buChar char="•"/>
-            </a:pPr>
-            <a:r>
-              <a:rPr b="0" lang="zh-CN" sz="2800" spc="-1" strike="noStrike">
-                <a:solidFill>
-                  <a:srgbClr val="000000"/>
-                </a:solidFill>
-                <a:latin typeface="等线"/>
-              </a:rPr>
-              <a:t>CGRP inhibits TNF-a </a:t>
-            </a:r>
-            <a:r>
-              <a:rPr b="0" lang="zh-CN" sz="1200" spc="-1" strike="noStrike">
-                <a:solidFill>
-                  <a:srgbClr val="000000"/>
-                </a:solidFill>
-                <a:latin typeface="等线"/>
-              </a:rPr>
-              <a:t>(macrophage) </a:t>
-            </a:r>
-            <a:r>
-              <a:rPr b="0" lang="zh-CN" sz="2800" spc="-1" strike="noStrike">
-                <a:solidFill>
-                  <a:srgbClr val="000000"/>
-                </a:solidFill>
-                <a:latin typeface="等线"/>
-              </a:rPr>
-              <a:t>serum levels and enhance IL-6 and IL-10 levels</a:t>
-            </a:r>
-            <a:endParaRPr b="0" lang="zh-CN" sz="2800" spc="-1" strike="noStrike">
-              <a:solidFill>
-                <a:srgbClr val="000000"/>
-              </a:solidFill>
-              <a:latin typeface="等线"/>
-            </a:endParaRPr>
-          </a:p>
-        </p:txBody>
-      </p:sp>
-      <p:pic>
-        <p:nvPicPr>
-          <p:cNvPr id="102" name="图片 3" descr=""/>
-          <p:cNvPicPr/>
-          <p:nvPr/>
-        </p:nvPicPr>
-        <p:blipFill>
-          <a:blip r:embed="rId1"/>
-          <a:stretch/>
-        </p:blipFill>
-        <p:spPr>
-          <a:xfrm>
-            <a:off x="673920" y="3836520"/>
-            <a:ext cx="4581720" cy="2657520"/>
-          </a:xfrm>
-          <a:prstGeom prst="rect">
-            <a:avLst/>
-          </a:prstGeom>
-          <a:ln>
-            <a:noFill/>
-          </a:ln>
-        </p:spPr>
-      </p:pic>
-      <p:pic>
-        <p:nvPicPr>
-          <p:cNvPr id="103" name="图片 4" descr=""/>
-          <p:cNvPicPr/>
-          <p:nvPr/>
-        </p:nvPicPr>
-        <p:blipFill>
-          <a:blip r:embed="rId2"/>
-          <a:stretch/>
-        </p:blipFill>
-        <p:spPr>
-          <a:xfrm>
-            <a:off x="5672520" y="4050720"/>
-            <a:ext cx="5181840" cy="2228760"/>
-          </a:xfrm>
-          <a:prstGeom prst="rect">
-            <a:avLst/>
-          </a:prstGeom>
-          <a:ln>
-            <a:noFill/>
-          </a:ln>
-        </p:spPr>
-      </p:pic>
-    </p:spTree>
-  </p:cSld>
-  <p:timing>
-    <p:tnLst>
-      <p:par>
-        <p:cTn id="13" dur="indefinite" restart="never" nodeType="tmRoot">
-          <p:childTnLst>
-            <p:seq>
-              <p:cTn id="14" dur="indefinite" nodeType="mainSeq"/>
-              <p:prevCondLst>
-                <p:cond delay="0" evt="onPrev">
-                  <p:tgtEl>
-                    <p:sldTgt/>
-                  </p:tgtEl>
-                </p:cond>
-              </p:prevCondLst>
-              <p:nextCondLst>
-                <p:cond delay="0" evt="onNext">
-                  <p:tgtEl>
-                    <p:sldTgt/>
-                  </p:tgtEl>
-                </p:cond>
-              </p:nextCondLst>
-            </p:seq>
-          </p:childTnLst>
-        </p:cTn>
-      </p:par>
-    </p:tnLst>
-  </p:timing>
-</p:sld>
-</file>
-
-<file path=ppt/slides/slide8.xml><?xml version="1.0" encoding="utf-8"?>
-<p:sld xmlns:a="http://schemas.openxmlformats.org/drawingml/2006/main" xmlns:p="http://schemas.openxmlformats.org/presentationml/2006/main" xmlns:r="http://schemas.openxmlformats.org/officeDocument/2006/relationships" xmlns:p14="http://schemas.microsoft.com/office/powerpoint/2010/main" xmlns:p15="http://schemas.microsoft.com/office/powerpoint/2012/main" xmlns:mc="http://schemas.openxmlformats.org/markup-compatibility/2006">
-  <p:cSld>
-    <p:spTree>
-      <p:nvGrpSpPr>
-        <p:cNvPr id="1" name=""/>
-        <p:cNvGrpSpPr/>
-        <p:nvPr/>
-      </p:nvGrpSpPr>
-      <p:grpSpPr>
-        <a:xfrm>
-          <a:off x="0" y="0"/>
-          <a:ext cx="0" cy="0"/>
-          <a:chOff x="0" y="0"/>
-          <a:chExt cx="0" cy="0"/>
-        </a:xfrm>
-      </p:grpSpPr>
-      <p:sp>
-        <p:nvSpPr>
-          <p:cNvPr id="104" name="TextShape 1"/>
-          <p:cNvSpPr txBox="1"/>
-          <p:nvPr/>
-        </p:nvSpPr>
-        <p:spPr>
-          <a:xfrm>
-            <a:off x="838080" y="365040"/>
-            <a:ext cx="10515240" cy="1325160"/>
-          </a:xfrm>
-          <a:prstGeom prst="rect">
-            <a:avLst/>
-          </a:prstGeom>
-          <a:noFill/>
-          <a:ln>
-            <a:noFill/>
-          </a:ln>
-        </p:spPr>
-        <p:txBody>
-          <a:bodyPr anchor="ctr"/>
-          <a:p>
-            <a:endParaRPr b="0" lang="zh-CN" sz="1800" spc="-1" strike="noStrike">
-              <a:solidFill>
-                <a:srgbClr val="000000"/>
-              </a:solidFill>
-              <a:latin typeface="等线"/>
-            </a:endParaRPr>
-          </a:p>
-        </p:txBody>
-      </p:sp>
-      <p:pic>
-        <p:nvPicPr>
-          <p:cNvPr id="105" name="内容占位符 3" descr=""/>
-          <p:cNvPicPr/>
-          <p:nvPr/>
-        </p:nvPicPr>
-        <p:blipFill>
-          <a:blip r:embed="rId1"/>
-          <a:stretch/>
-        </p:blipFill>
-        <p:spPr>
-          <a:xfrm>
-            <a:off x="838080" y="1690560"/>
-            <a:ext cx="10515240" cy="3133080"/>
-          </a:xfrm>
-          <a:prstGeom prst="rect">
-            <a:avLst/>
-          </a:prstGeom>
-          <a:ln>
-            <a:noFill/>
-          </a:ln>
-        </p:spPr>
-      </p:pic>
-      <p:sp>
-        <p:nvSpPr>
-          <p:cNvPr id="106" name="CustomShape 2"/>
-          <p:cNvSpPr/>
-          <p:nvPr/>
-        </p:nvSpPr>
-        <p:spPr>
-          <a:xfrm>
-            <a:off x="1346040" y="5311800"/>
-            <a:ext cx="3801240" cy="364680"/>
-          </a:xfrm>
-          <a:prstGeom prst="rect">
-            <a:avLst/>
-          </a:prstGeom>
-          <a:noFill/>
-          <a:ln>
-            <a:noFill/>
-          </a:ln>
-        </p:spPr>
-        <p:style>
-          <a:lnRef idx="0"/>
-          <a:fillRef idx="0"/>
-          <a:effectRef idx="0"/>
-          <a:fontRef idx="minor"/>
-        </p:style>
-        <p:txBody>
-          <a:bodyPr lIns="90000" rIns="90000" tIns="45000" bIns="45000"/>
-          <a:p>
-            <a:pPr>
-              <a:lnSpc>
-                <a:spcPct val="100000"/>
-              </a:lnSpc>
-            </a:pPr>
-            <a:r>
-              <a:rPr b="0" lang="en-US" sz="1800" spc="-1" strike="noStrike">
-                <a:solidFill>
-                  <a:srgbClr val="000000"/>
-                </a:solidFill>
-                <a:latin typeface="等线"/>
-              </a:rPr>
-              <a:t>Nociceptin: </a:t>
-            </a:r>
-            <a:r>
-              <a:rPr b="0" lang="en-US" sz="1800" spc="-1" strike="noStrike">
-                <a:solidFill>
-                  <a:srgbClr val="000000"/>
-                </a:solidFill>
-                <a:latin typeface="等线"/>
-              </a:rPr>
-              <a:t>致痛素，痛敏肽</a:t>
-            </a:r>
-            <a:endParaRPr b="0" lang="en-US" sz="1800" spc="-1" strike="noStrike">
-              <a:latin typeface="Arial"/>
-            </a:endParaRPr>
-          </a:p>
-        </p:txBody>
-      </p:sp>
-    </p:spTree>
-  </p:cSld>
-  <p:timing>
-    <p:tnLst>
-      <p:par>
-        <p:cTn id="15" dur="indefinite" restart="never" nodeType="tmRoot">
-          <p:childTnLst>
-            <p:seq>
-              <p:cTn id="16" dur="indefinite" nodeType="mainSeq"/>
-              <p:prevCondLst>
-                <p:cond delay="0" evt="onPrev">
-                  <p:tgtEl>
-                    <p:sldTgt/>
-                  </p:tgtEl>
-                </p:cond>
-              </p:prevCondLst>
-              <p:nextCondLst>
-                <p:cond delay="0" evt="onNext">
-                  <p:tgtEl>
-                    <p:sldTgt/>
-                  </p:tgtEl>
-                </p:cond>
-              </p:nextCondLst>
-            </p:seq>
-          </p:childTnLst>
-        </p:cTn>
-      </p:par>
-    </p:tnLst>
-  </p:timing>
-</p:sld>
-</file>
-
-<file path=ppt/slides/slide9.xml><?xml version="1.0" encoding="utf-8"?>
-<p:sld xmlns:a="http://schemas.openxmlformats.org/drawingml/2006/main" xmlns:p="http://schemas.openxmlformats.org/presentationml/2006/main" xmlns:r="http://schemas.openxmlformats.org/officeDocument/2006/relationships" xmlns:p14="http://schemas.microsoft.com/office/powerpoint/2010/main" xmlns:p15="http://schemas.microsoft.com/office/powerpoint/2012/main" xmlns:mc="http://schemas.openxmlformats.org/markup-compatibility/2006">
-  <p:cSld>
-    <p:spTree>
-      <p:nvGrpSpPr>
-        <p:cNvPr id="1" name=""/>
-        <p:cNvGrpSpPr/>
-        <p:nvPr/>
-      </p:nvGrpSpPr>
-      <p:grpSpPr>
-        <a:xfrm>
-          <a:off x="0" y="0"/>
-          <a:ext cx="0" cy="0"/>
-          <a:chOff x="0" y="0"/>
-          <a:chExt cx="0" cy="0"/>
-        </a:xfrm>
-      </p:grpSpPr>
-      <p:sp>
-        <p:nvSpPr>
-          <p:cNvPr id="107" name="TextShape 1"/>
-          <p:cNvSpPr txBox="1"/>
-          <p:nvPr/>
-        </p:nvSpPr>
-        <p:spPr>
-          <a:xfrm>
-            <a:off x="838080" y="626760"/>
-            <a:ext cx="10515240" cy="5549760"/>
-          </a:xfrm>
-          <a:prstGeom prst="rect">
-            <a:avLst/>
-          </a:prstGeom>
-          <a:noFill/>
-          <a:ln>
-            <a:noFill/>
-          </a:ln>
-        </p:spPr>
-        <p:txBody>
-          <a:bodyPr/>
-          <a:p>
-            <a:pPr marL="228600" indent="-228240">
-              <a:lnSpc>
-                <a:spcPct val="90000"/>
-              </a:lnSpc>
-              <a:spcBef>
-                <a:spcPts val="1001"/>
-              </a:spcBef>
-              <a:buClr>
-                <a:srgbClr val="000000"/>
-              </a:buClr>
-              <a:buFont typeface="Arial"/>
-              <a:buChar char="•"/>
-            </a:pPr>
-            <a:r>
-              <a:rPr b="0" lang="zh-CN" sz="2800" spc="-1" strike="noStrike">
-                <a:solidFill>
-                  <a:srgbClr val="000000"/>
-                </a:solidFill>
-                <a:latin typeface="等线"/>
-              </a:rPr>
-              <a:t>The immune system LPS receptor complex: CD-14, </a:t>
-            </a:r>
-            <a:r>
-              <a:rPr b="0" lang="zh-CN" sz="2800" spc="-1" strike="noStrike">
-                <a:solidFill>
-                  <a:srgbClr val="ff0000"/>
-                </a:solidFill>
-                <a:latin typeface="等线"/>
-              </a:rPr>
-              <a:t>MD-2</a:t>
-            </a:r>
-            <a:r>
-              <a:rPr b="0" lang="zh-CN" sz="2800" spc="-1" strike="noStrike">
-                <a:solidFill>
-                  <a:srgbClr val="000000"/>
-                </a:solidFill>
-                <a:latin typeface="等线"/>
-              </a:rPr>
-              <a:t>, TLR4</a:t>
-            </a:r>
-            <a:endParaRPr b="0" lang="zh-CN" sz="2800" spc="-1" strike="noStrike">
-              <a:solidFill>
-                <a:srgbClr val="000000"/>
-              </a:solidFill>
-              <a:latin typeface="等线"/>
-            </a:endParaRPr>
-          </a:p>
-          <a:p>
-            <a:pPr marL="228600" indent="-228240">
-              <a:lnSpc>
-                <a:spcPct val="90000"/>
-              </a:lnSpc>
-              <a:spcBef>
-                <a:spcPts val="1001"/>
-              </a:spcBef>
-              <a:buClr>
-                <a:srgbClr val="000000"/>
-              </a:buClr>
-              <a:buFont typeface="Arial"/>
-              <a:buChar char="•"/>
-            </a:pPr>
-            <a:r>
-              <a:rPr b="0" lang="zh-CN" sz="2800" spc="-1" strike="noStrike">
-                <a:solidFill>
-                  <a:srgbClr val="000000"/>
-                </a:solidFill>
-                <a:latin typeface="等线"/>
-              </a:rPr>
-              <a:t>DRG neurons LPS receptor complex: CD-14, </a:t>
-            </a:r>
-            <a:r>
-              <a:rPr b="0" lang="zh-CN" sz="2800" spc="-1" strike="noStrike">
-                <a:solidFill>
-                  <a:srgbClr val="ff0000"/>
-                </a:solidFill>
-                <a:latin typeface="等线"/>
-              </a:rPr>
-              <a:t>MD-1</a:t>
-            </a:r>
-            <a:r>
-              <a:rPr b="0" lang="zh-CN" sz="2800" spc="-1" strike="noStrike">
-                <a:solidFill>
-                  <a:srgbClr val="000000"/>
-                </a:solidFill>
-                <a:latin typeface="等线"/>
-              </a:rPr>
-              <a:t>, TLR4</a:t>
-            </a:r>
-            <a:endParaRPr b="0" lang="zh-CN" sz="2800" spc="-1" strike="noStrike">
-              <a:solidFill>
-                <a:srgbClr val="000000"/>
-              </a:solidFill>
-              <a:latin typeface="等线"/>
-            </a:endParaRPr>
-          </a:p>
-          <a:p>
-            <a:pPr marL="228600" indent="-228240">
-              <a:lnSpc>
-                <a:spcPct val="90000"/>
-              </a:lnSpc>
-              <a:spcBef>
-                <a:spcPts val="1001"/>
-              </a:spcBef>
-              <a:buClr>
-                <a:srgbClr val="000000"/>
-              </a:buClr>
-              <a:buFont typeface="Arial"/>
-              <a:buChar char="•"/>
-            </a:pPr>
-            <a:r>
-              <a:rPr b="0" lang="zh-CN" sz="2800" spc="-1" strike="noStrike">
-                <a:solidFill>
-                  <a:srgbClr val="000000"/>
-                </a:solidFill>
-                <a:latin typeface="等线"/>
-              </a:rPr>
-              <a:t>LPS stimulate DRG to express N/OFQ</a:t>
-            </a:r>
-            <a:endParaRPr b="0" lang="zh-CN" sz="2800" spc="-1" strike="noStrike">
-              <a:solidFill>
-                <a:srgbClr val="000000"/>
-              </a:solidFill>
-              <a:latin typeface="等线"/>
-            </a:endParaRPr>
-          </a:p>
-          <a:p>
-            <a:pPr marL="228600" indent="-228240">
-              <a:lnSpc>
-                <a:spcPct val="90000"/>
-              </a:lnSpc>
-              <a:spcBef>
-                <a:spcPts val="1001"/>
-              </a:spcBef>
-              <a:buClr>
-                <a:srgbClr val="000000"/>
-              </a:buClr>
-              <a:buFont typeface="Arial"/>
-              <a:buChar char="•"/>
-            </a:pPr>
-            <a:r>
-              <a:rPr b="0" lang="zh-CN" sz="2800" spc="-1" strike="noStrike">
-                <a:solidFill>
-                  <a:srgbClr val="000000"/>
-                </a:solidFill>
-                <a:latin typeface="等线"/>
-              </a:rPr>
-              <a:t>LBP (lipopolysaccharide-binding protein) enhance LPS binding to DRG</a:t>
-            </a:r>
-            <a:endParaRPr b="0" lang="zh-CN" sz="2800" spc="-1" strike="noStrike">
-              <a:solidFill>
-                <a:srgbClr val="000000"/>
-              </a:solidFill>
-              <a:latin typeface="等线"/>
-            </a:endParaRPr>
-          </a:p>
-          <a:p>
-            <a:pPr>
-              <a:lnSpc>
-                <a:spcPct val="90000"/>
-              </a:lnSpc>
-              <a:spcBef>
-                <a:spcPts val="1001"/>
-              </a:spcBef>
-            </a:pPr>
-            <a:endParaRPr b="0" lang="zh-CN" sz="2800" spc="-1" strike="noStrike">
-              <a:solidFill>
-                <a:srgbClr val="000000"/>
-              </a:solidFill>
-              <a:latin typeface="等线"/>
-            </a:endParaRPr>
-          </a:p>
-        </p:txBody>
-      </p:sp>
-      <p:pic>
-        <p:nvPicPr>
-          <p:cNvPr id="108" name="图片 3" descr=""/>
-          <p:cNvPicPr/>
-          <p:nvPr/>
-        </p:nvPicPr>
-        <p:blipFill>
-          <a:blip r:embed="rId1"/>
-          <a:stretch/>
-        </p:blipFill>
-        <p:spPr>
-          <a:xfrm>
-            <a:off x="3797280" y="2626560"/>
-            <a:ext cx="4597200" cy="4231080"/>
-          </a:xfrm>
-          <a:prstGeom prst="rect">
-            <a:avLst/>
-          </a:prstGeom>
-          <a:ln>
-            <a:noFill/>
-          </a:ln>
-        </p:spPr>
-      </p:pic>
-    </p:spTree>
-  </p:cSld>
-  <p:timing>
-    <p:tnLst>
-      <p:par>
-        <p:cTn id="17" dur="indefinite" restart="never" nodeType="tmRoot">
-          <p:childTnLst>
-            <p:seq>
-              <p:cTn id="18" dur="indefinite" nodeType="mainSeq"/>
-              <p:prevCondLst>
-                <p:cond delay="0" evt="onPrev">
-                  <p:tgtEl>
-                    <p:sldTgt/>
-                  </p:tgtEl>
-                </p:cond>
-              </p:prevCondLst>
-              <p:nextCondLst>
-                <p:cond delay="0" evt="onNext">
-                  <p:tgtEl>
-                    <p:sldTgt/>
-                  </p:tgtEl>
-                </p:cond>
-              </p:nextCondLst>
-            </p:seq>
-          </p:childTnLst>
-        </p:cTn>
-      </p:par>
-    </p:tnLst>
-  </p:timing>
+  <p:clrMapOvr>
+    <a:masterClrMapping/>
+  </p:clrMapOvr>
 </p:sld>
 </file>
 
@@ -6808,34 +8442,34 @@
         <a:sysClr val="window" lastClr="FFFFFF"/>
       </a:lt1>
       <a:dk2>
-        <a:srgbClr val="44546a"/>
+        <a:srgbClr val="44546A"/>
       </a:dk2>
       <a:lt2>
-        <a:srgbClr val="e7e6e6"/>
+        <a:srgbClr val="E7E6E6"/>
       </a:lt2>
       <a:accent1>
-        <a:srgbClr val="5b9bd5"/>
+        <a:srgbClr val="5B9BD5"/>
       </a:accent1>
       <a:accent2>
-        <a:srgbClr val="ed7d31"/>
+        <a:srgbClr val="ED7D31"/>
       </a:accent2>
       <a:accent3>
-        <a:srgbClr val="a5a5a5"/>
+        <a:srgbClr val="A5A5A5"/>
       </a:accent3>
       <a:accent4>
-        <a:srgbClr val="ffc000"/>
+        <a:srgbClr val="FFC000"/>
       </a:accent4>
       <a:accent5>
-        <a:srgbClr val="4472c4"/>
+        <a:srgbClr val="4472C4"/>
       </a:accent5>
       <a:accent6>
-        <a:srgbClr val="70ad47"/>
+        <a:srgbClr val="70AD47"/>
       </a:accent6>
       <a:hlink>
-        <a:srgbClr val="0563c1"/>
+        <a:srgbClr val="0563C1"/>
       </a:hlink>
       <a:folHlink>
-        <a:srgbClr val="954f72"/>
+        <a:srgbClr val="954F72"/>
       </a:folHlink>
     </a:clrScheme>
     <a:fontScheme name="Office">
@@ -7017,6 +8651,8 @@
       </a:bgFillStyleLst>
     </a:fmtScheme>
   </a:themeElements>
+  <a:objectDefaults/>
+  <a:extraClrSchemeLst/>
 </a:theme>
 </file>
 
@@ -7031,34 +8667,34 @@
         <a:sysClr val="window" lastClr="FFFFFF"/>
       </a:lt1>
       <a:dk2>
-        <a:srgbClr val="44546a"/>
+        <a:srgbClr val="44546A"/>
       </a:dk2>
       <a:lt2>
-        <a:srgbClr val="e7e6e6"/>
+        <a:srgbClr val="E7E6E6"/>
       </a:lt2>
       <a:accent1>
-        <a:srgbClr val="5b9bd5"/>
+        <a:srgbClr val="5B9BD5"/>
       </a:accent1>
       <a:accent2>
-        <a:srgbClr val="ed7d31"/>
+        <a:srgbClr val="ED7D31"/>
       </a:accent2>
       <a:accent3>
-        <a:srgbClr val="a5a5a5"/>
+        <a:srgbClr val="A5A5A5"/>
       </a:accent3>
       <a:accent4>
-        <a:srgbClr val="ffc000"/>
+        <a:srgbClr val="FFC000"/>
       </a:accent4>
       <a:accent5>
-        <a:srgbClr val="4472c4"/>
+        <a:srgbClr val="4472C4"/>
       </a:accent5>
       <a:accent6>
-        <a:srgbClr val="70ad47"/>
+        <a:srgbClr val="70AD47"/>
       </a:accent6>
       <a:hlink>
-        <a:srgbClr val="0563c1"/>
+        <a:srgbClr val="0563C1"/>
       </a:hlink>
       <a:folHlink>
-        <a:srgbClr val="954f72"/>
+        <a:srgbClr val="954F72"/>
       </a:folHlink>
     </a:clrScheme>
     <a:fontScheme name="Office">
@@ -7240,6 +8876,8 @@
       </a:bgFillStyleLst>
     </a:fmtScheme>
   </a:themeElements>
+  <a:objectDefaults/>
+  <a:extraClrSchemeLst/>
 </a:theme>
 </file>
 
@@ -7254,34 +8892,34 @@
         <a:sysClr val="window" lastClr="FFFFFF"/>
       </a:lt1>
       <a:dk2>
-        <a:srgbClr val="44546a"/>
+        <a:srgbClr val="44546A"/>
       </a:dk2>
       <a:lt2>
-        <a:srgbClr val="e7e6e6"/>
+        <a:srgbClr val="E7E6E6"/>
       </a:lt2>
       <a:accent1>
-        <a:srgbClr val="5b9bd5"/>
+        <a:srgbClr val="5B9BD5"/>
       </a:accent1>
       <a:accent2>
-        <a:srgbClr val="ed7d31"/>
+        <a:srgbClr val="ED7D31"/>
       </a:accent2>
       <a:accent3>
-        <a:srgbClr val="a5a5a5"/>
+        <a:srgbClr val="A5A5A5"/>
       </a:accent3>
       <a:accent4>
-        <a:srgbClr val="ffc000"/>
+        <a:srgbClr val="FFC000"/>
       </a:accent4>
       <a:accent5>
-        <a:srgbClr val="4472c4"/>
+        <a:srgbClr val="4472C4"/>
       </a:accent5>
       <a:accent6>
-        <a:srgbClr val="70ad47"/>
+        <a:srgbClr val="70AD47"/>
       </a:accent6>
       <a:hlink>
-        <a:srgbClr val="0563c1"/>
+        <a:srgbClr val="0563C1"/>
       </a:hlink>
       <a:folHlink>
-        <a:srgbClr val="954f72"/>
+        <a:srgbClr val="954F72"/>
       </a:folHlink>
     </a:clrScheme>
     <a:fontScheme name="Office">
@@ -7463,5 +9101,7 @@
       </a:bgFillStyleLst>
     </a:fmtScheme>
   </a:themeElements>
+  <a:objectDefaults/>
+  <a:extraClrSchemeLst/>
 </a:theme>
 </file>
--- a/sslab/UTI.pptx
+++ b/sslab/UTI.pptx
@@ -125,6 +125,11 @@
       </a:defRPr>
     </a:lvl9pPr>
   </p:defaultTextStyle>
+  <p:extLst>
+    <p:ext uri="{EFAFB233-063F-42B5-8137-9DF3F51BA10A}">
+      <p15:sldGuideLst xmlns:p15="http://schemas.microsoft.com/office/powerpoint/2012/main"/>
+    </p:ext>
+  </p:extLst>
 </p:presentation>
 </file>
 
@@ -3959,7 +3964,7 @@
                 </a:solidFill>
                 <a:latin typeface="等线"/>
               </a:rPr>
-              <a:t>8/18/2020</a:t>
+              <a:t>8/19/2020</a:t>
             </a:fld>
             <a:endParaRPr lang="en-US" sz="1200" b="0" strike="noStrike" spc="-1">
               <a:latin typeface="Times New Roman"/>
@@ -4769,7 +4774,7 @@
                 </a:solidFill>
                 <a:latin typeface="等线"/>
               </a:rPr>
-              <a:t>8/18/2020</a:t>
+              <a:t>8/19/2020</a:t>
             </a:fld>
             <a:endParaRPr lang="en-US" sz="1200" b="0" strike="noStrike" spc="-1">
               <a:latin typeface="Times New Roman"/>
@@ -6857,13 +6862,8 @@
           <a:p>
             <a:r>
               <a:rPr lang="en-US" altLang="zh-CN" dirty="0" smtClean="0"/>
-              <a:t>inspection time points: 2h, 6h, 24h</a:t>
-            </a:r>
-            <a:r>
-              <a:rPr lang="en-US" altLang="zh-CN" smtClean="0"/>
-              <a:t>, 7days</a:t>
-            </a:r>
-            <a:endParaRPr lang="en-US" altLang="zh-CN" dirty="0" smtClean="0"/>
+              <a:t>inspection time points: 2h, 6h, 24h, 7days</a:t>
+            </a:r>
           </a:p>
           <a:p>
             <a:endParaRPr lang="en-US" altLang="zh-CN" dirty="0"/>
@@ -6871,16 +6871,11 @@
           <a:p>
             <a:r>
               <a:rPr lang="en-US" altLang="zh-CN" dirty="0" smtClean="0"/>
-              <a:t>urine volume</a:t>
-            </a:r>
-          </a:p>
-          <a:p>
-            <a:endParaRPr lang="en-US" altLang="zh-CN" dirty="0"/>
-          </a:p>
-          <a:p>
+              <a:t>UPEC </a:t>
+            </a:r>
             <a:r>
               <a:rPr lang="en-US" altLang="zh-CN" dirty="0" smtClean="0"/>
-              <a:t>UPEC colonize position</a:t>
+              <a:t>colonize position</a:t>
             </a:r>
             <a:endParaRPr lang="zh-CN" altLang="en-US" dirty="0"/>
           </a:p>
